--- a/slides/03_Estudos de caso utilizando Redis.pptx
+++ b/slides/03_Estudos de caso utilizando Redis.pptx
@@ -231,6 +231,10 @@
 </p:presentation>
 </file>
 
+<file path=ppt/revisionInfo.xml><?xml version="1.0" encoding="utf-8"?>
+<p1510:revInfo xmlns:a="http://schemas.openxmlformats.org/drawingml/2006/main" xmlns:r="http://schemas.openxmlformats.org/officeDocument/2006/relationships" xmlns:p1510="http://schemas.microsoft.com/office/powerpoint/2015/10/main"/>
+</file>
+
 <file path=ppt/handoutMasters/handoutMaster1.xml><?xml version="1.0" encoding="utf-8"?>
 <p:handoutMaster xmlns:a="http://schemas.openxmlformats.org/drawingml/2006/main" xmlns:r="http://schemas.openxmlformats.org/officeDocument/2006/relationships" xmlns:p="http://schemas.openxmlformats.org/presentationml/2006/main">
   <p:cSld>
@@ -296,7 +300,7 @@
               <a:defRPr/>
             </a:pPr>
             <a:r>
-              <a:rPr lang="en-US" sz="600" b="0" i="0" u="none" baseline="0" dirty="0" smtClean="0">
+              <a:rPr lang="en-US" sz="600" b="0" i="0" u="none" baseline="0" dirty="0">
                 <a:solidFill>
                   <a:srgbClr val="444444"/>
                 </a:solidFill>
@@ -365,9 +369,9 @@
                   <a:schemeClr val="bg1"/>
                 </a:buClr>
               </a:pPr>
-              <a:t>‹#›</a:t>
+              <a:t>‹nº›</a:t>
             </a:fld>
-            <a:endParaRPr lang="en-US" sz="600" b="0" kern="1200" dirty="0" err="1" smtClean="0">
+            <a:endParaRPr lang="en-US" sz="600" b="0" kern="1200" dirty="0" err="1">
               <a:solidFill>
                 <a:srgbClr val="444444"/>
               </a:solidFill>
@@ -488,35 +492,35 @@
           <a:p>
             <a:pPr lvl="0"/>
             <a:r>
-              <a:rPr lang="en-US" noProof="0" dirty="0" smtClean="0"/>
+              <a:rPr lang="en-US" noProof="0" dirty="0"/>
               <a:t>Click to edit Master text styles</a:t>
             </a:r>
           </a:p>
           <a:p>
             <a:pPr lvl="1"/>
             <a:r>
-              <a:rPr lang="en-US" noProof="0" dirty="0" smtClean="0"/>
+              <a:rPr lang="en-US" noProof="0" dirty="0"/>
               <a:t>Second level</a:t>
             </a:r>
           </a:p>
           <a:p>
             <a:pPr lvl="2"/>
             <a:r>
-              <a:rPr lang="en-US" noProof="0" dirty="0" smtClean="0"/>
+              <a:rPr lang="en-US" noProof="0" dirty="0"/>
               <a:t>Third level</a:t>
             </a:r>
           </a:p>
           <a:p>
             <a:pPr lvl="3"/>
             <a:r>
-              <a:rPr lang="en-US" noProof="0" dirty="0" smtClean="0"/>
+              <a:rPr lang="en-US" noProof="0" dirty="0"/>
               <a:t>Fourth level</a:t>
             </a:r>
           </a:p>
           <a:p>
             <a:pPr lvl="4"/>
             <a:r>
-              <a:rPr lang="en-US" noProof="0" dirty="0" smtClean="0"/>
+              <a:rPr lang="en-US" noProof="0" dirty="0"/>
               <a:t>Fifth level</a:t>
             </a:r>
           </a:p>
@@ -562,7 +566,7 @@
               <a:defRPr/>
             </a:pPr>
             <a:r>
-              <a:rPr lang="en-US" sz="600" b="0" i="0" u="none" baseline="0" dirty="0" smtClean="0">
+              <a:rPr lang="en-US" sz="600" b="0" i="0" u="none" baseline="0" dirty="0">
                 <a:solidFill>
                   <a:srgbClr val="444444"/>
                 </a:solidFill>
@@ -631,9 +635,9 @@
                   <a:schemeClr val="bg1"/>
                 </a:buClr>
               </a:pPr>
-              <a:t>‹#›</a:t>
+              <a:t>‹nº›</a:t>
             </a:fld>
-            <a:endParaRPr lang="en-US" sz="600" b="0" kern="1200" dirty="0" err="1" smtClean="0">
+            <a:endParaRPr lang="en-US" sz="600" b="0" kern="1200" dirty="0" err="1">
               <a:solidFill>
                 <a:srgbClr val="444444"/>
               </a:solidFill>
@@ -971,14 +975,14 @@
           </a:lstStyle>
           <a:p>
             <a:r>
-              <a:rPr lang="en-US" dirty="0" smtClean="0"/>
+              <a:rPr lang="en-US" dirty="0"/>
               <a:t>Click to edit</a:t>
             </a:r>
             <a:br>
-              <a:rPr lang="en-US" dirty="0" smtClean="0"/>
+              <a:rPr lang="en-US" dirty="0"/>
             </a:br>
             <a:r>
-              <a:rPr lang="en-US" dirty="0" smtClean="0"/>
+              <a:rPr lang="en-US" dirty="0"/>
               <a:t>title slide</a:t>
             </a:r>
           </a:p>
@@ -1023,7 +1027,7 @@
           </a:lstStyle>
           <a:p>
             <a:r>
-              <a:rPr lang="en-US" dirty="0" smtClean="0"/>
+              <a:rPr lang="en-US" dirty="0"/>
               <a:t>Click to edit master subtitle style</a:t>
             </a:r>
           </a:p>
@@ -1072,13 +1076,6 @@
   <p:transition spd="med">
     <p:wipe dir="r"/>
   </p:transition>
-  <p:timing>
-    <p:tnLst>
-      <p:par>
-        <p:cTn id="1" dur="indefinite" restart="never" nodeType="tmRoot"/>
-      </p:par>
-    </p:tnLst>
-  </p:timing>
 </p:sldLayout>
 </file>
 
@@ -1134,10 +1131,9 @@
           </a:lstStyle>
           <a:p>
             <a:r>
-              <a:rPr lang="en-US" dirty="0" smtClean="0"/>
+              <a:rPr lang="en-US" dirty="0"/>
               <a:t>Click to edit content page title </a:t>
             </a:r>
-            <a:endParaRPr lang="en-US" dirty="0"/>
           </a:p>
         </p:txBody>
       </p:sp>
@@ -1255,21 +1251,21 @@
           <a:p>
             <a:pPr lvl="0"/>
             <a:r>
-              <a:rPr lang="en-US" smtClean="0"/>
+              <a:rPr lang="en-US"/>
               <a:t>Click to edit Master text styles</a:t>
             </a:r>
           </a:p>
           <a:p>
             <a:pPr lvl="1"/>
             <a:r>
-              <a:rPr lang="en-US" smtClean="0"/>
+              <a:rPr lang="en-US"/>
               <a:t>Second level</a:t>
             </a:r>
           </a:p>
           <a:p>
             <a:pPr lvl="2"/>
             <a:r>
-              <a:rPr lang="en-US" smtClean="0"/>
+              <a:rPr lang="en-US"/>
               <a:t>Third level</a:t>
             </a:r>
           </a:p>
@@ -1389,21 +1385,21 @@
           <a:p>
             <a:pPr lvl="0"/>
             <a:r>
-              <a:rPr lang="en-US" smtClean="0"/>
+              <a:rPr lang="en-US"/>
               <a:t>Click to edit Master text styles</a:t>
             </a:r>
           </a:p>
           <a:p>
             <a:pPr lvl="1"/>
             <a:r>
-              <a:rPr lang="en-US" smtClean="0"/>
+              <a:rPr lang="en-US"/>
               <a:t>Second level</a:t>
             </a:r>
           </a:p>
           <a:p>
             <a:pPr lvl="2"/>
             <a:r>
-              <a:rPr lang="en-US" smtClean="0"/>
+              <a:rPr lang="en-US"/>
               <a:t>Third level</a:t>
             </a:r>
           </a:p>
@@ -1422,13 +1418,6 @@
   <p:transition spd="med">
     <p:wipe dir="r"/>
   </p:transition>
-  <p:timing>
-    <p:tnLst>
-      <p:par>
-        <p:cTn id="1" dur="indefinite" restart="never" nodeType="tmRoot"/>
-      </p:par>
-    </p:tnLst>
-  </p:timing>
 </p:sldLayout>
 </file>
 
@@ -1484,10 +1473,9 @@
           </a:lstStyle>
           <a:p>
             <a:r>
-              <a:rPr lang="en-US" dirty="0" smtClean="0"/>
+              <a:rPr lang="en-US" dirty="0"/>
               <a:t>Click to edit content page title</a:t>
             </a:r>
-            <a:endParaRPr lang="en-US" dirty="0"/>
           </a:p>
         </p:txBody>
       </p:sp>
@@ -1605,21 +1593,21 @@
           <a:p>
             <a:pPr lvl="0"/>
             <a:r>
-              <a:rPr lang="en-US" smtClean="0"/>
+              <a:rPr lang="en-US"/>
               <a:t>Click to edit Master text styles</a:t>
             </a:r>
           </a:p>
           <a:p>
             <a:pPr lvl="1"/>
             <a:r>
-              <a:rPr lang="en-US" smtClean="0"/>
+              <a:rPr lang="en-US"/>
               <a:t>Second level</a:t>
             </a:r>
           </a:p>
           <a:p>
             <a:pPr lvl="2"/>
             <a:r>
-              <a:rPr lang="en-US" smtClean="0"/>
+              <a:rPr lang="en-US"/>
               <a:t>Third level</a:t>
             </a:r>
           </a:p>
@@ -1638,13 +1626,6 @@
   <p:transition spd="med">
     <p:wipe dir="r"/>
   </p:transition>
-  <p:timing>
-    <p:tnLst>
-      <p:par>
-        <p:cTn id="1" dur="indefinite" restart="never" nodeType="tmRoot"/>
-      </p:par>
-    </p:tnLst>
-  </p:timing>
 </p:sldLayout>
 </file>
 
@@ -1697,10 +1678,9 @@
           </a:lstStyle>
           <a:p>
             <a:r>
-              <a:rPr lang="en-US" dirty="0" smtClean="0"/>
+              <a:rPr lang="en-US" dirty="0"/>
               <a:t>Click to edit content page title</a:t>
             </a:r>
-            <a:endParaRPr lang="en-US" dirty="0"/>
           </a:p>
         </p:txBody>
       </p:sp>
@@ -1738,7 +1718,7 @@
           <a:p>
             <a:pPr marL="0" lvl="0" indent="0"/>
             <a:r>
-              <a:rPr lang="en-US" dirty="0" smtClean="0"/>
+              <a:rPr lang="en-US" dirty="0"/>
               <a:t>Click to edit master subtitle style</a:t>
             </a:r>
           </a:p>
@@ -1858,21 +1838,21 @@
           <a:p>
             <a:pPr lvl="0"/>
             <a:r>
-              <a:rPr lang="en-US" smtClean="0"/>
+              <a:rPr lang="en-US"/>
               <a:t>Click to edit Master text styles</a:t>
             </a:r>
           </a:p>
           <a:p>
             <a:pPr lvl="1"/>
             <a:r>
-              <a:rPr lang="en-US" smtClean="0"/>
+              <a:rPr lang="en-US"/>
               <a:t>Second level</a:t>
             </a:r>
           </a:p>
           <a:p>
             <a:pPr lvl="2"/>
             <a:r>
-              <a:rPr lang="en-US" smtClean="0"/>
+              <a:rPr lang="en-US"/>
               <a:t>Third level</a:t>
             </a:r>
           </a:p>
@@ -1891,13 +1871,6 @@
   <p:transition spd="med">
     <p:wipe dir="r"/>
   </p:transition>
-  <p:timing>
-    <p:tnLst>
-      <p:par>
-        <p:cTn id="1" dur="indefinite" restart="never" nodeType="tmRoot"/>
-      </p:par>
-    </p:tnLst>
-  </p:timing>
 </p:sldLayout>
 </file>
 
@@ -1953,17 +1926,16 @@
           </a:lstStyle>
           <a:p>
             <a:r>
-              <a:rPr lang="en-US" dirty="0" smtClean="0"/>
+              <a:rPr lang="en-US" dirty="0"/>
               <a:t>Click to edit content </a:t>
             </a:r>
             <a:br>
-              <a:rPr lang="en-US" dirty="0" smtClean="0"/>
+              <a:rPr lang="en-US" dirty="0"/>
             </a:br>
             <a:r>
-              <a:rPr lang="en-US" dirty="0" smtClean="0"/>
+              <a:rPr lang="en-US" dirty="0"/>
               <a:t>page title</a:t>
             </a:r>
-            <a:endParaRPr lang="en-US" dirty="0"/>
           </a:p>
         </p:txBody>
       </p:sp>
@@ -2001,7 +1973,7 @@
           <a:p>
             <a:pPr marL="0" lvl="0" indent="0"/>
             <a:r>
-              <a:rPr lang="en-US" dirty="0" smtClean="0"/>
+              <a:rPr lang="en-US" dirty="0"/>
               <a:t>Click to edit master subtitle style</a:t>
             </a:r>
           </a:p>
@@ -2121,21 +2093,21 @@
           <a:p>
             <a:pPr lvl="0"/>
             <a:r>
-              <a:rPr lang="en-US" smtClean="0"/>
+              <a:rPr lang="en-US"/>
               <a:t>Click to edit Master text styles</a:t>
             </a:r>
           </a:p>
           <a:p>
             <a:pPr lvl="1"/>
             <a:r>
-              <a:rPr lang="en-US" smtClean="0"/>
+              <a:rPr lang="en-US"/>
               <a:t>Second level</a:t>
             </a:r>
           </a:p>
           <a:p>
             <a:pPr lvl="2"/>
             <a:r>
-              <a:rPr lang="en-US" smtClean="0"/>
+              <a:rPr lang="en-US"/>
               <a:t>Third level</a:t>
             </a:r>
           </a:p>
@@ -2154,13 +2126,6 @@
   <p:transition spd="med">
     <p:wipe dir="r"/>
   </p:transition>
-  <p:timing>
-    <p:tnLst>
-      <p:par>
-        <p:cTn id="1" dur="indefinite" restart="never" nodeType="tmRoot"/>
-      </p:par>
-    </p:tnLst>
-  </p:timing>
 </p:sldLayout>
 </file>
 
@@ -2216,10 +2181,9 @@
           </a:lstStyle>
           <a:p>
             <a:r>
-              <a:rPr lang="en-US" dirty="0" smtClean="0"/>
+              <a:rPr lang="en-US" dirty="0"/>
               <a:t>Click to edit content page title</a:t>
             </a:r>
-            <a:endParaRPr lang="en-US" dirty="0"/>
           </a:p>
         </p:txBody>
       </p:sp>
@@ -2236,13 +2200,6 @@
   <p:transition spd="med">
     <p:wipe dir="r"/>
   </p:transition>
-  <p:timing>
-    <p:tnLst>
-      <p:par>
-        <p:cTn id="1" dur="indefinite" restart="never" nodeType="tmRoot"/>
-      </p:par>
-    </p:tnLst>
-  </p:timing>
 </p:sldLayout>
 </file>
 
@@ -2276,13 +2233,6 @@
   <p:transition spd="med">
     <p:wipe dir="r"/>
   </p:transition>
-  <p:timing>
-    <p:tnLst>
-      <p:par>
-        <p:cTn id="1" dur="indefinite" restart="never" nodeType="tmRoot"/>
-      </p:par>
-    </p:tnLst>
-  </p:timing>
 </p:sldLayout>
 </file>
 
@@ -2370,10 +2320,9 @@
           </a:lstStyle>
           <a:p>
             <a:r>
-              <a:rPr lang="en-US" dirty="0" smtClean="0"/>
+              <a:rPr lang="en-US" dirty="0"/>
               <a:t>Click to edit divider slide title  </a:t>
             </a:r>
-            <a:endParaRPr lang="en-US" dirty="0"/>
           </a:p>
         </p:txBody>
       </p:sp>
@@ -2420,13 +2369,6 @@
   <p:transition spd="med">
     <p:wipe dir="r"/>
   </p:transition>
-  <p:timing>
-    <p:tnLst>
-      <p:par>
-        <p:cTn id="1" dur="indefinite" restart="never" nodeType="tmRoot"/>
-      </p:par>
-    </p:tnLst>
-  </p:timing>
 </p:sldLayout>
 </file>
 
@@ -2514,10 +2456,9 @@
           </a:lstStyle>
           <a:p>
             <a:r>
-              <a:rPr lang="en-US" dirty="0" smtClean="0"/>
+              <a:rPr lang="en-US" dirty="0"/>
               <a:t>Click to edit divider slide title  </a:t>
             </a:r>
-            <a:endParaRPr lang="en-US" dirty="0"/>
           </a:p>
         </p:txBody>
       </p:sp>
@@ -2564,13 +2505,6 @@
   <p:transition spd="med">
     <p:wipe dir="r"/>
   </p:transition>
-  <p:timing>
-    <p:tnLst>
-      <p:par>
-        <p:cTn id="1" dur="indefinite" restart="never" nodeType="tmRoot"/>
-      </p:par>
-    </p:tnLst>
-  </p:timing>
 </p:sldLayout>
 </file>
 
@@ -2658,10 +2592,9 @@
           </a:lstStyle>
           <a:p>
             <a:r>
-              <a:rPr lang="en-US" dirty="0" smtClean="0"/>
+              <a:rPr lang="en-US" dirty="0"/>
               <a:t>Click to edit divider slide title  </a:t>
             </a:r>
-            <a:endParaRPr lang="en-US" dirty="0"/>
           </a:p>
         </p:txBody>
       </p:sp>
@@ -2708,13 +2641,6 @@
   <p:transition spd="med">
     <p:wipe dir="r"/>
   </p:transition>
-  <p:timing>
-    <p:tnLst>
-      <p:par>
-        <p:cTn id="1" dur="indefinite" restart="never" nodeType="tmRoot"/>
-      </p:par>
-    </p:tnLst>
-  </p:timing>
 </p:sldLayout>
 </file>
 
@@ -2778,10 +2704,9 @@
           </a:lstStyle>
           <a:p>
             <a:r>
-              <a:rPr lang="en-US" dirty="0" smtClean="0"/>
+              <a:rPr lang="en-US" dirty="0"/>
               <a:t>Click to edit divider slide title  </a:t>
             </a:r>
-            <a:endParaRPr lang="en-US" dirty="0"/>
           </a:p>
         </p:txBody>
       </p:sp>
@@ -2828,13 +2753,6 @@
   <p:transition spd="med">
     <p:wipe dir="r"/>
   </p:transition>
-  <p:timing>
-    <p:tnLst>
-      <p:par>
-        <p:cTn id="1" dur="indefinite" restart="never" nodeType="tmRoot"/>
-      </p:par>
-    </p:tnLst>
-  </p:timing>
 </p:sldLayout>
 </file>
 
@@ -2930,14 +2848,14 @@
               </a:spcAft>
             </a:pPr>
             <a:r>
-              <a:rPr lang="en-US" dirty="0" smtClean="0"/>
+              <a:rPr lang="en-US" dirty="0"/>
               <a:t>Click to edit</a:t>
             </a:r>
             <a:br>
-              <a:rPr lang="en-US" dirty="0" smtClean="0"/>
+              <a:rPr lang="en-US" dirty="0"/>
             </a:br>
             <a:r>
-              <a:rPr lang="en-US" dirty="0" smtClean="0"/>
+              <a:rPr lang="en-US" dirty="0"/>
               <a:t>title slide</a:t>
             </a:r>
           </a:p>
@@ -2982,7 +2900,7 @@
           </a:lstStyle>
           <a:p>
             <a:r>
-              <a:rPr lang="en-US" dirty="0" smtClean="0"/>
+              <a:rPr lang="en-US" dirty="0"/>
               <a:t>Click to edit master subtitle style</a:t>
             </a:r>
           </a:p>
@@ -3031,13 +2949,6 @@
   <p:transition spd="med">
     <p:wipe dir="r"/>
   </p:transition>
-  <p:timing>
-    <p:tnLst>
-      <p:par>
-        <p:cTn id="1" dur="indefinite" restart="never" nodeType="tmRoot"/>
-      </p:par>
-    </p:tnLst>
-  </p:timing>
 </p:sldLayout>
 </file>
 
@@ -3101,10 +3012,9 @@
           </a:lstStyle>
           <a:p>
             <a:r>
-              <a:rPr lang="en-US" dirty="0" smtClean="0"/>
+              <a:rPr lang="en-US" dirty="0"/>
               <a:t>Click to edit divider slide title </a:t>
             </a:r>
-            <a:endParaRPr lang="en-US" dirty="0"/>
           </a:p>
         </p:txBody>
       </p:sp>
@@ -3151,13 +3061,6 @@
   <p:transition spd="med">
     <p:wipe dir="r"/>
   </p:transition>
-  <p:timing>
-    <p:tnLst>
-      <p:par>
-        <p:cTn id="1" dur="indefinite" restart="never" nodeType="tmRoot"/>
-      </p:par>
-    </p:tnLst>
-  </p:timing>
 </p:sldLayout>
 </file>
 
@@ -3223,10 +3126,9 @@
           </a:lstStyle>
           <a:p>
             <a:r>
-              <a:rPr lang="en-US" dirty="0" smtClean="0"/>
+              <a:rPr lang="en-US" dirty="0"/>
               <a:t>Click to edit divider slide title  </a:t>
             </a:r>
-            <a:endParaRPr lang="en-US" dirty="0"/>
           </a:p>
         </p:txBody>
       </p:sp>
@@ -3273,13 +3175,6 @@
   <p:transition spd="med">
     <p:wipe dir="r"/>
   </p:transition>
-  <p:timing>
-    <p:tnLst>
-      <p:par>
-        <p:cTn id="1" dur="indefinite" restart="never" nodeType="tmRoot"/>
-      </p:par>
-    </p:tnLst>
-  </p:timing>
 </p:sldLayout>
 </file>
 
@@ -3351,13 +3246,6 @@
   <p:transition spd="med">
     <p:wipe dir="r"/>
   </p:transition>
-  <p:timing>
-    <p:tnLst>
-      <p:par>
-        <p:cTn id="1" dur="indefinite" restart="never" nodeType="tmRoot"/>
-      </p:par>
-    </p:tnLst>
-  </p:timing>
 </p:sldLayout>
 </file>
 
@@ -3429,13 +3317,6 @@
   <p:transition spd="med">
     <p:wipe dir="r"/>
   </p:transition>
-  <p:timing>
-    <p:tnLst>
-      <p:par>
-        <p:cTn id="1" dur="indefinite" restart="never" nodeType="tmRoot"/>
-      </p:par>
-    </p:tnLst>
-  </p:timing>
 </p:sldLayout>
 </file>
 
@@ -3507,13 +3388,6 @@
   <p:transition spd="med">
     <p:wipe dir="r"/>
   </p:transition>
-  <p:timing>
-    <p:tnLst>
-      <p:par>
-        <p:cTn id="1" dur="indefinite" restart="never" nodeType="tmRoot"/>
-      </p:par>
-    </p:tnLst>
-  </p:timing>
 </p:sldLayout>
 </file>
 
@@ -3607,14 +3481,14 @@
           </a:lstStyle>
           <a:p>
             <a:r>
-              <a:rPr lang="en-US" dirty="0" smtClean="0"/>
+              <a:rPr lang="en-US" dirty="0"/>
               <a:t>Click to edit</a:t>
             </a:r>
             <a:br>
-              <a:rPr lang="en-US" dirty="0" smtClean="0"/>
+              <a:rPr lang="en-US" dirty="0"/>
             </a:br>
             <a:r>
-              <a:rPr lang="en-US" dirty="0" smtClean="0"/>
+              <a:rPr lang="en-US" dirty="0"/>
               <a:t>title slide</a:t>
             </a:r>
           </a:p>
@@ -3659,7 +3533,7 @@
           </a:lstStyle>
           <a:p>
             <a:r>
-              <a:rPr lang="en-US" dirty="0" smtClean="0"/>
+              <a:rPr lang="en-US" dirty="0"/>
               <a:t>Click to edit master subtitle style</a:t>
             </a:r>
           </a:p>
@@ -3708,13 +3582,6 @@
   <p:transition spd="med">
     <p:wipe dir="r"/>
   </p:transition>
-  <p:timing>
-    <p:tnLst>
-      <p:par>
-        <p:cTn id="1" dur="indefinite" restart="never" nodeType="tmRoot"/>
-      </p:par>
-    </p:tnLst>
-  </p:timing>
 </p:sldLayout>
 </file>
 
@@ -3786,14 +3653,14 @@
           </a:lstStyle>
           <a:p>
             <a:r>
-              <a:rPr lang="en-US" dirty="0" smtClean="0"/>
+              <a:rPr lang="en-US" dirty="0"/>
               <a:t>Click to edit</a:t>
             </a:r>
             <a:br>
-              <a:rPr lang="en-US" dirty="0" smtClean="0"/>
+              <a:rPr lang="en-US" dirty="0"/>
             </a:br>
             <a:r>
-              <a:rPr lang="en-US" dirty="0" smtClean="0"/>
+              <a:rPr lang="en-US" dirty="0"/>
               <a:t>title slide</a:t>
             </a:r>
           </a:p>
@@ -3838,7 +3705,7 @@
           </a:lstStyle>
           <a:p>
             <a:r>
-              <a:rPr lang="en-US" dirty="0" smtClean="0"/>
+              <a:rPr lang="en-US" dirty="0"/>
               <a:t>Click to edit master subtitle style</a:t>
             </a:r>
           </a:p>
@@ -3887,13 +3754,6 @@
   <p:transition spd="med">
     <p:wipe dir="r"/>
   </p:transition>
-  <p:timing>
-    <p:tnLst>
-      <p:par>
-        <p:cTn id="1" dur="indefinite" restart="never" nodeType="tmRoot"/>
-      </p:par>
-    </p:tnLst>
-  </p:timing>
 </p:sldLayout>
 </file>
 
@@ -3965,14 +3825,14 @@
           </a:lstStyle>
           <a:p>
             <a:r>
-              <a:rPr lang="en-US" dirty="0" smtClean="0"/>
+              <a:rPr lang="en-US" dirty="0"/>
               <a:t>Click to edit</a:t>
             </a:r>
             <a:br>
-              <a:rPr lang="en-US" dirty="0" smtClean="0"/>
+              <a:rPr lang="en-US" dirty="0"/>
             </a:br>
             <a:r>
-              <a:rPr lang="en-US" dirty="0" smtClean="0"/>
+              <a:rPr lang="en-US" dirty="0"/>
               <a:t>title slide</a:t>
             </a:r>
           </a:p>
@@ -4017,7 +3877,7 @@
           </a:lstStyle>
           <a:p>
             <a:r>
-              <a:rPr lang="en-US" dirty="0" smtClean="0"/>
+              <a:rPr lang="en-US" dirty="0"/>
               <a:t>Click to edit master subtitle style</a:t>
             </a:r>
           </a:p>
@@ -4066,13 +3926,6 @@
   <p:transition spd="med">
     <p:wipe dir="r"/>
   </p:transition>
-  <p:timing>
-    <p:tnLst>
-      <p:par>
-        <p:cTn id="1" dur="indefinite" restart="never" nodeType="tmRoot"/>
-      </p:par>
-    </p:tnLst>
-  </p:timing>
 </p:sldLayout>
 </file>
 
@@ -4144,14 +3997,14 @@
           </a:lstStyle>
           <a:p>
             <a:r>
-              <a:rPr lang="en-US" dirty="0" smtClean="0"/>
+              <a:rPr lang="en-US" dirty="0"/>
               <a:t>Click to edit</a:t>
             </a:r>
             <a:br>
-              <a:rPr lang="en-US" dirty="0" smtClean="0"/>
+              <a:rPr lang="en-US" dirty="0"/>
             </a:br>
             <a:r>
-              <a:rPr lang="en-US" dirty="0" smtClean="0"/>
+              <a:rPr lang="en-US" dirty="0"/>
               <a:t>title slide</a:t>
             </a:r>
           </a:p>
@@ -4196,7 +4049,7 @@
           </a:lstStyle>
           <a:p>
             <a:r>
-              <a:rPr lang="en-US" dirty="0" smtClean="0"/>
+              <a:rPr lang="en-US" dirty="0"/>
               <a:t>Click to edit master subtitle style</a:t>
             </a:r>
           </a:p>
@@ -4245,13 +4098,6 @@
   <p:transition spd="med">
     <p:wipe dir="r"/>
   </p:transition>
-  <p:timing>
-    <p:tnLst>
-      <p:par>
-        <p:cTn id="1" dur="indefinite" restart="never" nodeType="tmRoot"/>
-      </p:par>
-    </p:tnLst>
-  </p:timing>
 </p:sldLayout>
 </file>
 
@@ -4307,10 +4153,9 @@
           </a:lstStyle>
           <a:p>
             <a:r>
-              <a:rPr lang="en-US" dirty="0" smtClean="0"/>
+              <a:rPr lang="en-US" dirty="0"/>
               <a:t>Click to edit content page title</a:t>
             </a:r>
-            <a:endParaRPr lang="en-US" dirty="0"/>
           </a:p>
         </p:txBody>
       </p:sp>
@@ -4431,21 +4276,21 @@
           <a:p>
             <a:pPr lvl="0"/>
             <a:r>
-              <a:rPr lang="en-US" smtClean="0"/>
+              <a:rPr lang="en-US"/>
               <a:t>Click to edit Master text styles</a:t>
             </a:r>
           </a:p>
           <a:p>
             <a:pPr lvl="1"/>
             <a:r>
-              <a:rPr lang="en-US" smtClean="0"/>
+              <a:rPr lang="en-US"/>
               <a:t>Second level</a:t>
             </a:r>
           </a:p>
           <a:p>
             <a:pPr lvl="2"/>
             <a:r>
-              <a:rPr lang="en-US" smtClean="0"/>
+              <a:rPr lang="en-US"/>
               <a:t>Third level</a:t>
             </a:r>
           </a:p>
@@ -4464,13 +4309,6 @@
   <p:transition spd="med">
     <p:wipe dir="r"/>
   </p:transition>
-  <p:timing>
-    <p:tnLst>
-      <p:par>
-        <p:cTn id="1" dur="indefinite" restart="never" nodeType="tmRoot"/>
-      </p:par>
-    </p:tnLst>
-  </p:timing>
 </p:sldLayout>
 </file>
 
@@ -4526,10 +4364,9 @@
           </a:lstStyle>
           <a:p>
             <a:r>
-              <a:rPr lang="en-US" dirty="0" smtClean="0"/>
+              <a:rPr lang="en-US" dirty="0"/>
               <a:t>Click to edit content page title</a:t>
             </a:r>
-            <a:endParaRPr lang="en-US" dirty="0"/>
           </a:p>
         </p:txBody>
       </p:sp>
@@ -4647,21 +4484,21 @@
           <a:p>
             <a:pPr lvl="0"/>
             <a:r>
-              <a:rPr lang="en-US" smtClean="0"/>
+              <a:rPr lang="en-US"/>
               <a:t>Click to edit Master text styles</a:t>
             </a:r>
           </a:p>
           <a:p>
             <a:pPr lvl="1"/>
             <a:r>
-              <a:rPr lang="en-US" smtClean="0"/>
+              <a:rPr lang="en-US"/>
               <a:t>Second level</a:t>
             </a:r>
           </a:p>
           <a:p>
             <a:pPr lvl="2"/>
             <a:r>
-              <a:rPr lang="en-US" smtClean="0"/>
+              <a:rPr lang="en-US"/>
               <a:t>Third level</a:t>
             </a:r>
           </a:p>
@@ -4680,13 +4517,6 @@
   <p:transition spd="med">
     <p:wipe dir="r"/>
   </p:transition>
-  <p:timing>
-    <p:tnLst>
-      <p:par>
-        <p:cTn id="1" dur="indefinite" restart="never" nodeType="tmRoot"/>
-      </p:par>
-    </p:tnLst>
-  </p:timing>
 </p:sldLayout>
 </file>
 
@@ -4744,10 +4574,9 @@
           </a:lstStyle>
           <a:p>
             <a:r>
-              <a:rPr lang="en-US" dirty="0" smtClean="0"/>
+              <a:rPr lang="en-US" dirty="0"/>
               <a:t>Click to edit content page title </a:t>
             </a:r>
-            <a:endParaRPr lang="en-US" dirty="0"/>
           </a:p>
         </p:txBody>
       </p:sp>
@@ -4785,7 +4614,7 @@
           <a:p>
             <a:pPr marL="0" lvl="0" indent="0"/>
             <a:r>
-              <a:rPr lang="en-US" dirty="0" smtClean="0"/>
+              <a:rPr lang="en-US" dirty="0"/>
               <a:t>Click to edit master subtitle style</a:t>
             </a:r>
           </a:p>
@@ -4905,21 +4734,21 @@
           <a:p>
             <a:pPr lvl="0"/>
             <a:r>
-              <a:rPr lang="en-US" smtClean="0"/>
+              <a:rPr lang="en-US"/>
               <a:t>Click to edit Master text styles</a:t>
             </a:r>
           </a:p>
           <a:p>
             <a:pPr lvl="1"/>
             <a:r>
-              <a:rPr lang="en-US" smtClean="0"/>
+              <a:rPr lang="en-US"/>
               <a:t>Second level</a:t>
             </a:r>
           </a:p>
           <a:p>
             <a:pPr lvl="2"/>
             <a:r>
-              <a:rPr lang="en-US" smtClean="0"/>
+              <a:rPr lang="en-US"/>
               <a:t>Third level</a:t>
             </a:r>
           </a:p>
@@ -4938,13 +4767,6 @@
   <p:transition spd="med">
     <p:wipe dir="r"/>
   </p:transition>
-  <p:timing>
-    <p:tnLst>
-      <p:par>
-        <p:cTn id="1" dur="indefinite" restart="never" nodeType="tmRoot"/>
-      </p:par>
-    </p:tnLst>
-  </p:timing>
 </p:sldLayout>
 </file>
 
@@ -5033,9 +4855,9 @@
                   <a:schemeClr val="bg1"/>
                 </a:buClr>
               </a:pPr>
-              <a:t>7/6/2017</a:t>
+              <a:t>7/7/2017</a:t>
             </a:fld>
-            <a:endParaRPr lang="en-US" sz="900" dirty="0" smtClean="0">
+            <a:endParaRPr lang="en-US" sz="900" dirty="0">
               <a:solidFill>
                 <a:schemeClr val="bg2">
                   <a:lumMod val="50000"/>
@@ -5107,9 +4929,9 @@
                   <a:schemeClr val="bg1"/>
                 </a:buClr>
               </a:pPr>
-              <a:t>7/6/2017</a:t>
+              <a:t>7/7/2017</a:t>
             </a:fld>
-            <a:endParaRPr lang="en-US" sz="900" dirty="0" smtClean="0">
+            <a:endParaRPr lang="en-US" sz="900" dirty="0">
               <a:solidFill>
                 <a:schemeClr val="bg2">
                   <a:lumMod val="50000"/>
@@ -5161,7 +4983,7 @@
               <a:defRPr/>
             </a:pPr>
             <a:r>
-              <a:rPr lang="en-US" sz="600" b="0" i="0" u="none" baseline="0" dirty="0" smtClean="0">
+              <a:rPr lang="en-US" sz="600" b="0" i="0" u="none" baseline="0" dirty="0">
                 <a:solidFill>
                   <a:srgbClr val="7F7F7F"/>
                 </a:solidFill>
@@ -5233,9 +5055,9 @@
                   <a:schemeClr val="bg1"/>
                 </a:buClr>
               </a:pPr>
-              <a:t>‹#›</a:t>
+              <a:t>‹nº›</a:t>
             </a:fld>
-            <a:endParaRPr lang="en-US" sz="600" b="0" kern="1200" dirty="0" err="1" smtClean="0">
+            <a:endParaRPr lang="en-US" sz="600" b="0" kern="1200" dirty="0" err="1">
               <a:solidFill>
                 <a:schemeClr val="bg2">
                   <a:lumMod val="50000"/>
@@ -5316,13 +5138,6 @@
   <p:transition spd="med">
     <p:wipe dir="r"/>
   </p:transition>
-  <p:timing>
-    <p:tnLst>
-      <p:par>
-        <p:cTn id="1" dur="indefinite" restart="never" nodeType="tmRoot"/>
-      </p:par>
-    </p:tnLst>
-  </p:timing>
   <p:hf hdr="0" ftr="0" dt="0"/>
   <p:txStyles>
     <p:titleStyle>
@@ -5838,7 +5653,7 @@
           <a:lstStyle/>
           <a:p>
             <a:r>
-              <a:rPr lang="pt-BR" dirty="0" smtClean="0"/>
+              <a:rPr lang="pt-BR" dirty="0"/>
               <a:t>Estudos de caso utilizando Redis</a:t>
             </a:r>
             <a:endParaRPr lang="en-US" dirty="0"/>
@@ -5861,7 +5676,7 @@
           <a:lstStyle/>
           <a:p>
             <a:r>
-              <a:rPr lang="pt-BR" dirty="0" smtClean="0"/>
+              <a:rPr lang="pt-BR" dirty="0"/>
               <a:t>Hands On de Redis B3</a:t>
             </a:r>
             <a:endParaRPr lang="en-US" dirty="0"/>
@@ -5881,13 +5696,6 @@
   <p:transition spd="med">
     <p:wipe dir="r"/>
   </p:transition>
-  <p:timing>
-    <p:tnLst>
-      <p:par>
-        <p:cTn id="1" dur="indefinite" restart="never" nodeType="tmRoot"/>
-      </p:par>
-    </p:tnLst>
-  </p:timing>
 </p:sld>
 </file>
 
@@ -5924,7 +5732,7 @@
           <a:lstStyle/>
           <a:p>
             <a:r>
-              <a:rPr lang="pt-BR" dirty="0" smtClean="0"/>
+              <a:rPr lang="pt-BR" dirty="0"/>
               <a:t>Catálogo e busca no catálogo</a:t>
             </a:r>
             <a:endParaRPr lang="en-US" dirty="0"/>
@@ -5952,7 +5760,7 @@
           <a:lstStyle/>
           <a:p>
             <a:r>
-              <a:rPr lang="pt-BR" dirty="0" smtClean="0"/>
+              <a:rPr lang="pt-BR" dirty="0"/>
               <a:t>O catálogo armazena todos os detalhes do produto:</a:t>
             </a:r>
           </a:p>
@@ -5960,26 +5768,26 @@
             <a:endParaRPr lang="pt-BR" dirty="0"/>
           </a:p>
           <a:p>
-            <a:endParaRPr lang="pt-BR" dirty="0" smtClean="0"/>
-          </a:p>
-          <a:p>
-            <a:endParaRPr lang="pt-BR" dirty="0" smtClean="0"/>
-          </a:p>
-          <a:p>
-            <a:r>
-              <a:rPr lang="pt-BR" dirty="0" smtClean="0"/>
+            <a:endParaRPr lang="pt-BR" dirty="0"/>
+          </a:p>
+          <a:p>
+            <a:endParaRPr lang="pt-BR" dirty="0"/>
+          </a:p>
+          <a:p>
+            <a:r>
+              <a:rPr lang="pt-BR" dirty="0"/>
               <a:t>Uma estrutura de dados auxiliar poderá servir buscas, por título por exemplo:</a:t>
             </a:r>
           </a:p>
           <a:p>
-            <a:endParaRPr lang="pt-BR" dirty="0" smtClean="0"/>
-          </a:p>
-          <a:p>
-            <a:endParaRPr lang="pt-BR" dirty="0" smtClean="0"/>
-          </a:p>
-          <a:p>
-            <a:r>
-              <a:rPr lang="pt-BR" dirty="0" smtClean="0"/>
+            <a:endParaRPr lang="pt-BR" dirty="0"/>
+          </a:p>
+          <a:p>
+            <a:endParaRPr lang="pt-BR" dirty="0"/>
+          </a:p>
+          <a:p>
+            <a:r>
+              <a:rPr lang="pt-BR" dirty="0"/>
               <a:t>Uma busca pode ser feita utilizando o comando HSCAN:</a:t>
             </a:r>
           </a:p>
@@ -5988,12 +5796,12 @@
           </a:p>
           <a:p>
             <a:r>
-              <a:rPr lang="pt-BR" dirty="0" smtClean="0"/>
+              <a:rPr lang="pt-BR" dirty="0"/>
               <a:t>Uma vez recuperado o ISBN, pode-se recuperar os detalhes completos:</a:t>
             </a:r>
           </a:p>
           <a:p>
-            <a:endParaRPr lang="pt-BR" dirty="0" smtClean="0"/>
+            <a:endParaRPr lang="pt-BR" dirty="0"/>
           </a:p>
           <a:p>
             <a:endParaRPr lang="en-US" dirty="0"/>
@@ -6042,20 +5850,10 @@
                 <a:latin typeface="Courier New" pitchFamily="49" charset="0"/>
                 <a:cs typeface="Courier New" pitchFamily="49" charset="0"/>
               </a:rPr>
-              <a:t>HMSET </a:t>
-            </a:r>
-            <a:r>
-              <a:rPr lang="en-US" sz="1200" dirty="0" smtClean="0">
-                <a:solidFill>
-                  <a:schemeClr val="tx2"/>
-                </a:solidFill>
-                <a:latin typeface="Courier New" pitchFamily="49" charset="0"/>
-                <a:cs typeface="Courier New" pitchFamily="49" charset="0"/>
-              </a:rPr>
-              <a:t>catalogo:livro:9781783280216 </a:t>
-            </a:r>
-            <a:r>
-              <a:rPr lang="en-US" sz="1200" dirty="0" err="1" smtClean="0">
+              <a:t>HMSET catalogo:livro:9781783280216 </a:t>
+            </a:r>
+            <a:r>
+              <a:rPr lang="en-US" sz="1200" dirty="0" err="1">
                 <a:solidFill>
                   <a:schemeClr val="tx2"/>
                 </a:solidFill>
@@ -6065,7 +5863,7 @@
               <a:t>titulo</a:t>
             </a:r>
             <a:r>
-              <a:rPr lang="en-US" sz="1200" dirty="0" smtClean="0">
+              <a:rPr lang="en-US" sz="1200" dirty="0">
                 <a:solidFill>
                   <a:schemeClr val="tx2"/>
                 </a:solidFill>
@@ -6075,7 +5873,7 @@
               <a:t> “O Velho e o Mar" </a:t>
             </a:r>
             <a:r>
-              <a:rPr lang="en-US" sz="1200" dirty="0" err="1" smtClean="0">
+              <a:rPr lang="en-US" sz="1200" dirty="0" err="1">
                 <a:solidFill>
                   <a:schemeClr val="tx2"/>
                 </a:solidFill>
@@ -6085,7 +5883,7 @@
               <a:t>autor</a:t>
             </a:r>
             <a:r>
-              <a:rPr lang="en-US" sz="1200" dirty="0" smtClean="0">
+              <a:rPr lang="en-US" sz="1200" dirty="0">
                 <a:solidFill>
                   <a:schemeClr val="tx2"/>
                 </a:solidFill>
@@ -6095,7 +5893,7 @@
               <a:t> “Ernest Hemingway" </a:t>
             </a:r>
             <a:r>
-              <a:rPr lang="en-US" sz="1200" dirty="0" err="1" smtClean="0">
+              <a:rPr lang="en-US" sz="1200" dirty="0" err="1">
                 <a:solidFill>
                   <a:schemeClr val="tx2"/>
                 </a:solidFill>
@@ -6105,27 +5903,17 @@
               <a:t>preco</a:t>
             </a:r>
             <a:r>
-              <a:rPr lang="en-US" sz="1200" dirty="0" smtClean="0">
-                <a:solidFill>
-                  <a:schemeClr val="tx2"/>
-                </a:solidFill>
-                <a:latin typeface="Courier New" pitchFamily="49" charset="0"/>
-                <a:cs typeface="Courier New" pitchFamily="49" charset="0"/>
-              </a:rPr>
-              <a:t> </a:t>
-            </a:r>
-            <a:r>
-              <a:rPr lang="en-US" sz="1200" dirty="0">
-                <a:solidFill>
-                  <a:schemeClr val="tx2"/>
-                </a:solidFill>
-                <a:latin typeface="Courier New" pitchFamily="49" charset="0"/>
-                <a:cs typeface="Courier New" pitchFamily="49" charset="0"/>
-              </a:rPr>
-              <a:t>"11" </a:t>
-            </a:r>
-            <a:r>
-              <a:rPr lang="en-US" sz="1200" dirty="0" err="1" smtClean="0">
+              <a:rPr lang="en-US" sz="1200" dirty="0">
+                <a:solidFill>
+                  <a:schemeClr val="tx2"/>
+                </a:solidFill>
+                <a:latin typeface="Courier New" pitchFamily="49" charset="0"/>
+                <a:cs typeface="Courier New" pitchFamily="49" charset="0"/>
+              </a:rPr>
+              <a:t> "11" </a:t>
+            </a:r>
+            <a:r>
+              <a:rPr lang="en-US" sz="1200" dirty="0" err="1">
                 <a:solidFill>
                   <a:schemeClr val="tx2"/>
                 </a:solidFill>
@@ -6135,27 +5923,17 @@
               <a:t>formato</a:t>
             </a:r>
             <a:r>
-              <a:rPr lang="en-US" sz="1200" dirty="0" smtClean="0">
-                <a:solidFill>
-                  <a:schemeClr val="tx2"/>
-                </a:solidFill>
-                <a:latin typeface="Courier New" pitchFamily="49" charset="0"/>
-                <a:cs typeface="Courier New" pitchFamily="49" charset="0"/>
-              </a:rPr>
-              <a:t> </a:t>
-            </a:r>
-            <a:r>
-              <a:rPr lang="en-US" sz="1200" dirty="0">
-                <a:solidFill>
-                  <a:schemeClr val="tx2"/>
-                </a:solidFill>
-                <a:latin typeface="Courier New" pitchFamily="49" charset="0"/>
-                <a:cs typeface="Courier New" pitchFamily="49" charset="0"/>
-              </a:rPr>
-              <a:t>"</a:t>
-            </a:r>
-            <a:r>
-              <a:rPr lang="en-US" sz="1200" dirty="0" err="1" smtClean="0">
+              <a:rPr lang="en-US" sz="1200" dirty="0">
+                <a:solidFill>
+                  <a:schemeClr val="tx2"/>
+                </a:solidFill>
+                <a:latin typeface="Courier New" pitchFamily="49" charset="0"/>
+                <a:cs typeface="Courier New" pitchFamily="49" charset="0"/>
+              </a:rPr>
+              <a:t> "</a:t>
+            </a:r>
+            <a:r>
+              <a:rPr lang="en-US" sz="1200" dirty="0" err="1">
                 <a:solidFill>
                   <a:schemeClr val="tx2"/>
                 </a:solidFill>
@@ -6165,7 +5943,7 @@
               <a:t>Ebook</a:t>
             </a:r>
             <a:r>
-              <a:rPr lang="en-US" sz="1200" dirty="0" smtClean="0">
+              <a:rPr lang="en-US" sz="1200" dirty="0">
                 <a:solidFill>
                   <a:schemeClr val="tx2"/>
                 </a:solidFill>
@@ -6187,17 +5965,7 @@
                 <a:latin typeface="Courier New" pitchFamily="49" charset="0"/>
                 <a:cs typeface="Courier New" pitchFamily="49" charset="0"/>
               </a:rPr>
-              <a:t>HMSET </a:t>
-            </a:r>
-            <a:r>
-              <a:rPr lang="en-US" sz="1200" dirty="0" smtClean="0">
-                <a:solidFill>
-                  <a:schemeClr val="tx2"/>
-                </a:solidFill>
-                <a:latin typeface="Courier New" pitchFamily="49" charset="0"/>
-                <a:cs typeface="Courier New" pitchFamily="49" charset="0"/>
-              </a:rPr>
-              <a:t>catalogo:livro:9900867430225 </a:t>
+              <a:t>HMSET catalogo:livro:9900867430225 </a:t>
             </a:r>
             <a:r>
               <a:rPr lang="en-US" sz="1200" dirty="0" err="1">
@@ -6217,20 +5985,10 @@
                 <a:latin typeface="Courier New" pitchFamily="49" charset="0"/>
                 <a:cs typeface="Courier New" pitchFamily="49" charset="0"/>
               </a:rPr>
-              <a:t> </a:t>
-            </a:r>
-            <a:r>
-              <a:rPr lang="en-US" sz="1200" dirty="0" smtClean="0">
-                <a:solidFill>
-                  <a:schemeClr val="tx2"/>
-                </a:solidFill>
-                <a:latin typeface="Courier New" pitchFamily="49" charset="0"/>
-                <a:cs typeface="Courier New" pitchFamily="49" charset="0"/>
-              </a:rPr>
-              <a:t>“</a:t>
-            </a:r>
-            <a:r>
-              <a:rPr lang="en-US" sz="1200" dirty="0" err="1" smtClean="0">
+              <a:t> “</a:t>
+            </a:r>
+            <a:r>
+              <a:rPr lang="en-US" sz="1200" dirty="0" err="1">
                 <a:solidFill>
                   <a:schemeClr val="tx2"/>
                 </a:solidFill>
@@ -6240,7 +5998,7 @@
               <a:t>Desgraça</a:t>
             </a:r>
             <a:r>
-              <a:rPr lang="en-US" sz="1200" dirty="0" smtClean="0">
+              <a:rPr lang="en-US" sz="1200" dirty="0">
                 <a:solidFill>
                   <a:schemeClr val="tx2"/>
                 </a:solidFill>
@@ -6267,17 +6025,7 @@
                 <a:latin typeface="Courier New" pitchFamily="49" charset="0"/>
                 <a:cs typeface="Courier New" pitchFamily="49" charset="0"/>
               </a:rPr>
-              <a:t> </a:t>
-            </a:r>
-            <a:r>
-              <a:rPr lang="en-US" sz="1200" dirty="0" smtClean="0">
-                <a:solidFill>
-                  <a:schemeClr val="tx2"/>
-                </a:solidFill>
-                <a:latin typeface="Courier New" pitchFamily="49" charset="0"/>
-                <a:cs typeface="Courier New" pitchFamily="49" charset="0"/>
-              </a:rPr>
-              <a:t>“J M Coetzee" </a:t>
+              <a:t> “J M Coetzee" </a:t>
             </a:r>
             <a:r>
               <a:rPr lang="en-US" sz="1200" dirty="0" err="1">
@@ -6297,17 +6045,7 @@
                 <a:latin typeface="Courier New" pitchFamily="49" charset="0"/>
                 <a:cs typeface="Courier New" pitchFamily="49" charset="0"/>
               </a:rPr>
-              <a:t> </a:t>
-            </a:r>
-            <a:r>
-              <a:rPr lang="en-US" sz="1200" dirty="0" smtClean="0">
-                <a:solidFill>
-                  <a:schemeClr val="tx2"/>
-                </a:solidFill>
-                <a:latin typeface="Courier New" pitchFamily="49" charset="0"/>
-                <a:cs typeface="Courier New" pitchFamily="49" charset="0"/>
-              </a:rPr>
-              <a:t>“15" </a:t>
+              <a:t> “15" </a:t>
             </a:r>
             <a:r>
               <a:rPr lang="en-US" sz="1200" dirty="0" err="1">
@@ -6327,20 +6065,10 @@
                 <a:latin typeface="Courier New" pitchFamily="49" charset="0"/>
                 <a:cs typeface="Courier New" pitchFamily="49" charset="0"/>
               </a:rPr>
-              <a:t> </a:t>
-            </a:r>
-            <a:r>
-              <a:rPr lang="en-US" sz="1200" dirty="0" smtClean="0">
-                <a:solidFill>
-                  <a:schemeClr val="tx2"/>
-                </a:solidFill>
-                <a:latin typeface="Courier New" pitchFamily="49" charset="0"/>
-                <a:cs typeface="Courier New" pitchFamily="49" charset="0"/>
-              </a:rPr>
-              <a:t>“</a:t>
-            </a:r>
-            <a:r>
-              <a:rPr lang="en-US" sz="1200" dirty="0" err="1" smtClean="0">
+              <a:t> “</a:t>
+            </a:r>
+            <a:r>
+              <a:rPr lang="en-US" sz="1200" dirty="0" err="1">
                 <a:solidFill>
                   <a:schemeClr val="tx2"/>
                 </a:solidFill>
@@ -6350,7 +6078,7 @@
               <a:t>Capa</a:t>
             </a:r>
             <a:r>
-              <a:rPr lang="en-US" sz="1200" dirty="0" smtClean="0">
+              <a:rPr lang="en-US" sz="1200" dirty="0">
                 <a:solidFill>
                   <a:schemeClr val="tx2"/>
                 </a:solidFill>
@@ -6359,13 +6087,6 @@
               </a:rPr>
               <a:t> dura“</a:t>
             </a:r>
-            <a:endParaRPr lang="en-US" sz="1200" dirty="0">
-              <a:solidFill>
-                <a:schemeClr val="tx2"/>
-              </a:solidFill>
-              <a:latin typeface="Courier New" pitchFamily="49" charset="0"/>
-              <a:cs typeface="Courier New" pitchFamily="49" charset="0"/>
-            </a:endParaRPr>
           </a:p>
         </p:txBody>
       </p:sp>
@@ -6414,7 +6135,7 @@
               <a:t>HMSET </a:t>
             </a:r>
             <a:r>
-              <a:rPr lang="en-US" sz="1200" dirty="0" err="1" smtClean="0">
+              <a:rPr lang="en-US" sz="1200" dirty="0" err="1">
                 <a:solidFill>
                   <a:schemeClr val="tx2"/>
                 </a:solidFill>
@@ -6424,54 +6145,14 @@
               <a:t>busca:livros</a:t>
             </a:r>
             <a:r>
-              <a:rPr lang="en-US" sz="1200" dirty="0" smtClean="0">
-                <a:solidFill>
-                  <a:schemeClr val="tx2"/>
-                </a:solidFill>
-                <a:latin typeface="Courier New" pitchFamily="49" charset="0"/>
-                <a:cs typeface="Courier New" pitchFamily="49" charset="0"/>
-              </a:rPr>
-              <a:t> "O </a:t>
-            </a:r>
-            <a:r>
-              <a:rPr lang="en-US" sz="1200" dirty="0">
-                <a:solidFill>
-                  <a:schemeClr val="tx2"/>
-                </a:solidFill>
-                <a:latin typeface="Courier New" pitchFamily="49" charset="0"/>
-                <a:cs typeface="Courier New" pitchFamily="49" charset="0"/>
-              </a:rPr>
-              <a:t>Velho e o </a:t>
-            </a:r>
-            <a:r>
-              <a:rPr lang="en-US" sz="1200" dirty="0" smtClean="0">
-                <a:solidFill>
-                  <a:schemeClr val="tx2"/>
-                </a:solidFill>
-                <a:latin typeface="Courier New" pitchFamily="49" charset="0"/>
-                <a:cs typeface="Courier New" pitchFamily="49" charset="0"/>
-              </a:rPr>
-              <a:t>Mar" </a:t>
-            </a:r>
-            <a:r>
-              <a:rPr lang="en-US" sz="1200" dirty="0">
-                <a:solidFill>
-                  <a:schemeClr val="tx2"/>
-                </a:solidFill>
-                <a:latin typeface="Courier New" pitchFamily="49" charset="0"/>
-                <a:cs typeface="Courier New" pitchFamily="49" charset="0"/>
-              </a:rPr>
-              <a:t>"</a:t>
-            </a:r>
-            <a:r>
-              <a:rPr lang="en-US" sz="1200" dirty="0" smtClean="0">
-                <a:solidFill>
-                  <a:schemeClr val="tx2"/>
-                </a:solidFill>
-                <a:latin typeface="Courier New" pitchFamily="49" charset="0"/>
-                <a:cs typeface="Courier New" pitchFamily="49" charset="0"/>
-              </a:rPr>
-              <a:t>9781783280216"</a:t>
+              <a:rPr lang="en-US" sz="1200" dirty="0">
+                <a:solidFill>
+                  <a:schemeClr val="tx2"/>
+                </a:solidFill>
+                <a:latin typeface="Courier New" pitchFamily="49" charset="0"/>
+                <a:cs typeface="Courier New" pitchFamily="49" charset="0"/>
+              </a:rPr>
+              <a:t> "O Velho e o Mar" "9781783280216"</a:t>
             </a:r>
           </a:p>
           <a:p>
@@ -6506,20 +6187,10 @@
                 <a:latin typeface="Courier New" pitchFamily="49" charset="0"/>
                 <a:cs typeface="Courier New" pitchFamily="49" charset="0"/>
               </a:rPr>
-              <a:t> </a:t>
-            </a:r>
-            <a:r>
-              <a:rPr lang="en-US" sz="1200" dirty="0" smtClean="0">
-                <a:solidFill>
-                  <a:schemeClr val="tx2"/>
-                </a:solidFill>
-                <a:latin typeface="Courier New" pitchFamily="49" charset="0"/>
-                <a:cs typeface="Courier New" pitchFamily="49" charset="0"/>
-              </a:rPr>
-              <a:t>“</a:t>
-            </a:r>
-            <a:r>
-              <a:rPr lang="en-US" sz="1200" dirty="0" err="1" smtClean="0">
+              <a:t> “</a:t>
+            </a:r>
+            <a:r>
+              <a:rPr lang="en-US" sz="1200" dirty="0" err="1">
                 <a:solidFill>
                   <a:schemeClr val="tx2"/>
                 </a:solidFill>
@@ -6529,42 +6200,15 @@
               <a:t>Desgraça</a:t>
             </a:r>
             <a:r>
-              <a:rPr lang="en-US" sz="1200" dirty="0" smtClean="0">
-                <a:solidFill>
-                  <a:schemeClr val="tx2"/>
-                </a:solidFill>
-                <a:latin typeface="Courier New" pitchFamily="49" charset="0"/>
-                <a:cs typeface="Courier New" pitchFamily="49" charset="0"/>
-              </a:rPr>
-              <a:t>" "</a:t>
-            </a:r>
-            <a:r>
-              <a:rPr lang="en-US" sz="1200" dirty="0">
-                <a:solidFill>
-                  <a:schemeClr val="tx2"/>
-                </a:solidFill>
-                <a:latin typeface="Courier New" pitchFamily="49" charset="0"/>
-                <a:cs typeface="Courier New" pitchFamily="49" charset="0"/>
-              </a:rPr>
-              <a:t>9900867430225</a:t>
-            </a:r>
-            <a:r>
-              <a:rPr lang="en-US" sz="1200" dirty="0" smtClean="0">
-                <a:solidFill>
-                  <a:schemeClr val="tx2"/>
-                </a:solidFill>
-                <a:latin typeface="Courier New" pitchFamily="49" charset="0"/>
-                <a:cs typeface="Courier New" pitchFamily="49" charset="0"/>
-              </a:rPr>
-              <a:t>"</a:t>
-            </a:r>
-            <a:endParaRPr lang="en-US" sz="1200" dirty="0">
-              <a:solidFill>
-                <a:schemeClr val="tx2"/>
-              </a:solidFill>
-              <a:latin typeface="Courier New" pitchFamily="49" charset="0"/>
-              <a:cs typeface="Courier New" pitchFamily="49" charset="0"/>
-            </a:endParaRPr>
+              <a:rPr lang="en-US" sz="1200" dirty="0">
+                <a:solidFill>
+                  <a:schemeClr val="tx2"/>
+                </a:solidFill>
+                <a:latin typeface="Courier New" pitchFamily="49" charset="0"/>
+                <a:cs typeface="Courier New" pitchFamily="49" charset="0"/>
+              </a:rPr>
+              <a:t>" "9900867430225"</a:t>
+            </a:r>
           </a:p>
         </p:txBody>
       </p:sp>
@@ -6623,44 +6267,14 @@
               <a:t>busca:livros</a:t>
             </a:r>
             <a:r>
-              <a:rPr lang="en-US" sz="1200" dirty="0" smtClean="0">
-                <a:solidFill>
-                  <a:schemeClr val="tx2"/>
-                </a:solidFill>
-                <a:latin typeface="Courier New" pitchFamily="49" charset="0"/>
-                <a:cs typeface="Courier New" pitchFamily="49" charset="0"/>
-              </a:rPr>
-              <a:t> </a:t>
-            </a:r>
-            <a:r>
-              <a:rPr lang="en-US" sz="1200" dirty="0">
-                <a:solidFill>
-                  <a:schemeClr val="tx2"/>
-                </a:solidFill>
-                <a:latin typeface="Courier New" pitchFamily="49" charset="0"/>
-                <a:cs typeface="Courier New" pitchFamily="49" charset="0"/>
-              </a:rPr>
-              <a:t>0 MATCH </a:t>
-            </a:r>
-            <a:r>
-              <a:rPr lang="en-US" sz="1200" dirty="0" smtClean="0">
-                <a:solidFill>
-                  <a:schemeClr val="tx2"/>
-                </a:solidFill>
-                <a:latin typeface="Courier New" pitchFamily="49" charset="0"/>
-                <a:cs typeface="Courier New" pitchFamily="49" charset="0"/>
-              </a:rPr>
-              <a:t>*Velho* </a:t>
-            </a:r>
-            <a:r>
-              <a:rPr lang="en-US" sz="1200" dirty="0">
-                <a:solidFill>
-                  <a:schemeClr val="tx2"/>
-                </a:solidFill>
-                <a:latin typeface="Courier New" pitchFamily="49" charset="0"/>
-                <a:cs typeface="Courier New" pitchFamily="49" charset="0"/>
-              </a:rPr>
-              <a:t>COUNT 20</a:t>
+              <a:rPr lang="en-US" sz="1200" dirty="0">
+                <a:solidFill>
+                  <a:schemeClr val="tx2"/>
+                </a:solidFill>
+                <a:latin typeface="Courier New" pitchFamily="49" charset="0"/>
+                <a:cs typeface="Courier New" pitchFamily="49" charset="0"/>
+              </a:rPr>
+              <a:t> 0 MATCH *Velho* COUNT 20</a:t>
             </a:r>
           </a:p>
         </p:txBody>
@@ -6700,7 +6314,7 @@
               <a:defRPr/>
             </a:pPr>
             <a:r>
-              <a:rPr lang="en-US" sz="1200" dirty="0" smtClean="0">
+              <a:rPr lang="en-US" sz="1200" dirty="0">
                 <a:solidFill>
                   <a:schemeClr val="tx2"/>
                 </a:solidFill>
@@ -6720,7 +6334,7 @@
               <a:t>catalogo:livro</a:t>
             </a:r>
             <a:r>
-              <a:rPr lang="en-US" sz="1200" dirty="0" smtClean="0">
+              <a:rPr lang="en-US" sz="1200" dirty="0">
                 <a:solidFill>
                   <a:schemeClr val="tx2"/>
                 </a:solidFill>
@@ -6730,7 +6344,7 @@
               <a:t>:&lt;ISBN&gt; </a:t>
             </a:r>
             <a:r>
-              <a:rPr lang="en-US" sz="1200" dirty="0" err="1" smtClean="0">
+              <a:rPr lang="en-US" sz="1200" dirty="0" err="1">
                 <a:solidFill>
                   <a:schemeClr val="tx2"/>
                 </a:solidFill>
@@ -6739,7 +6353,7 @@
               </a:rPr>
               <a:t>preco</a:t>
             </a:r>
-            <a:endParaRPr lang="en-US" sz="1200" dirty="0" smtClean="0">
+            <a:endParaRPr lang="en-US" sz="1200" dirty="0">
               <a:solidFill>
                 <a:schemeClr val="tx2"/>
               </a:solidFill>
@@ -6752,7 +6366,7 @@
               <a:defRPr/>
             </a:pPr>
             <a:r>
-              <a:rPr lang="pt-BR" sz="1200" dirty="0" smtClean="0">
+              <a:rPr lang="pt-BR" sz="1200" dirty="0">
                 <a:solidFill>
                   <a:schemeClr val="tx2"/>
                 </a:solidFill>
@@ -6833,7 +6447,7 @@
           <a:lstStyle/>
           <a:p>
             <a:r>
-              <a:rPr lang="pt-BR" dirty="0" smtClean="0"/>
+              <a:rPr lang="pt-BR" dirty="0"/>
               <a:t>Estoque e cesta de compras</a:t>
             </a:r>
             <a:endParaRPr lang="en-US" dirty="0"/>
@@ -6861,15 +6475,15 @@
           <a:lstStyle/>
           <a:p>
             <a:r>
-              <a:rPr lang="pt-BR" dirty="0" smtClean="0"/>
+              <a:rPr lang="pt-BR" dirty="0"/>
               <a:t>O estoque pode ser controlado por outra </a:t>
             </a:r>
             <a:r>
-              <a:rPr lang="pt-BR" dirty="0" err="1" smtClean="0"/>
+              <a:rPr lang="pt-BR" dirty="0" err="1"/>
               <a:t>hash</a:t>
             </a:r>
             <a:r>
-              <a:rPr lang="pt-BR" dirty="0" smtClean="0"/>
+              <a:rPr lang="pt-BR" dirty="0"/>
               <a:t>:</a:t>
             </a:r>
           </a:p>
@@ -6877,61 +6491,61 @@
             <a:endParaRPr lang="pt-BR" dirty="0"/>
           </a:p>
           <a:p>
-            <a:endParaRPr lang="pt-BR" dirty="0" smtClean="0"/>
+            <a:endParaRPr lang="pt-BR" dirty="0"/>
           </a:p>
           <a:p>
             <a:pPr marL="0" indent="0" algn="r">
               <a:buNone/>
             </a:pPr>
             <a:r>
-              <a:rPr lang="pt-BR" sz="1200" i="1" dirty="0" smtClean="0"/>
+              <a:rPr lang="pt-BR" sz="1200" i="1" dirty="0"/>
               <a:t>(uma opção possível é replicar o preço nesta estrutura, para não fazer outra busca no </a:t>
             </a:r>
             <a:r>
-              <a:rPr lang="pt-BR" sz="1200" i="1" dirty="0" err="1" smtClean="0"/>
+              <a:rPr lang="pt-BR" sz="1200" i="1" dirty="0" err="1"/>
               <a:t>catalogo:livros</a:t>
             </a:r>
             <a:r>
-              <a:rPr lang="pt-BR" sz="1200" i="1" dirty="0" smtClean="0"/>
+              <a:rPr lang="pt-BR" sz="1200" i="1" dirty="0"/>
               <a:t>)</a:t>
             </a:r>
-            <a:endParaRPr lang="pt-BR" i="1" dirty="0" smtClean="0"/>
-          </a:p>
-          <a:p>
-            <a:r>
-              <a:rPr lang="pt-BR" dirty="0" smtClean="0"/>
+            <a:endParaRPr lang="pt-BR" i="1" dirty="0"/>
+          </a:p>
+          <a:p>
+            <a:r>
+              <a:rPr lang="pt-BR" dirty="0"/>
               <a:t>A cesta de compras pode ser modelada em ainda outra </a:t>
             </a:r>
             <a:r>
-              <a:rPr lang="pt-BR" dirty="0" err="1" smtClean="0"/>
+              <a:rPr lang="pt-BR" dirty="0" err="1"/>
               <a:t>hash</a:t>
             </a:r>
             <a:r>
-              <a:rPr lang="pt-BR" dirty="0" smtClean="0"/>
+              <a:rPr lang="pt-BR" dirty="0"/>
               <a:t>:</a:t>
             </a:r>
           </a:p>
           <a:p>
-            <a:endParaRPr lang="pt-BR" dirty="0" smtClean="0"/>
-          </a:p>
-          <a:p>
-            <a:endParaRPr lang="pt-BR" dirty="0" smtClean="0"/>
-          </a:p>
-          <a:p>
-            <a:r>
-              <a:rPr lang="pt-BR" dirty="0" smtClean="0"/>
+            <a:endParaRPr lang="pt-BR" dirty="0"/>
+          </a:p>
+          <a:p>
+            <a:endParaRPr lang="pt-BR" dirty="0"/>
+          </a:p>
+          <a:p>
+            <a:r>
+              <a:rPr lang="pt-BR" dirty="0"/>
               <a:t>Este cesta de compras pode ser expirada após um determinado tempo caso o cliente não finalize a compra.</a:t>
             </a:r>
           </a:p>
           <a:p>
             <a:r>
-              <a:rPr lang="pt-BR" dirty="0" smtClean="0"/>
+              <a:rPr lang="pt-BR" dirty="0"/>
               <a:t>Pode-se dar baixa no estoque já no momento da inserção na cesta ou no pedido</a:t>
             </a:r>
           </a:p>
           <a:p>
             <a:r>
-              <a:rPr lang="pt-BR" dirty="0" smtClean="0"/>
+              <a:rPr lang="pt-BR" dirty="0"/>
               <a:t>Se for na cesta (uma espécie de “reserva”), junto da expiração da cesta devemos adicionar lógica utilizando notificações para retornar o item ao estoque.</a:t>
             </a:r>
           </a:p>
@@ -7051,30 +6665,10 @@
                 <a:latin typeface="Courier New" pitchFamily="49" charset="0"/>
                 <a:cs typeface="Courier New" pitchFamily="49" charset="0"/>
               </a:rPr>
-              <a:t>HMSET </a:t>
-            </a:r>
-            <a:r>
-              <a:rPr lang="en-US" sz="1200" dirty="0" smtClean="0">
-                <a:solidFill>
-                  <a:schemeClr val="tx2"/>
-                </a:solidFill>
-                <a:latin typeface="Courier New" pitchFamily="49" charset="0"/>
-                <a:cs typeface="Courier New" pitchFamily="49" charset="0"/>
-              </a:rPr>
-              <a:t>usuario:1000:cesta:1 </a:t>
-            </a:r>
-            <a:r>
-              <a:rPr lang="en-US" sz="1200" dirty="0">
-                <a:solidFill>
-                  <a:schemeClr val="tx2"/>
-                </a:solidFill>
-                <a:latin typeface="Courier New" pitchFamily="49" charset="0"/>
-                <a:cs typeface="Courier New" pitchFamily="49" charset="0"/>
-              </a:rPr>
-              <a:t>"</a:t>
-            </a:r>
-            <a:r>
-              <a:rPr lang="en-US" sz="1200" dirty="0" err="1" smtClean="0">
+              <a:t>HMSET usuario:1000:cesta:1 "</a:t>
+            </a:r>
+            <a:r>
+              <a:rPr lang="en-US" sz="1200" dirty="0" err="1">
                 <a:solidFill>
                   <a:schemeClr val="tx2"/>
                 </a:solidFill>
@@ -7084,7 +6678,7 @@
               <a:t>catalogo:estoque</a:t>
             </a:r>
             <a:r>
-              <a:rPr lang="en-US" sz="1200" dirty="0" smtClean="0">
+              <a:rPr lang="en-US" sz="1200" dirty="0">
                 <a:solidFill>
                   <a:schemeClr val="tx2"/>
                 </a:solidFill>
@@ -7104,7 +6698,7 @@
               <a:t>9781783280216</a:t>
             </a:r>
             <a:r>
-              <a:rPr lang="en-US" sz="1200" dirty="0" smtClean="0">
+              <a:rPr lang="en-US" sz="1200" dirty="0">
                 <a:solidFill>
                   <a:schemeClr val="tx2"/>
                 </a:solidFill>
@@ -7114,7 +6708,7 @@
               <a:t>" 2 "</a:t>
             </a:r>
             <a:r>
-              <a:rPr lang="pt-BR" sz="1200" dirty="0" smtClean="0">
+              <a:rPr lang="pt-BR" sz="1200" dirty="0">
                 <a:solidFill>
                   <a:schemeClr val="tx2"/>
                 </a:solidFill>
@@ -7124,7 +6718,7 @@
               <a:t>catalogo:estoque:9900867430225</a:t>
             </a:r>
             <a:r>
-              <a:rPr lang="en-US" sz="1200" dirty="0" smtClean="0">
+              <a:rPr lang="en-US" sz="1200" dirty="0">
                 <a:solidFill>
                   <a:schemeClr val="tx2"/>
                 </a:solidFill>
@@ -7133,13 +6727,6 @@
               </a:rPr>
               <a:t>" 1</a:t>
             </a:r>
-            <a:endParaRPr lang="en-US" sz="1200" dirty="0">
-              <a:solidFill>
-                <a:schemeClr val="tx2"/>
-              </a:solidFill>
-              <a:latin typeface="Courier New" pitchFamily="49" charset="0"/>
-              <a:cs typeface="Courier New" pitchFamily="49" charset="0"/>
-            </a:endParaRPr>
           </a:p>
         </p:txBody>
       </p:sp>
@@ -7258,11 +6845,11 @@
           <a:lstStyle/>
           <a:p>
             <a:r>
-              <a:rPr lang="pt-BR" dirty="0" err="1" smtClean="0"/>
+              <a:rPr lang="pt-BR" dirty="0" err="1"/>
               <a:t>Type-ahead</a:t>
             </a:r>
             <a:r>
-              <a:rPr lang="pt-BR" dirty="0" smtClean="0"/>
+              <a:rPr lang="pt-BR" dirty="0"/>
               <a:t> simples</a:t>
             </a:r>
             <a:endParaRPr lang="en-US" dirty="0"/>
@@ -7290,23 +6877,23 @@
           <a:lstStyle/>
           <a:p>
             <a:r>
-              <a:rPr lang="pt-BR" dirty="0" smtClean="0"/>
+              <a:rPr lang="pt-BR" dirty="0"/>
               <a:t>Utilizamos um </a:t>
             </a:r>
             <a:r>
-              <a:rPr lang="pt-BR" dirty="0" err="1" smtClean="0"/>
+              <a:rPr lang="pt-BR" dirty="0" err="1"/>
               <a:t>sorted</a:t>
             </a:r>
             <a:r>
-              <a:rPr lang="pt-BR" dirty="0" smtClean="0"/>
+              <a:rPr lang="pt-BR" dirty="0"/>
               <a:t> set explorando a característica de que dentro do mesmo </a:t>
             </a:r>
             <a:r>
-              <a:rPr lang="pt-BR" dirty="0" err="1" smtClean="0"/>
+              <a:rPr lang="pt-BR" dirty="0" err="1"/>
               <a:t>rank</a:t>
             </a:r>
             <a:r>
-              <a:rPr lang="pt-BR" dirty="0" smtClean="0"/>
+              <a:rPr lang="pt-BR" dirty="0"/>
               <a:t>, o set é ordenado lexicograficamente:</a:t>
             </a:r>
           </a:p>
@@ -7314,17 +6901,17 @@
             <a:endParaRPr lang="pt-BR" dirty="0"/>
           </a:p>
           <a:p>
-            <a:endParaRPr lang="pt-BR" dirty="0" smtClean="0"/>
-          </a:p>
-          <a:p>
-            <a:endParaRPr lang="pt-BR" dirty="0" smtClean="0"/>
-          </a:p>
-          <a:p>
-            <a:endParaRPr lang="pt-BR" dirty="0" smtClean="0"/>
-          </a:p>
-          <a:p>
-            <a:r>
-              <a:rPr lang="pt-BR" dirty="0" smtClean="0"/>
+            <a:endParaRPr lang="pt-BR" dirty="0"/>
+          </a:p>
+          <a:p>
+            <a:endParaRPr lang="pt-BR" dirty="0"/>
+          </a:p>
+          <a:p>
+            <a:endParaRPr lang="pt-BR" dirty="0"/>
+          </a:p>
+          <a:p>
+            <a:r>
+              <a:rPr lang="pt-BR" dirty="0"/>
               <a:t>Fazemos operações O(log(n)) para retornar os resultados:</a:t>
             </a:r>
           </a:p>
@@ -7332,28 +6919,28 @@
             <a:endParaRPr lang="pt-BR" dirty="0"/>
           </a:p>
           <a:p>
-            <a:endParaRPr lang="pt-BR" dirty="0" smtClean="0"/>
-          </a:p>
-          <a:p>
             <a:endParaRPr lang="pt-BR" dirty="0"/>
           </a:p>
           <a:p>
-            <a:endParaRPr lang="pt-BR" dirty="0" smtClean="0"/>
-          </a:p>
-          <a:p>
-            <a:r>
-              <a:rPr lang="pt-BR" dirty="0" smtClean="0"/>
+            <a:endParaRPr lang="pt-BR" dirty="0"/>
+          </a:p>
+          <a:p>
+            <a:endParaRPr lang="pt-BR" dirty="0"/>
+          </a:p>
+          <a:p>
+            <a:r>
+              <a:rPr lang="pt-BR" dirty="0"/>
               <a:t>Na aplicação, mostramos apenas as palavras completas (terminadas por “$” neste exemplo)</a:t>
             </a:r>
           </a:p>
           <a:p>
-            <a:endParaRPr lang="pt-BR" dirty="0" smtClean="0"/>
-          </a:p>
-          <a:p>
-            <a:endParaRPr lang="pt-BR" dirty="0" smtClean="0"/>
-          </a:p>
-          <a:p>
-            <a:endParaRPr lang="pt-BR" dirty="0" smtClean="0"/>
+            <a:endParaRPr lang="pt-BR" dirty="0"/>
+          </a:p>
+          <a:p>
+            <a:endParaRPr lang="pt-BR" dirty="0"/>
+          </a:p>
+          <a:p>
+            <a:endParaRPr lang="pt-BR" dirty="0"/>
           </a:p>
           <a:p>
             <a:endParaRPr lang="en-US" dirty="0"/>
@@ -7395,7 +6982,7 @@
               <a:defRPr/>
             </a:pPr>
             <a:r>
-              <a:rPr lang="en-US" sz="1200" dirty="0" err="1" smtClean="0">
+              <a:rPr lang="en-US" sz="1200" dirty="0" err="1">
                 <a:solidFill>
                   <a:schemeClr val="tx2"/>
                 </a:solidFill>
@@ -7405,24 +6992,14 @@
               <a:t>zadd</a:t>
             </a:r>
             <a:r>
-              <a:rPr lang="en-US" sz="1200" dirty="0" smtClean="0">
-                <a:solidFill>
-                  <a:schemeClr val="tx2"/>
-                </a:solidFill>
-                <a:latin typeface="Courier New" pitchFamily="49" charset="0"/>
-                <a:cs typeface="Courier New" pitchFamily="49" charset="0"/>
-              </a:rPr>
-              <a:t> </a:t>
-            </a:r>
-            <a:r>
-              <a:rPr lang="en-US" sz="1200" dirty="0">
-                <a:solidFill>
-                  <a:schemeClr val="tx2"/>
-                </a:solidFill>
-                <a:latin typeface="Courier New" pitchFamily="49" charset="0"/>
-                <a:cs typeface="Courier New" pitchFamily="49" charset="0"/>
-              </a:rPr>
-              <a:t>autocomplete 0 j</a:t>
+              <a:rPr lang="en-US" sz="1200" dirty="0">
+                <a:solidFill>
+                  <a:schemeClr val="tx2"/>
+                </a:solidFill>
+                <a:latin typeface="Courier New" pitchFamily="49" charset="0"/>
+                <a:cs typeface="Courier New" pitchFamily="49" charset="0"/>
+              </a:rPr>
+              <a:t> autocomplete 0 j</a:t>
             </a:r>
           </a:p>
           <a:p>
@@ -7430,7 +7007,7 @@
               <a:defRPr/>
             </a:pPr>
             <a:r>
-              <a:rPr lang="en-US" sz="1200" dirty="0" err="1" smtClean="0">
+              <a:rPr lang="en-US" sz="1200" dirty="0" err="1">
                 <a:solidFill>
                   <a:schemeClr val="tx2"/>
                 </a:solidFill>
@@ -7440,24 +7017,14 @@
               <a:t>zadd</a:t>
             </a:r>
             <a:r>
-              <a:rPr lang="en-US" sz="1200" dirty="0" smtClean="0">
-                <a:solidFill>
-                  <a:schemeClr val="tx2"/>
-                </a:solidFill>
-                <a:latin typeface="Courier New" pitchFamily="49" charset="0"/>
-                <a:cs typeface="Courier New" pitchFamily="49" charset="0"/>
-              </a:rPr>
-              <a:t> </a:t>
-            </a:r>
-            <a:r>
-              <a:rPr lang="en-US" sz="1200" dirty="0">
-                <a:solidFill>
-                  <a:schemeClr val="tx2"/>
-                </a:solidFill>
-                <a:latin typeface="Courier New" pitchFamily="49" charset="0"/>
-                <a:cs typeface="Courier New" pitchFamily="49" charset="0"/>
-              </a:rPr>
-              <a:t>autocomplete 0 ja</a:t>
+              <a:rPr lang="en-US" sz="1200" dirty="0">
+                <a:solidFill>
+                  <a:schemeClr val="tx2"/>
+                </a:solidFill>
+                <a:latin typeface="Courier New" pitchFamily="49" charset="0"/>
+                <a:cs typeface="Courier New" pitchFamily="49" charset="0"/>
+              </a:rPr>
+              <a:t> autocomplete 0 ja</a:t>
             </a:r>
           </a:p>
           <a:p>
@@ -7465,7 +7032,7 @@
               <a:defRPr/>
             </a:pPr>
             <a:r>
-              <a:rPr lang="en-US" sz="1200" dirty="0" err="1" smtClean="0">
+              <a:rPr lang="en-US" sz="1200" dirty="0" err="1">
                 <a:solidFill>
                   <a:schemeClr val="tx2"/>
                 </a:solidFill>
@@ -7475,24 +7042,14 @@
               <a:t>zadd</a:t>
             </a:r>
             <a:r>
-              <a:rPr lang="en-US" sz="1200" dirty="0" smtClean="0">
-                <a:solidFill>
-                  <a:schemeClr val="tx2"/>
-                </a:solidFill>
-                <a:latin typeface="Courier New" pitchFamily="49" charset="0"/>
-                <a:cs typeface="Courier New" pitchFamily="49" charset="0"/>
-              </a:rPr>
-              <a:t> </a:t>
-            </a:r>
-            <a:r>
-              <a:rPr lang="en-US" sz="1200" dirty="0">
-                <a:solidFill>
-                  <a:schemeClr val="tx2"/>
-                </a:solidFill>
-                <a:latin typeface="Courier New" pitchFamily="49" charset="0"/>
-                <a:cs typeface="Courier New" pitchFamily="49" charset="0"/>
-              </a:rPr>
-              <a:t>autocomplete 0 </a:t>
+              <a:rPr lang="en-US" sz="1200" dirty="0">
+                <a:solidFill>
+                  <a:schemeClr val="tx2"/>
+                </a:solidFill>
+                <a:latin typeface="Courier New" pitchFamily="49" charset="0"/>
+                <a:cs typeface="Courier New" pitchFamily="49" charset="0"/>
+              </a:rPr>
+              <a:t> autocomplete 0 </a:t>
             </a:r>
             <a:r>
               <a:rPr lang="en-US" sz="1200" dirty="0" err="1">
@@ -7517,7 +7074,7 @@
               <a:defRPr/>
             </a:pPr>
             <a:r>
-              <a:rPr lang="en-US" sz="1200" dirty="0" err="1" smtClean="0">
+              <a:rPr lang="en-US" sz="1200" dirty="0" err="1">
                 <a:solidFill>
                   <a:schemeClr val="tx2"/>
                 </a:solidFill>
@@ -7527,27 +7084,17 @@
               <a:t>zadd</a:t>
             </a:r>
             <a:r>
-              <a:rPr lang="en-US" sz="1200" dirty="0" smtClean="0">
-                <a:solidFill>
-                  <a:schemeClr val="tx2"/>
-                </a:solidFill>
-                <a:latin typeface="Courier New" pitchFamily="49" charset="0"/>
-                <a:cs typeface="Courier New" pitchFamily="49" charset="0"/>
-              </a:rPr>
-              <a:t> </a:t>
-            </a:r>
-            <a:r>
-              <a:rPr lang="en-US" sz="1200" dirty="0">
-                <a:solidFill>
-                  <a:schemeClr val="tx2"/>
-                </a:solidFill>
-                <a:latin typeface="Courier New" pitchFamily="49" charset="0"/>
-                <a:cs typeface="Courier New" pitchFamily="49" charset="0"/>
-              </a:rPr>
-              <a:t>autocomplete 0 </a:t>
-            </a:r>
-            <a:r>
-              <a:rPr lang="en-US" sz="1200" dirty="0" err="1" smtClean="0">
+              <a:rPr lang="en-US" sz="1200" dirty="0">
+                <a:solidFill>
+                  <a:schemeClr val="tx2"/>
+                </a:solidFill>
+                <a:latin typeface="Courier New" pitchFamily="49" charset="0"/>
+                <a:cs typeface="Courier New" pitchFamily="49" charset="0"/>
+              </a:rPr>
+              <a:t> autocomplete 0 </a:t>
+            </a:r>
+            <a:r>
+              <a:rPr lang="en-US" sz="1200" dirty="0" err="1">
                 <a:solidFill>
                   <a:schemeClr val="tx2"/>
                 </a:solidFill>
@@ -7557,7 +7104,7 @@
               <a:t>jaca</a:t>
             </a:r>
             <a:r>
-              <a:rPr lang="en-US" sz="1200" dirty="0" smtClean="0">
+              <a:rPr lang="en-US" sz="1200" dirty="0">
                 <a:solidFill>
                   <a:schemeClr val="tx2"/>
                 </a:solidFill>
@@ -7572,7 +7119,7 @@
               <a:defRPr/>
             </a:pPr>
             <a:r>
-              <a:rPr lang="pt-BR" sz="1200" dirty="0" err="1" smtClean="0">
+              <a:rPr lang="pt-BR" sz="1200" dirty="0" err="1">
                 <a:solidFill>
                   <a:schemeClr val="tx2"/>
                 </a:solidFill>
@@ -7582,7 +7129,7 @@
               <a:t>Zadd</a:t>
             </a:r>
             <a:r>
-              <a:rPr lang="pt-BR" sz="1200" dirty="0" smtClean="0">
+              <a:rPr lang="pt-BR" sz="1200" dirty="0">
                 <a:solidFill>
                   <a:schemeClr val="tx2"/>
                 </a:solidFill>
@@ -7592,17 +7139,17 @@
               <a:t> </a:t>
             </a:r>
             <a:r>
-              <a:rPr lang="pt-BR" sz="1200" dirty="0" err="1" smtClean="0">
-                <a:solidFill>
-                  <a:schemeClr val="tx2"/>
-                </a:solidFill>
-                <a:latin typeface="Courier New" pitchFamily="49" charset="0"/>
-                <a:cs typeface="Courier New" pitchFamily="49" charset="0"/>
-              </a:rPr>
-              <a:t>autocompolete</a:t>
-            </a:r>
-            <a:r>
-              <a:rPr lang="pt-BR" sz="1200" dirty="0" smtClean="0">
+              <a:rPr lang="pt-BR" sz="1200" u="sng" dirty="0" err="1">
+                <a:solidFill>
+                  <a:schemeClr val="tx2"/>
+                </a:solidFill>
+                <a:latin typeface="Courier New" pitchFamily="49" charset="0"/>
+                <a:cs typeface="Courier New" pitchFamily="49" charset="0"/>
+              </a:rPr>
+              <a:t>autocomplete</a:t>
+            </a:r>
+            <a:r>
+              <a:rPr lang="pt-BR" sz="1200" dirty="0">
                 <a:solidFill>
                   <a:schemeClr val="tx2"/>
                 </a:solidFill>
@@ -7612,7 +7159,7 @@
               <a:t> 0 </a:t>
             </a:r>
             <a:r>
-              <a:rPr lang="pt-BR" sz="1200" dirty="0" err="1" smtClean="0">
+              <a:rPr lang="pt-BR" sz="1200" dirty="0" err="1">
                 <a:solidFill>
                   <a:schemeClr val="tx2"/>
                 </a:solidFill>
@@ -7621,7 +7168,7 @@
               </a:rPr>
               <a:t>jacar</a:t>
             </a:r>
-            <a:endParaRPr lang="pt-BR" sz="1200" dirty="0" smtClean="0">
+            <a:endParaRPr lang="pt-BR" sz="1200" dirty="0">
               <a:solidFill>
                 <a:schemeClr val="tx2"/>
               </a:solidFill>
@@ -7634,7 +7181,7 @@
               <a:defRPr/>
             </a:pPr>
             <a:r>
-              <a:rPr lang="pt-BR" sz="1200" dirty="0" err="1" smtClean="0">
+              <a:rPr lang="pt-BR" sz="1200" dirty="0" err="1">
                 <a:solidFill>
                   <a:schemeClr val="tx2"/>
                 </a:solidFill>
@@ -7644,7 +7191,7 @@
               <a:t>Zadd</a:t>
             </a:r>
             <a:r>
-              <a:rPr lang="pt-BR" sz="1200" dirty="0" smtClean="0">
+              <a:rPr lang="pt-BR" sz="1200" dirty="0">
                 <a:solidFill>
                   <a:schemeClr val="tx2"/>
                 </a:solidFill>
@@ -7654,7 +7201,7 @@
               <a:t> </a:t>
             </a:r>
             <a:r>
-              <a:rPr lang="pt-BR" sz="1200" dirty="0" err="1" smtClean="0">
+              <a:rPr lang="pt-BR" sz="1200" dirty="0" err="1">
                 <a:solidFill>
                   <a:schemeClr val="tx2"/>
                 </a:solidFill>
@@ -7664,7 +7211,7 @@
               <a:t>autocomplete</a:t>
             </a:r>
             <a:r>
-              <a:rPr lang="pt-BR" sz="1200" dirty="0" smtClean="0">
+              <a:rPr lang="pt-BR" sz="1200" dirty="0">
                 <a:solidFill>
                   <a:schemeClr val="tx2"/>
                 </a:solidFill>
@@ -7792,17 +7339,7 @@
                 <a:latin typeface="Courier New" pitchFamily="49" charset="0"/>
                 <a:cs typeface="Courier New" pitchFamily="49" charset="0"/>
               </a:rPr>
-              <a:t> autocomplete 3 </a:t>
-            </a:r>
-            <a:r>
-              <a:rPr lang="en-US" sz="1200" dirty="0" smtClean="0">
-                <a:solidFill>
-                  <a:schemeClr val="tx2"/>
-                </a:solidFill>
-                <a:latin typeface="Courier New" pitchFamily="49" charset="0"/>
-                <a:cs typeface="Courier New" pitchFamily="49" charset="0"/>
-              </a:rPr>
-              <a:t>10</a:t>
+              <a:t> autocomplete 3 10</a:t>
             </a:r>
           </a:p>
           <a:p>
@@ -7820,7 +7357,7 @@
               <a:t>1) "</a:t>
             </a:r>
             <a:r>
-              <a:rPr lang="en-US" sz="1200" dirty="0" err="1" smtClean="0">
+              <a:rPr lang="en-US" sz="1200" dirty="0" err="1">
                 <a:solidFill>
                   <a:schemeClr val="tx2"/>
                 </a:solidFill>
@@ -7830,7 +7367,7 @@
               <a:t>jaca</a:t>
             </a:r>
             <a:r>
-              <a:rPr lang="en-US" sz="1200" dirty="0" smtClean="0">
+              <a:rPr lang="en-US" sz="1200" dirty="0">
                 <a:solidFill>
                   <a:schemeClr val="tx2"/>
                 </a:solidFill>
@@ -7839,13 +7376,6 @@
               </a:rPr>
               <a:t>$"</a:t>
             </a:r>
-            <a:endParaRPr lang="en-US" sz="1200" dirty="0">
-              <a:solidFill>
-                <a:schemeClr val="tx2"/>
-              </a:solidFill>
-              <a:latin typeface="Courier New" pitchFamily="49" charset="0"/>
-              <a:cs typeface="Courier New" pitchFamily="49" charset="0"/>
-            </a:endParaRPr>
           </a:p>
           <a:p>
             <a:pPr>
@@ -7862,7 +7392,7 @@
               <a:t>2) "</a:t>
             </a:r>
             <a:r>
-              <a:rPr lang="en-US" sz="1200" dirty="0" err="1" smtClean="0">
+              <a:rPr lang="en-US" sz="1200" dirty="0" err="1">
                 <a:solidFill>
                   <a:schemeClr val="tx2"/>
                 </a:solidFill>
@@ -7872,7 +7402,7 @@
               <a:t>jacar</a:t>
             </a:r>
             <a:r>
-              <a:rPr lang="en-US" sz="1200" dirty="0" smtClean="0">
+              <a:rPr lang="en-US" sz="1200" dirty="0">
                 <a:solidFill>
                   <a:schemeClr val="tx2"/>
                 </a:solidFill>
@@ -7897,7 +7427,7 @@
               <a:t>2) "</a:t>
             </a:r>
             <a:r>
-              <a:rPr lang="en-US" sz="1200" dirty="0" err="1" smtClean="0">
+              <a:rPr lang="en-US" sz="1200" dirty="0" err="1">
                 <a:solidFill>
                   <a:schemeClr val="tx2"/>
                 </a:solidFill>
@@ -7907,7 +7437,7 @@
               <a:t>jacaré</a:t>
             </a:r>
             <a:r>
-              <a:rPr lang="en-US" sz="1200" dirty="0" smtClean="0">
+              <a:rPr lang="en-US" sz="1200" dirty="0">
                 <a:solidFill>
                   <a:schemeClr val="tx2"/>
                 </a:solidFill>
@@ -7916,13 +7446,6 @@
               </a:rPr>
               <a:t>$"</a:t>
             </a:r>
-            <a:endParaRPr lang="en-US" sz="1200" dirty="0">
-              <a:solidFill>
-                <a:schemeClr val="tx2"/>
-              </a:solidFill>
-              <a:latin typeface="Courier New" pitchFamily="49" charset="0"/>
-              <a:cs typeface="Courier New" pitchFamily="49" charset="0"/>
-            </a:endParaRPr>
           </a:p>
         </p:txBody>
       </p:sp>
@@ -7975,7 +7498,7 @@
           <a:lstStyle/>
           <a:p>
             <a:r>
-              <a:rPr lang="pt-BR" dirty="0" smtClean="0"/>
+              <a:rPr lang="pt-BR" dirty="0"/>
               <a:t>Busca facetada</a:t>
             </a:r>
             <a:endParaRPr lang="en-US" dirty="0"/>
@@ -8003,23 +7526,23 @@
           <a:lstStyle/>
           <a:p>
             <a:r>
-              <a:rPr lang="pt-BR" dirty="0" smtClean="0"/>
+              <a:rPr lang="pt-BR" dirty="0"/>
               <a:t>Utilizamos um </a:t>
             </a:r>
             <a:r>
-              <a:rPr lang="pt-BR" dirty="0" err="1" smtClean="0"/>
+              <a:rPr lang="pt-BR" dirty="0" err="1"/>
               <a:t>hash</a:t>
             </a:r>
             <a:r>
-              <a:rPr lang="pt-BR" dirty="0" smtClean="0"/>
+              <a:rPr lang="pt-BR" dirty="0"/>
               <a:t> para o nome de um produto, e sets para os </a:t>
             </a:r>
             <a:r>
-              <a:rPr lang="pt-BR" dirty="0" err="1" smtClean="0"/>
+              <a:rPr lang="pt-BR" dirty="0" err="1"/>
               <a:t>facets</a:t>
             </a:r>
             <a:r>
-              <a:rPr lang="pt-BR" dirty="0" smtClean="0"/>
+              <a:rPr lang="pt-BR" dirty="0"/>
               <a:t>:</a:t>
             </a:r>
           </a:p>
@@ -8027,13 +7550,13 @@
             <a:endParaRPr lang="pt-BR" dirty="0"/>
           </a:p>
           <a:p>
-            <a:endParaRPr lang="pt-BR" dirty="0" smtClean="0"/>
-          </a:p>
-          <a:p>
-            <a:endParaRPr lang="pt-BR" dirty="0" smtClean="0"/>
-          </a:p>
-          <a:p>
-            <a:endParaRPr lang="pt-BR" dirty="0" smtClean="0"/>
+            <a:endParaRPr lang="pt-BR" dirty="0"/>
+          </a:p>
+          <a:p>
+            <a:endParaRPr lang="pt-BR" dirty="0"/>
+          </a:p>
+          <a:p>
+            <a:endParaRPr lang="pt-BR" dirty="0"/>
           </a:p>
         </p:txBody>
       </p:sp>
@@ -8580,7 +8103,7 @@
                 <a:latin typeface="Courier New" pitchFamily="49" charset="0"/>
                 <a:cs typeface="Courier New" pitchFamily="49" charset="0"/>
               </a:rPr>
-              <a:t>SO:Bada</a:t>
+              <a:t>SO:Android</a:t>
             </a:r>
             <a:r>
               <a:rPr lang="en-US" sz="1200" dirty="0">
@@ -8714,7 +8237,7 @@
           <a:lstStyle/>
           <a:p>
             <a:r>
-              <a:rPr lang="pt-BR" dirty="0" smtClean="0"/>
+              <a:rPr lang="pt-BR" dirty="0"/>
               <a:t>Busca facetada</a:t>
             </a:r>
             <a:endParaRPr lang="en-US" dirty="0"/>
@@ -8742,19 +8265,18 @@
           <a:lstStyle/>
           <a:p>
             <a:r>
-              <a:rPr lang="pt-BR" dirty="0" smtClean="0"/>
+              <a:rPr lang="pt-BR" dirty="0"/>
               <a:t>Então podemos retornar valores usando operações de sets:</a:t>
             </a:r>
+          </a:p>
+          <a:p>
             <a:endParaRPr lang="pt-BR" dirty="0"/>
           </a:p>
           <a:p>
-            <a:endParaRPr lang="pt-BR" dirty="0" smtClean="0"/>
-          </a:p>
-          <a:p>
-            <a:endParaRPr lang="pt-BR" dirty="0" smtClean="0"/>
-          </a:p>
-          <a:p>
-            <a:endParaRPr lang="pt-BR" dirty="0" smtClean="0"/>
+            <a:endParaRPr lang="pt-BR" dirty="0"/>
+          </a:p>
+          <a:p>
+            <a:endParaRPr lang="pt-BR" dirty="0"/>
           </a:p>
         </p:txBody>
       </p:sp>
@@ -8803,7 +8325,7 @@
               <a:t>&gt; SMEMBERS </a:t>
             </a:r>
             <a:r>
-              <a:rPr lang="en-US" sz="1200" dirty="0" err="1" smtClean="0">
+              <a:rPr lang="en-US" sz="1200" dirty="0" err="1">
                 <a:solidFill>
                   <a:schemeClr val="tx2"/>
                 </a:solidFill>
@@ -8902,7 +8424,7 @@
               <a:t>Fabricante:Samsung</a:t>
             </a:r>
             <a:r>
-              <a:rPr lang="en-US" sz="1200" dirty="0" smtClean="0">
+              <a:rPr lang="en-US" sz="1200" dirty="0">
                 <a:solidFill>
                   <a:schemeClr val="tx2"/>
                 </a:solidFill>
@@ -8912,7 +8434,7 @@
               <a:t> </a:t>
             </a:r>
             <a:r>
-              <a:rPr lang="en-US" sz="1200" dirty="0" err="1" smtClean="0">
+              <a:rPr lang="en-US" sz="1200" dirty="0" err="1">
                 <a:solidFill>
                   <a:schemeClr val="tx2"/>
                 </a:solidFill>
@@ -9075,7 +8597,7 @@
           <a:lstStyle/>
           <a:p>
             <a:r>
-              <a:rPr lang="pt-BR" dirty="0" smtClean="0"/>
+              <a:rPr lang="pt-BR" dirty="0"/>
               <a:t>Análise em tempo real</a:t>
             </a:r>
             <a:endParaRPr lang="en-US" dirty="0"/>
@@ -9098,15 +8620,15 @@
           <a:lstStyle/>
           <a:p>
             <a:r>
-              <a:rPr lang="pt-BR" dirty="0" smtClean="0"/>
+              <a:rPr lang="pt-BR" dirty="0"/>
               <a:t>Em um cenário onde tenho contadores de visitas para páginas de diferentes anúncios, de clicks em banners que levam à página utilizamos </a:t>
             </a:r>
             <a:r>
-              <a:rPr lang="pt-BR" dirty="0" err="1" smtClean="0"/>
+              <a:rPr lang="pt-BR" dirty="0" err="1"/>
               <a:t>sorted</a:t>
             </a:r>
             <a:r>
-              <a:rPr lang="pt-BR" dirty="0" smtClean="0"/>
+              <a:rPr lang="pt-BR" dirty="0"/>
               <a:t> sets para armazenar e incrementar:</a:t>
             </a:r>
           </a:p>
@@ -9114,17 +8636,17 @@
             <a:endParaRPr lang="pt-BR" dirty="0"/>
           </a:p>
           <a:p>
-            <a:endParaRPr lang="pt-BR" dirty="0" smtClean="0"/>
-          </a:p>
-          <a:p>
-            <a:endParaRPr lang="pt-BR" dirty="0" smtClean="0"/>
-          </a:p>
-          <a:p>
             <a:endParaRPr lang="pt-BR" dirty="0"/>
           </a:p>
           <a:p>
-            <a:r>
-              <a:rPr lang="pt-BR" dirty="0" smtClean="0"/>
+            <a:endParaRPr lang="pt-BR" dirty="0"/>
+          </a:p>
+          <a:p>
+            <a:endParaRPr lang="pt-BR" dirty="0"/>
+          </a:p>
+          <a:p>
+            <a:r>
+              <a:rPr lang="pt-BR" dirty="0"/>
               <a:t>Para retornar as páginas mais visitadas, simplesmente utilizamos:</a:t>
             </a:r>
           </a:p>
@@ -9178,7 +8700,7 @@
               <a:t>ZINCRBY </a:t>
             </a:r>
             <a:r>
-              <a:rPr lang="en-US" sz="1200" dirty="0" err="1" smtClean="0">
+              <a:rPr lang="en-US" sz="1200" dirty="0" err="1">
                 <a:solidFill>
                   <a:schemeClr val="tx2"/>
                 </a:solidFill>
@@ -9188,34 +8710,14 @@
               <a:t>paginas:visitas</a:t>
             </a:r>
             <a:r>
-              <a:rPr lang="en-US" sz="1200" dirty="0" smtClean="0">
-                <a:solidFill>
-                  <a:schemeClr val="tx2"/>
-                </a:solidFill>
-                <a:latin typeface="Courier New" pitchFamily="49" charset="0"/>
-                <a:cs typeface="Courier New" pitchFamily="49" charset="0"/>
-              </a:rPr>
-              <a:t> </a:t>
-            </a:r>
-            <a:r>
-              <a:rPr lang="en-US" sz="1200" dirty="0">
-                <a:solidFill>
-                  <a:schemeClr val="tx2"/>
-                </a:solidFill>
-                <a:latin typeface="Courier New" pitchFamily="49" charset="0"/>
-                <a:cs typeface="Courier New" pitchFamily="49" charset="0"/>
-              </a:rPr>
-              <a:t>1 </a:t>
-            </a:r>
-            <a:r>
-              <a:rPr lang="en-US" sz="1200" dirty="0" smtClean="0">
-                <a:solidFill>
-                  <a:schemeClr val="tx2"/>
-                </a:solidFill>
-                <a:latin typeface="Courier New" pitchFamily="49" charset="0"/>
-                <a:cs typeface="Courier New" pitchFamily="49" charset="0"/>
-              </a:rPr>
-              <a:t>"idanuncio:453“</a:t>
+              <a:rPr lang="en-US" sz="1200" dirty="0">
+                <a:solidFill>
+                  <a:schemeClr val="tx2"/>
+                </a:solidFill>
+                <a:latin typeface="Courier New" pitchFamily="49" charset="0"/>
+                <a:cs typeface="Courier New" pitchFamily="49" charset="0"/>
+              </a:rPr>
+              <a:t> 1 "idanuncio:453“</a:t>
             </a:r>
           </a:p>
           <a:p>
@@ -9233,7 +8735,7 @@
               <a:t>ZINCRBY </a:t>
             </a:r>
             <a:r>
-              <a:rPr lang="en-US" sz="1200" dirty="0" err="1" smtClean="0">
+              <a:rPr lang="en-US" sz="1200" dirty="0" err="1">
                 <a:solidFill>
                   <a:schemeClr val="tx2"/>
                 </a:solidFill>
@@ -9243,54 +8745,14 @@
               <a:t>paginas:visitas</a:t>
             </a:r>
             <a:r>
-              <a:rPr lang="en-US" sz="1200" dirty="0" smtClean="0">
-                <a:solidFill>
-                  <a:schemeClr val="tx2"/>
-                </a:solidFill>
-                <a:latin typeface="Courier New" pitchFamily="49" charset="0"/>
-                <a:cs typeface="Courier New" pitchFamily="49" charset="0"/>
-              </a:rPr>
-              <a:t> </a:t>
-            </a:r>
-            <a:r>
-              <a:rPr lang="en-US" sz="1200" dirty="0">
-                <a:solidFill>
-                  <a:schemeClr val="tx2"/>
-                </a:solidFill>
-                <a:latin typeface="Courier New" pitchFamily="49" charset="0"/>
-                <a:cs typeface="Courier New" pitchFamily="49" charset="0"/>
-              </a:rPr>
-              <a:t>1 </a:t>
-            </a:r>
-            <a:r>
-              <a:rPr lang="en-US" sz="1200" dirty="0" smtClean="0">
-                <a:solidFill>
-                  <a:schemeClr val="tx2"/>
-                </a:solidFill>
-                <a:latin typeface="Courier New" pitchFamily="49" charset="0"/>
-                <a:cs typeface="Courier New" pitchFamily="49" charset="0"/>
-              </a:rPr>
-              <a:t>"</a:t>
-            </a:r>
-            <a:r>
-              <a:rPr lang="en-US" sz="1200" dirty="0">
-                <a:solidFill>
-                  <a:schemeClr val="tx2"/>
-                </a:solidFill>
-                <a:latin typeface="Courier New" pitchFamily="49" charset="0"/>
-                <a:cs typeface="Courier New" pitchFamily="49" charset="0"/>
-              </a:rPr>
-              <a:t>idanuncio</a:t>
-            </a:r>
-            <a:r>
-              <a:rPr lang="en-US" sz="1200" dirty="0" smtClean="0">
-                <a:solidFill>
-                  <a:schemeClr val="tx2"/>
-                </a:solidFill>
-                <a:latin typeface="Courier New" pitchFamily="49" charset="0"/>
-                <a:cs typeface="Courier New" pitchFamily="49" charset="0"/>
-              </a:rPr>
-              <a:t>:489“</a:t>
+              <a:rPr lang="en-US" sz="1200" dirty="0">
+                <a:solidFill>
+                  <a:schemeClr val="tx2"/>
+                </a:solidFill>
+                <a:latin typeface="Courier New" pitchFamily="49" charset="0"/>
+                <a:cs typeface="Courier New" pitchFamily="49" charset="0"/>
+              </a:rPr>
+              <a:t> 1 "idanuncio:489“</a:t>
             </a:r>
           </a:p>
           <a:p>
@@ -9308,7 +8770,7 @@
               <a:t>ZINCRBY </a:t>
             </a:r>
             <a:r>
-              <a:rPr lang="en-US" sz="1200" dirty="0" err="1" smtClean="0">
+              <a:rPr lang="en-US" sz="1200" dirty="0" err="1">
                 <a:solidFill>
                   <a:schemeClr val="tx2"/>
                 </a:solidFill>
@@ -9318,24 +8780,14 @@
               <a:t>paginas:clicks</a:t>
             </a:r>
             <a:r>
-              <a:rPr lang="en-US" sz="1200" dirty="0" smtClean="0">
-                <a:solidFill>
-                  <a:schemeClr val="tx2"/>
-                </a:solidFill>
-                <a:latin typeface="Courier New" pitchFamily="49" charset="0"/>
-                <a:cs typeface="Courier New" pitchFamily="49" charset="0"/>
-              </a:rPr>
-              <a:t> </a:t>
-            </a:r>
-            <a:r>
-              <a:rPr lang="en-US" sz="1200" dirty="0">
-                <a:solidFill>
-                  <a:schemeClr val="tx2"/>
-                </a:solidFill>
-                <a:latin typeface="Courier New" pitchFamily="49" charset="0"/>
-                <a:cs typeface="Courier New" pitchFamily="49" charset="0"/>
-              </a:rPr>
-              <a:t>1 "idanuncio:453“</a:t>
+              <a:rPr lang="en-US" sz="1200" dirty="0">
+                <a:solidFill>
+                  <a:schemeClr val="tx2"/>
+                </a:solidFill>
+                <a:latin typeface="Courier New" pitchFamily="49" charset="0"/>
+                <a:cs typeface="Courier New" pitchFamily="49" charset="0"/>
+              </a:rPr>
+              <a:t> 1 "idanuncio:453“</a:t>
             </a:r>
           </a:p>
           <a:p>
@@ -9353,7 +8805,7 @@
               <a:t>ZINCRBY </a:t>
             </a:r>
             <a:r>
-              <a:rPr lang="en-US" sz="1200" dirty="0" err="1" smtClean="0">
+              <a:rPr lang="en-US" sz="1200" dirty="0" err="1">
                 <a:solidFill>
                   <a:schemeClr val="tx2"/>
                 </a:solidFill>
@@ -9363,42 +8815,15 @@
               <a:t>paginas:clicks</a:t>
             </a:r>
             <a:r>
-              <a:rPr lang="en-US" sz="1200" dirty="0" smtClean="0">
-                <a:solidFill>
-                  <a:schemeClr val="tx2"/>
-                </a:solidFill>
-                <a:latin typeface="Courier New" pitchFamily="49" charset="0"/>
-                <a:cs typeface="Courier New" pitchFamily="49" charset="0"/>
-              </a:rPr>
-              <a:t> </a:t>
-            </a:r>
-            <a:r>
-              <a:rPr lang="en-US" sz="1200" dirty="0">
-                <a:solidFill>
-                  <a:schemeClr val="tx2"/>
-                </a:solidFill>
-                <a:latin typeface="Courier New" pitchFamily="49" charset="0"/>
-                <a:cs typeface="Courier New" pitchFamily="49" charset="0"/>
-              </a:rPr>
-              <a:t>1 "idanuncio:489</a:t>
-            </a:r>
-            <a:r>
-              <a:rPr lang="en-US" sz="1200" dirty="0" smtClean="0">
-                <a:solidFill>
-                  <a:schemeClr val="tx2"/>
-                </a:solidFill>
-                <a:latin typeface="Courier New" pitchFamily="49" charset="0"/>
-                <a:cs typeface="Courier New" pitchFamily="49" charset="0"/>
-              </a:rPr>
-              <a:t>“</a:t>
-            </a:r>
-            <a:endParaRPr lang="en-US" sz="1200" dirty="0">
-              <a:solidFill>
-                <a:schemeClr val="tx2"/>
-              </a:solidFill>
-              <a:latin typeface="Courier New" pitchFamily="49" charset="0"/>
-              <a:cs typeface="Courier New" pitchFamily="49" charset="0"/>
-            </a:endParaRPr>
+              <a:rPr lang="en-US" sz="1200" dirty="0">
+                <a:solidFill>
+                  <a:schemeClr val="tx2"/>
+                </a:solidFill>
+                <a:latin typeface="Courier New" pitchFamily="49" charset="0"/>
+                <a:cs typeface="Courier New" pitchFamily="49" charset="0"/>
+              </a:rPr>
+              <a:t> 1 "idanuncio:489“</a:t>
+            </a:r>
           </a:p>
         </p:txBody>
       </p:sp>
@@ -9447,7 +8872,7 @@
               <a:t>ZREVRANGE </a:t>
             </a:r>
             <a:r>
-              <a:rPr lang="en-US" sz="1200" dirty="0" err="1" smtClean="0">
+              <a:rPr lang="en-US" sz="1200" dirty="0" err="1">
                 <a:solidFill>
                   <a:schemeClr val="tx2"/>
                 </a:solidFill>
@@ -9457,32 +8882,15 @@
               <a:t>paginas:visitas</a:t>
             </a:r>
             <a:r>
-              <a:rPr lang="en-US" sz="1200" dirty="0" smtClean="0">
-                <a:solidFill>
-                  <a:schemeClr val="tx2"/>
-                </a:solidFill>
-                <a:latin typeface="Courier New" pitchFamily="49" charset="0"/>
-                <a:cs typeface="Courier New" pitchFamily="49" charset="0"/>
-              </a:rPr>
-              <a:t> 0 </a:t>
-            </a:r>
-            <a:r>
-              <a:rPr lang="en-US" sz="1200" dirty="0">
-                <a:solidFill>
-                  <a:schemeClr val="tx2"/>
-                </a:solidFill>
-                <a:latin typeface="Courier New" pitchFamily="49" charset="0"/>
-                <a:cs typeface="Courier New" pitchFamily="49" charset="0"/>
-              </a:rPr>
-              <a:t>-1 WITHSCORES</a:t>
-            </a:r>
-            <a:endParaRPr lang="en-US" sz="1200" dirty="0" smtClean="0">
-              <a:solidFill>
-                <a:schemeClr val="tx2"/>
-              </a:solidFill>
-              <a:latin typeface="Courier New" pitchFamily="49" charset="0"/>
-              <a:cs typeface="Courier New" pitchFamily="49" charset="0"/>
-            </a:endParaRPr>
+              <a:rPr lang="en-US" sz="1200" dirty="0">
+                <a:solidFill>
+                  <a:schemeClr val="tx2"/>
+                </a:solidFill>
+                <a:latin typeface="Courier New" pitchFamily="49" charset="0"/>
+                <a:cs typeface="Courier New" pitchFamily="49" charset="0"/>
+              </a:rPr>
+              <a:t> 0 -1 WITHSCORES</a:t>
+            </a:r>
           </a:p>
         </p:txBody>
       </p:sp>
@@ -9535,7 +8943,7 @@
           <a:lstStyle/>
           <a:p>
             <a:r>
-              <a:rPr lang="pt-BR" dirty="0" smtClean="0"/>
+              <a:rPr lang="pt-BR" dirty="0"/>
               <a:t>Análise em tempo real</a:t>
             </a:r>
             <a:endParaRPr lang="en-US" dirty="0"/>
@@ -9558,7 +8966,7 @@
           <a:lstStyle/>
           <a:p>
             <a:r>
-              <a:rPr lang="pt-BR" dirty="0" smtClean="0"/>
+              <a:rPr lang="pt-BR" dirty="0"/>
               <a:t>Para retornar uma análise mais rica, utilizamos ZUNIONSTORE:</a:t>
             </a:r>
           </a:p>
@@ -9566,33 +8974,33 @@
             <a:endParaRPr lang="pt-BR" dirty="0"/>
           </a:p>
           <a:p>
-            <a:endParaRPr lang="pt-BR" dirty="0" smtClean="0"/>
-          </a:p>
-          <a:p>
-            <a:endParaRPr lang="pt-BR" dirty="0" smtClean="0"/>
-          </a:p>
-          <a:p>
             <a:endParaRPr lang="pt-BR" dirty="0"/>
           </a:p>
           <a:p>
-            <a:r>
-              <a:rPr lang="pt-BR" dirty="0" smtClean="0"/>
+            <a:endParaRPr lang="pt-BR" dirty="0"/>
+          </a:p>
+          <a:p>
+            <a:endParaRPr lang="pt-BR" dirty="0"/>
+          </a:p>
+          <a:p>
+            <a:r>
+              <a:rPr lang="pt-BR" dirty="0"/>
               <a:t>O novo </a:t>
             </a:r>
             <a:r>
-              <a:rPr lang="pt-BR" dirty="0" err="1" smtClean="0"/>
+              <a:rPr lang="pt-BR" dirty="0" err="1"/>
               <a:t>sorted</a:t>
             </a:r>
             <a:r>
-              <a:rPr lang="pt-BR" dirty="0" smtClean="0"/>
+              <a:rPr lang="pt-BR" dirty="0"/>
               <a:t> set </a:t>
             </a:r>
             <a:r>
-              <a:rPr lang="pt-BR" dirty="0" err="1" smtClean="0"/>
+              <a:rPr lang="pt-BR" dirty="0" err="1"/>
               <a:t>paginas:popularidade</a:t>
             </a:r>
             <a:r>
-              <a:rPr lang="pt-BR" dirty="0" smtClean="0"/>
+              <a:rPr lang="pt-BR" dirty="0"/>
               <a:t> possui os número de visitas + (número de clicks * 5):</a:t>
             </a:r>
           </a:p>
@@ -9646,7 +9054,7 @@
               <a:t>ZUNIONSTORE </a:t>
             </a:r>
             <a:r>
-              <a:rPr lang="en-US" sz="1200" dirty="0" err="1" smtClean="0">
+              <a:rPr lang="en-US" sz="1200" dirty="0" err="1">
                 <a:solidFill>
                   <a:schemeClr val="tx2"/>
                 </a:solidFill>
@@ -9656,7 +9064,27 @@
               <a:t>paginas:popularidade</a:t>
             </a:r>
             <a:r>
-              <a:rPr lang="en-US" sz="1200" dirty="0" smtClean="0">
+              <a:rPr lang="en-US" sz="1200" dirty="0">
+                <a:solidFill>
+                  <a:schemeClr val="tx2"/>
+                </a:solidFill>
+                <a:latin typeface="Courier New" pitchFamily="49" charset="0"/>
+                <a:cs typeface="Courier New" pitchFamily="49" charset="0"/>
+              </a:rPr>
+              <a:t> 2 </a:t>
+            </a:r>
+            <a:r>
+              <a:rPr lang="en-US" sz="1200" dirty="0" err="1">
+                <a:solidFill>
+                  <a:schemeClr val="tx2"/>
+                </a:solidFill>
+                <a:latin typeface="Courier New" pitchFamily="49" charset="0"/>
+                <a:cs typeface="Courier New" pitchFamily="49" charset="0"/>
+              </a:rPr>
+              <a:t>paginas:visitas</a:t>
+            </a:r>
+            <a:r>
+              <a:rPr lang="en-US" sz="1200" dirty="0">
                 <a:solidFill>
                   <a:schemeClr val="tx2"/>
                 </a:solidFill>
@@ -9666,37 +9094,7 @@
               <a:t> </a:t>
             </a:r>
             <a:r>
-              <a:rPr lang="en-US" sz="1200" dirty="0">
-                <a:solidFill>
-                  <a:schemeClr val="tx2"/>
-                </a:solidFill>
-                <a:latin typeface="Courier New" pitchFamily="49" charset="0"/>
-                <a:cs typeface="Courier New" pitchFamily="49" charset="0"/>
-              </a:rPr>
-              <a:t>2 </a:t>
-            </a:r>
-            <a:r>
-              <a:rPr lang="en-US" sz="1200" dirty="0" err="1" smtClean="0">
-                <a:solidFill>
-                  <a:schemeClr val="tx2"/>
-                </a:solidFill>
-                <a:latin typeface="Courier New" pitchFamily="49" charset="0"/>
-                <a:cs typeface="Courier New" pitchFamily="49" charset="0"/>
-              </a:rPr>
-              <a:t>paginas:visitas</a:t>
-            </a:r>
-            <a:r>
-              <a:rPr lang="en-US" sz="1200" dirty="0" smtClean="0">
-                <a:solidFill>
-                  <a:schemeClr val="tx2"/>
-                </a:solidFill>
-                <a:latin typeface="Courier New" pitchFamily="49" charset="0"/>
-                <a:cs typeface="Courier New" pitchFamily="49" charset="0"/>
-              </a:rPr>
-              <a:t> </a:t>
-            </a:r>
-            <a:r>
-              <a:rPr lang="en-US" sz="1200" dirty="0" err="1" smtClean="0">
+              <a:rPr lang="en-US" sz="1200" dirty="0" err="1">
                 <a:solidFill>
                   <a:schemeClr val="tx2"/>
                 </a:solidFill>
@@ -9706,24 +9104,14 @@
               <a:t>paginas:clicks</a:t>
             </a:r>
             <a:r>
-              <a:rPr lang="en-US" sz="1200" dirty="0" smtClean="0">
-                <a:solidFill>
-                  <a:schemeClr val="tx2"/>
-                </a:solidFill>
-                <a:latin typeface="Courier New" pitchFamily="49" charset="0"/>
-                <a:cs typeface="Courier New" pitchFamily="49" charset="0"/>
-              </a:rPr>
-              <a:t> </a:t>
-            </a:r>
-            <a:r>
-              <a:rPr lang="en-US" sz="1200" dirty="0">
-                <a:solidFill>
-                  <a:schemeClr val="tx2"/>
-                </a:solidFill>
-                <a:latin typeface="Courier New" pitchFamily="49" charset="0"/>
-                <a:cs typeface="Courier New" pitchFamily="49" charset="0"/>
-              </a:rPr>
-              <a:t>WEIGHTS 1 5</a:t>
+              <a:rPr lang="en-US" sz="1200" dirty="0">
+                <a:solidFill>
+                  <a:schemeClr val="tx2"/>
+                </a:solidFill>
+                <a:latin typeface="Courier New" pitchFamily="49" charset="0"/>
+                <a:cs typeface="Courier New" pitchFamily="49" charset="0"/>
+              </a:rPr>
+              <a:t> WEIGHTS 1 5</a:t>
             </a:r>
           </a:p>
           <a:p>
@@ -9738,17 +9126,7 @@
                 <a:latin typeface="Courier New" pitchFamily="49" charset="0"/>
                 <a:cs typeface="Courier New" pitchFamily="49" charset="0"/>
               </a:rPr>
-              <a:t>(integer) </a:t>
-            </a:r>
-            <a:r>
-              <a:rPr lang="en-US" sz="1200" dirty="0" smtClean="0">
-                <a:solidFill>
-                  <a:schemeClr val="tx2"/>
-                </a:solidFill>
-                <a:latin typeface="Courier New" pitchFamily="49" charset="0"/>
-                <a:cs typeface="Courier New" pitchFamily="49" charset="0"/>
-              </a:rPr>
-              <a:t>2</a:t>
+              <a:t>(integer) 2</a:t>
             </a:r>
           </a:p>
         </p:txBody>
@@ -9798,7 +9176,7 @@
               <a:t>ZREVRANGE </a:t>
             </a:r>
             <a:r>
-              <a:rPr lang="en-US" sz="1200" dirty="0" err="1" smtClean="0">
+              <a:rPr lang="en-US" sz="1200" dirty="0" err="1">
                 <a:solidFill>
                   <a:schemeClr val="tx2"/>
                 </a:solidFill>
@@ -9808,34 +9186,14 @@
               <a:t>paginas:popularidade</a:t>
             </a:r>
             <a:r>
-              <a:rPr lang="en-US" sz="1200" dirty="0" smtClean="0">
-                <a:solidFill>
-                  <a:schemeClr val="tx2"/>
-                </a:solidFill>
-                <a:latin typeface="Courier New" pitchFamily="49" charset="0"/>
-                <a:cs typeface="Courier New" pitchFamily="49" charset="0"/>
-              </a:rPr>
-              <a:t> 0 </a:t>
-            </a:r>
-            <a:r>
-              <a:rPr lang="en-US" sz="1200" dirty="0">
-                <a:solidFill>
-                  <a:schemeClr val="tx2"/>
-                </a:solidFill>
-                <a:latin typeface="Courier New" pitchFamily="49" charset="0"/>
-                <a:cs typeface="Courier New" pitchFamily="49" charset="0"/>
-              </a:rPr>
-              <a:t>-1 </a:t>
-            </a:r>
-            <a:r>
-              <a:rPr lang="en-US" sz="1200" dirty="0" smtClean="0">
-                <a:solidFill>
-                  <a:schemeClr val="tx2"/>
-                </a:solidFill>
-                <a:latin typeface="Courier New" pitchFamily="49" charset="0"/>
-                <a:cs typeface="Courier New" pitchFamily="49" charset="0"/>
-              </a:rPr>
-              <a:t>WITHSCORES</a:t>
+              <a:rPr lang="en-US" sz="1200" dirty="0">
+                <a:solidFill>
+                  <a:schemeClr val="tx2"/>
+                </a:solidFill>
+                <a:latin typeface="Courier New" pitchFamily="49" charset="0"/>
+                <a:cs typeface="Courier New" pitchFamily="49" charset="0"/>
+              </a:rPr>
+              <a:t> 0 -1 WITHSCORES</a:t>
             </a:r>
           </a:p>
           <a:p>
@@ -9843,24 +9201,14 @@
               <a:defRPr/>
             </a:pPr>
             <a:r>
-              <a:rPr lang="en-US" sz="1200" dirty="0" smtClean="0">
-                <a:solidFill>
-                  <a:schemeClr val="tx2"/>
-                </a:solidFill>
-                <a:latin typeface="Courier New" pitchFamily="49" charset="0"/>
-                <a:cs typeface="Courier New" pitchFamily="49" charset="0"/>
-              </a:rPr>
-              <a:t>1)"idanuncio:453</a:t>
-            </a:r>
-            <a:r>
-              <a:rPr lang="en-US" sz="1200" dirty="0">
-                <a:solidFill>
-                  <a:schemeClr val="tx2"/>
-                </a:solidFill>
-                <a:latin typeface="Courier New" pitchFamily="49" charset="0"/>
-                <a:cs typeface="Courier New" pitchFamily="49" charset="0"/>
-              </a:rPr>
-              <a:t>“</a:t>
+              <a:rPr lang="en-US" sz="1200" dirty="0">
+                <a:solidFill>
+                  <a:schemeClr val="tx2"/>
+                </a:solidFill>
+                <a:latin typeface="Courier New" pitchFamily="49" charset="0"/>
+                <a:cs typeface="Courier New" pitchFamily="49" charset="0"/>
+              </a:rPr>
+              <a:t>1)"idanuncio:453“</a:t>
             </a:r>
           </a:p>
           <a:p>
@@ -9868,7 +9216,7 @@
               <a:defRPr/>
             </a:pPr>
             <a:r>
-              <a:rPr lang="pt-BR" sz="1200" dirty="0" smtClean="0">
+              <a:rPr lang="pt-BR" sz="1200" dirty="0">
                 <a:solidFill>
                   <a:schemeClr val="tx2"/>
                 </a:solidFill>
@@ -9883,24 +9231,14 @@
               <a:defRPr/>
             </a:pPr>
             <a:r>
-              <a:rPr lang="en-US" sz="1200" dirty="0" smtClean="0">
-                <a:solidFill>
-                  <a:schemeClr val="tx2"/>
-                </a:solidFill>
-                <a:latin typeface="Courier New" pitchFamily="49" charset="0"/>
-                <a:cs typeface="Courier New" pitchFamily="49" charset="0"/>
-              </a:rPr>
-              <a:t>3)"idanuncio:489</a:t>
-            </a:r>
-            <a:r>
-              <a:rPr lang="en-US" sz="1200" dirty="0">
-                <a:solidFill>
-                  <a:schemeClr val="tx2"/>
-                </a:solidFill>
-                <a:latin typeface="Courier New" pitchFamily="49" charset="0"/>
-                <a:cs typeface="Courier New" pitchFamily="49" charset="0"/>
-              </a:rPr>
-              <a:t>“</a:t>
+              <a:rPr lang="en-US" sz="1200" dirty="0">
+                <a:solidFill>
+                  <a:schemeClr val="tx2"/>
+                </a:solidFill>
+                <a:latin typeface="Courier New" pitchFamily="49" charset="0"/>
+                <a:cs typeface="Courier New" pitchFamily="49" charset="0"/>
+              </a:rPr>
+              <a:t>3)"idanuncio:489“</a:t>
             </a:r>
           </a:p>
           <a:p>
@@ -9908,7 +9246,7 @@
               <a:defRPr/>
             </a:pPr>
             <a:r>
-              <a:rPr lang="pt-BR" sz="1200" dirty="0" smtClean="0">
+              <a:rPr lang="pt-BR" sz="1200" dirty="0">
                 <a:solidFill>
                   <a:schemeClr val="tx2"/>
                 </a:solidFill>
@@ -9917,7 +9255,7 @@
               </a:rPr>
               <a:t>4)”5”</a:t>
             </a:r>
-            <a:endParaRPr lang="en-US" sz="1200" dirty="0" smtClean="0">
+            <a:endParaRPr lang="en-US" sz="1200" dirty="0">
               <a:solidFill>
                 <a:schemeClr val="tx2"/>
               </a:solidFill>
@@ -9998,13 +9336,6 @@
   <p:transition spd="med">
     <p:wipe dir="r"/>
   </p:transition>
-  <p:timing>
-    <p:tnLst>
-      <p:par>
-        <p:cTn id="1" dur="indefinite" restart="never" nodeType="tmRoot"/>
-      </p:par>
-    </p:tnLst>
-  </p:timing>
 </p:sld>
 </file>
 
@@ -10041,15 +9372,15 @@
           <a:lstStyle/>
           <a:p>
             <a:r>
-              <a:rPr lang="en-US" dirty="0" err="1" smtClean="0"/>
+              <a:rPr lang="en-US" dirty="0" err="1"/>
               <a:t>Objetivos</a:t>
             </a:r>
             <a:r>
-              <a:rPr lang="en-US" dirty="0" smtClean="0"/>
+              <a:rPr lang="en-US" dirty="0"/>
               <a:t> da </a:t>
             </a:r>
             <a:r>
-              <a:rPr lang="en-US" dirty="0" err="1" smtClean="0"/>
+              <a:rPr lang="en-US" dirty="0" err="1"/>
               <a:t>seção</a:t>
             </a:r>
             <a:endParaRPr lang="en-US" dirty="0"/>
@@ -10081,73 +9412,73 @@
               <a:buNone/>
             </a:pPr>
             <a:r>
-              <a:rPr lang="pt-BR" dirty="0" smtClean="0"/>
+              <a:rPr lang="pt-BR" dirty="0"/>
               <a:t>Relacionar casos de uso do Redis:</a:t>
             </a:r>
           </a:p>
           <a:p>
             <a:pPr lvl="1"/>
             <a:r>
-              <a:rPr lang="pt-BR" dirty="0" smtClean="0"/>
+              <a:rPr lang="pt-BR" dirty="0"/>
               <a:t>Utilização de transações e </a:t>
             </a:r>
             <a:r>
-              <a:rPr lang="pt-BR" dirty="0" err="1" smtClean="0"/>
+              <a:rPr lang="pt-BR" dirty="0" err="1"/>
               <a:t>locks</a:t>
             </a:r>
-            <a:endParaRPr lang="pt-BR" dirty="0" smtClean="0"/>
+            <a:endParaRPr lang="pt-BR" dirty="0"/>
           </a:p>
           <a:p>
             <a:pPr lvl="1"/>
             <a:r>
-              <a:rPr lang="pt-BR" dirty="0" smtClean="0"/>
+              <a:rPr lang="pt-BR" dirty="0"/>
               <a:t>Redis como um servidor de cache</a:t>
             </a:r>
           </a:p>
           <a:p>
             <a:pPr lvl="1"/>
             <a:r>
-              <a:rPr lang="pt-BR" dirty="0" smtClean="0"/>
+              <a:rPr lang="pt-BR" dirty="0"/>
               <a:t>Redis como estoque de um sistema de e-commerce</a:t>
             </a:r>
           </a:p>
           <a:p>
             <a:pPr lvl="1"/>
             <a:r>
-              <a:rPr lang="pt-BR" dirty="0" smtClean="0"/>
+              <a:rPr lang="pt-BR" dirty="0"/>
               <a:t>Solução de </a:t>
             </a:r>
             <a:r>
-              <a:rPr lang="pt-BR" dirty="0" err="1" smtClean="0"/>
+              <a:rPr lang="pt-BR" dirty="0" err="1"/>
               <a:t>type-ahead</a:t>
             </a:r>
             <a:r>
-              <a:rPr lang="pt-BR" dirty="0" smtClean="0"/>
+              <a:rPr lang="pt-BR" dirty="0"/>
               <a:t> e busca facetada com Redis</a:t>
             </a:r>
           </a:p>
           <a:p>
             <a:pPr lvl="1"/>
             <a:r>
-              <a:rPr lang="pt-BR" dirty="0" smtClean="0"/>
+              <a:rPr lang="pt-BR" dirty="0"/>
               <a:t>Análise em tempo real utilizando Redis</a:t>
             </a:r>
           </a:p>
           <a:p>
             <a:pPr lvl="1"/>
             <a:r>
-              <a:rPr lang="pt-BR" dirty="0" smtClean="0"/>
+              <a:rPr lang="pt-BR" dirty="0"/>
               <a:t>Redis utilizado em jogos</a:t>
             </a:r>
           </a:p>
           <a:p>
             <a:pPr lvl="1"/>
             <a:r>
-              <a:rPr lang="pt-BR" smtClean="0"/>
+              <a:rPr lang="pt-BR"/>
               <a:t>Redis </a:t>
             </a:r>
             <a:r>
-              <a:rPr lang="pt-BR" dirty="0" smtClean="0"/>
+              <a:rPr lang="pt-BR" dirty="0"/>
               <a:t>em redes sociais</a:t>
             </a:r>
             <a:endParaRPr lang="en-US" dirty="0"/>
@@ -10186,13 +9517,6 @@
   <p:transition spd="med">
     <p:wipe dir="r"/>
   </p:transition>
-  <p:timing>
-    <p:tnLst>
-      <p:par>
-        <p:cTn id="1" dur="indefinite" restart="never" nodeType="tmRoot"/>
-      </p:par>
-    </p:tnLst>
-  </p:timing>
 </p:sld>
 </file>
 
@@ -10229,7 +9553,7 @@
           <a:lstStyle/>
           <a:p>
             <a:r>
-              <a:rPr lang="pt-BR" dirty="0" smtClean="0"/>
+              <a:rPr lang="pt-BR" dirty="0"/>
               <a:t>Tabela de scores</a:t>
             </a:r>
             <a:endParaRPr lang="en-US" dirty="0"/>
@@ -10252,39 +9576,31 @@
           <a:lstStyle/>
           <a:p>
             <a:r>
-              <a:rPr lang="pt-BR" dirty="0" smtClean="0"/>
+              <a:rPr lang="pt-BR" dirty="0"/>
               <a:t>Novamente utilizamos o </a:t>
             </a:r>
             <a:r>
-              <a:rPr lang="pt-BR" dirty="0" err="1" smtClean="0"/>
+              <a:rPr lang="pt-BR" dirty="0" err="1"/>
               <a:t>sorted</a:t>
             </a:r>
             <a:r>
-              <a:rPr lang="pt-BR" dirty="0" smtClean="0"/>
+              <a:rPr lang="pt-BR" dirty="0"/>
               <a:t> set para este tipo de aplicação:</a:t>
             </a:r>
           </a:p>
           <a:p>
-            <a:endParaRPr lang="pt-BR" dirty="0" smtClean="0"/>
-          </a:p>
-          <a:p>
             <a:endParaRPr lang="pt-BR" dirty="0"/>
           </a:p>
           <a:p>
-            <a:endParaRPr lang="pt-BR" dirty="0" smtClean="0"/>
-          </a:p>
-          <a:p>
-            <a:r>
-              <a:rPr lang="pt-BR" dirty="0" smtClean="0"/>
-              <a:t>Para termos os 5 primeiros jogadores, </a:t>
-            </a:r>
+            <a:endParaRPr lang="pt-BR" dirty="0"/>
+          </a:p>
+          <a:p>
+            <a:endParaRPr lang="pt-BR" dirty="0"/>
+          </a:p>
+          <a:p>
             <a:r>
               <a:rPr lang="pt-BR" dirty="0"/>
-              <a:t>utilizamos </a:t>
-            </a:r>
-            <a:r>
-              <a:rPr lang="pt-BR" dirty="0" smtClean="0"/>
-              <a:t>ZREVRANGEBYSCORE:</a:t>
+              <a:t>Para termos os 5 primeiros jogadores, utilizamos ZREVRANGEBYSCORE:</a:t>
             </a:r>
           </a:p>
           <a:p>
@@ -10292,12 +9608,12 @@
           </a:p>
           <a:p>
             <a:r>
-              <a:rPr lang="pt-BR" dirty="0" smtClean="0"/>
+              <a:rPr lang="pt-BR" dirty="0"/>
               <a:t>Podemos também combinar diferentes scores (pontos e estrelas, por exemplo), usando ZUNIONSTORE.</a:t>
             </a:r>
           </a:p>
           <a:p>
-            <a:endParaRPr lang="pt-BR" dirty="0" smtClean="0"/>
+            <a:endParaRPr lang="pt-BR" dirty="0"/>
           </a:p>
           <a:p>
             <a:endParaRPr lang="pt-BR" dirty="0"/>
@@ -10352,7 +9668,7 @@
               <a:t>ZADD </a:t>
             </a:r>
             <a:r>
-              <a:rPr lang="en-US" sz="1200" dirty="0" err="1" smtClean="0">
+              <a:rPr lang="en-US" sz="1200" dirty="0" err="1">
                 <a:solidFill>
                   <a:schemeClr val="tx2"/>
                 </a:solidFill>
@@ -10362,42 +9678,15 @@
               <a:t>scores:pontos</a:t>
             </a:r>
             <a:r>
-              <a:rPr lang="en-US" sz="1200" dirty="0" smtClean="0">
-                <a:solidFill>
-                  <a:schemeClr val="tx2"/>
-                </a:solidFill>
-                <a:latin typeface="Courier New" pitchFamily="49" charset="0"/>
-                <a:cs typeface="Courier New" pitchFamily="49" charset="0"/>
-              </a:rPr>
-              <a:t> </a:t>
-            </a:r>
-            <a:r>
-              <a:rPr lang="en-US" sz="1200" dirty="0">
-                <a:solidFill>
-                  <a:schemeClr val="tx2"/>
-                </a:solidFill>
-                <a:latin typeface="Courier New" pitchFamily="49" charset="0"/>
-                <a:cs typeface="Courier New" pitchFamily="49" charset="0"/>
-              </a:rPr>
-              <a:t>1169 </a:t>
-            </a:r>
-            <a:r>
-              <a:rPr lang="en-US" sz="1200" dirty="0" smtClean="0">
-                <a:solidFill>
-                  <a:schemeClr val="tx2"/>
-                </a:solidFill>
-                <a:latin typeface="Courier New" pitchFamily="49" charset="0"/>
-                <a:cs typeface="Courier New" pitchFamily="49" charset="0"/>
-              </a:rPr>
-              <a:t>jogador:453</a:t>
-            </a:r>
-            <a:endParaRPr lang="en-US" sz="1200" dirty="0">
-              <a:solidFill>
-                <a:schemeClr val="tx2"/>
-              </a:solidFill>
-              <a:latin typeface="Courier New" pitchFamily="49" charset="0"/>
-              <a:cs typeface="Courier New" pitchFamily="49" charset="0"/>
-            </a:endParaRPr>
+              <a:rPr lang="en-US" sz="1200" dirty="0">
+                <a:solidFill>
+                  <a:schemeClr val="tx2"/>
+                </a:solidFill>
+                <a:latin typeface="Courier New" pitchFamily="49" charset="0"/>
+                <a:cs typeface="Courier New" pitchFamily="49" charset="0"/>
+              </a:rPr>
+              <a:t> 1169 jogador:453</a:t>
+            </a:r>
           </a:p>
           <a:p>
             <a:pPr>
@@ -10414,7 +9703,7 @@
               <a:t>ZINCRBY </a:t>
             </a:r>
             <a:r>
-              <a:rPr lang="en-US" sz="1200" dirty="0" err="1" smtClean="0">
+              <a:rPr lang="en-US" sz="1200" dirty="0" err="1">
                 <a:solidFill>
                   <a:schemeClr val="tx2"/>
                 </a:solidFill>
@@ -10424,7 +9713,7 @@
               <a:t>scores:estrelas</a:t>
             </a:r>
             <a:r>
-              <a:rPr lang="en-US" sz="1200" dirty="0" smtClean="0">
+              <a:rPr lang="en-US" sz="1200" dirty="0">
                 <a:solidFill>
                   <a:schemeClr val="tx2"/>
                 </a:solidFill>
@@ -10481,7 +9770,7 @@
               <a:t>ZREVRANGEBYSCORE </a:t>
             </a:r>
             <a:r>
-              <a:rPr lang="en-US" sz="1200" dirty="0" err="1" smtClean="0">
+              <a:rPr lang="en-US" sz="1200" dirty="0" err="1">
                 <a:solidFill>
                   <a:schemeClr val="tx2"/>
                 </a:solidFill>
@@ -10491,24 +9780,14 @@
               <a:t>scores:pontos</a:t>
             </a:r>
             <a:r>
-              <a:rPr lang="en-US" sz="1200" dirty="0" smtClean="0">
-                <a:solidFill>
-                  <a:schemeClr val="tx2"/>
-                </a:solidFill>
-                <a:latin typeface="Courier New" pitchFamily="49" charset="0"/>
-                <a:cs typeface="Courier New" pitchFamily="49" charset="0"/>
-              </a:rPr>
-              <a:t> </a:t>
-            </a:r>
-            <a:r>
-              <a:rPr lang="en-US" sz="1200" dirty="0">
-                <a:solidFill>
-                  <a:schemeClr val="tx2"/>
-                </a:solidFill>
-                <a:latin typeface="Courier New" pitchFamily="49" charset="0"/>
-                <a:cs typeface="Courier New" pitchFamily="49" charset="0"/>
-              </a:rPr>
-              <a:t>+INF -INF </a:t>
+              <a:rPr lang="en-US" sz="1200" dirty="0">
+                <a:solidFill>
+                  <a:schemeClr val="tx2"/>
+                </a:solidFill>
+                <a:latin typeface="Courier New" pitchFamily="49" charset="0"/>
+                <a:cs typeface="Courier New" pitchFamily="49" charset="0"/>
+              </a:rPr>
+              <a:t> +INF -INF </a:t>
             </a:r>
             <a:r>
               <a:rPr lang="en-US" sz="1200" dirty="0" err="1">
@@ -10530,13 +9809,6 @@
               </a:rPr>
               <a:t> LIMIT 0 5</a:t>
             </a:r>
-            <a:endParaRPr lang="en-US" sz="1200" dirty="0" smtClean="0">
-              <a:solidFill>
-                <a:schemeClr val="tx2"/>
-              </a:solidFill>
-              <a:latin typeface="Courier New" pitchFamily="49" charset="0"/>
-              <a:cs typeface="Courier New" pitchFamily="49" charset="0"/>
-            </a:endParaRPr>
           </a:p>
         </p:txBody>
       </p:sp>
@@ -10589,7 +9861,7 @@
           <a:lstStyle/>
           <a:p>
             <a:r>
-              <a:rPr lang="pt-BR" dirty="0" smtClean="0"/>
+              <a:rPr lang="pt-BR" dirty="0"/>
               <a:t>Centro de notificações</a:t>
             </a:r>
             <a:endParaRPr lang="en-US" dirty="0"/>
@@ -10612,7 +9884,7 @@
           <a:lstStyle/>
           <a:p>
             <a:r>
-              <a:rPr lang="pt-BR" dirty="0" smtClean="0"/>
+              <a:rPr lang="pt-BR" dirty="0"/>
               <a:t>Mensagens sobre turnos em um jogo podem ser enviadas via um canal. Dois jogadores que entram em um jogo devem assinar um canal:</a:t>
             </a:r>
           </a:p>
@@ -10620,42 +9892,42 @@
             <a:endParaRPr lang="pt-BR" dirty="0"/>
           </a:p>
           <a:p>
-            <a:endParaRPr lang="pt-BR" dirty="0" smtClean="0"/>
-          </a:p>
-          <a:p>
-            <a:r>
-              <a:rPr lang="pt-BR" dirty="0" smtClean="0"/>
+            <a:endParaRPr lang="pt-BR" dirty="0"/>
+          </a:p>
+          <a:p>
+            <a:r>
+              <a:rPr lang="pt-BR" dirty="0"/>
               <a:t>A cada turno, o jogo envia uma mensagem para o canal, e os jogadores são notificados da troca de turno:</a:t>
             </a:r>
           </a:p>
           <a:p>
-            <a:endParaRPr lang="pt-BR" dirty="0" smtClean="0"/>
-          </a:p>
-          <a:p>
             <a:endParaRPr lang="pt-BR" dirty="0"/>
           </a:p>
           <a:p>
-            <a:r>
-              <a:rPr lang="pt-BR" dirty="0" smtClean="0"/>
+            <a:endParaRPr lang="pt-BR" dirty="0"/>
+          </a:p>
+          <a:p>
+            <a:r>
+              <a:rPr lang="pt-BR" dirty="0"/>
               <a:t>Outras opções são:</a:t>
             </a:r>
           </a:p>
           <a:p>
             <a:pPr lvl="1"/>
             <a:r>
-              <a:rPr lang="pt-BR" dirty="0" smtClean="0"/>
+              <a:rPr lang="pt-BR" dirty="0"/>
               <a:t>Espectadores podem assinar ao mesmo canal para seguirem o jogo</a:t>
             </a:r>
           </a:p>
           <a:p>
             <a:pPr lvl="1"/>
             <a:r>
-              <a:rPr lang="pt-BR" dirty="0" smtClean="0"/>
+              <a:rPr lang="pt-BR" dirty="0"/>
               <a:t>Um chat entre os jogadores pode ser implementado utilizando o mesmo canal ou um canal separado que os dois assinem.</a:t>
             </a:r>
           </a:p>
           <a:p>
-            <a:endParaRPr lang="pt-BR" dirty="0" smtClean="0"/>
+            <a:endParaRPr lang="pt-BR" dirty="0"/>
           </a:p>
           <a:p>
             <a:endParaRPr lang="pt-BR" dirty="0"/>
@@ -10707,17 +9979,7 @@
                 <a:latin typeface="Courier New" pitchFamily="49" charset="0"/>
                 <a:cs typeface="Courier New" pitchFamily="49" charset="0"/>
               </a:rPr>
-              <a:t>s</a:t>
-            </a:r>
-            <a:r>
-              <a:rPr lang="en-US" sz="1200" dirty="0" smtClean="0">
-                <a:solidFill>
-                  <a:schemeClr val="tx2"/>
-                </a:solidFill>
-                <a:latin typeface="Courier New" pitchFamily="49" charset="0"/>
-                <a:cs typeface="Courier New" pitchFamily="49" charset="0"/>
-              </a:rPr>
-              <a:t>ubscribe jogo:1</a:t>
+              <a:t>subscribe jogo:1</a:t>
             </a:r>
           </a:p>
         </p:txBody>
@@ -10764,20 +10026,10 @@
                 <a:latin typeface="Courier New" pitchFamily="49" charset="0"/>
                 <a:cs typeface="Courier New" pitchFamily="49" charset="0"/>
               </a:rPr>
-              <a:t>PUBLISH </a:t>
-            </a:r>
-            <a:r>
-              <a:rPr lang="en-US" sz="1200" dirty="0" smtClean="0">
-                <a:solidFill>
-                  <a:schemeClr val="tx2"/>
-                </a:solidFill>
-                <a:latin typeface="Courier New" pitchFamily="49" charset="0"/>
-                <a:cs typeface="Courier New" pitchFamily="49" charset="0"/>
-              </a:rPr>
-              <a:t>jogo:1 “</a:t>
-            </a:r>
-            <a:r>
-              <a:rPr lang="en-US" sz="1200" dirty="0" err="1" smtClean="0">
+              <a:t>PUBLISH jogo:1 “</a:t>
+            </a:r>
+            <a:r>
+              <a:rPr lang="en-US" sz="1200" dirty="0" err="1">
                 <a:solidFill>
                   <a:schemeClr val="tx2"/>
                 </a:solidFill>
@@ -10787,52 +10039,15 @@
               <a:t>Jogador</a:t>
             </a:r>
             <a:r>
-              <a:rPr lang="en-US" sz="1200" dirty="0" smtClean="0">
-                <a:solidFill>
-                  <a:schemeClr val="tx2"/>
-                </a:solidFill>
-                <a:latin typeface="Courier New" pitchFamily="49" charset="0"/>
-                <a:cs typeface="Courier New" pitchFamily="49" charset="0"/>
-              </a:rPr>
-              <a:t> </a:t>
-            </a:r>
-            <a:r>
-              <a:rPr lang="en-US" sz="1200" dirty="0">
-                <a:solidFill>
-                  <a:schemeClr val="tx2"/>
-                </a:solidFill>
-                <a:latin typeface="Courier New" pitchFamily="49" charset="0"/>
-                <a:cs typeface="Courier New" pitchFamily="49" charset="0"/>
-              </a:rPr>
-              <a:t>A - </a:t>
-            </a:r>
-            <a:r>
-              <a:rPr lang="en-US" sz="1200" dirty="0" smtClean="0">
-                <a:solidFill>
-                  <a:schemeClr val="tx2"/>
-                </a:solidFill>
-                <a:latin typeface="Courier New" pitchFamily="49" charset="0"/>
-                <a:cs typeface="Courier New" pitchFamily="49" charset="0"/>
-              </a:rPr>
-              <a:t>MOVIMENTO </a:t>
-            </a:r>
-            <a:r>
-              <a:rPr lang="en-US" sz="1200" dirty="0">
-                <a:solidFill>
-                  <a:schemeClr val="tx2"/>
-                </a:solidFill>
-                <a:latin typeface="Courier New" pitchFamily="49" charset="0"/>
-                <a:cs typeface="Courier New" pitchFamily="49" charset="0"/>
-              </a:rPr>
-              <a:t>- e2e4"</a:t>
-            </a:r>
-            <a:endParaRPr lang="en-US" sz="1200" dirty="0" smtClean="0">
-              <a:solidFill>
-                <a:schemeClr val="tx2"/>
-              </a:solidFill>
-              <a:latin typeface="Courier New" pitchFamily="49" charset="0"/>
-              <a:cs typeface="Courier New" pitchFamily="49" charset="0"/>
-            </a:endParaRPr>
+              <a:rPr lang="en-US" sz="1200" dirty="0">
+                <a:solidFill>
+                  <a:schemeClr val="tx2"/>
+                </a:solidFill>
+                <a:latin typeface="Courier New" pitchFamily="49" charset="0"/>
+                <a:cs typeface="Courier New" pitchFamily="49" charset="0"/>
+              </a:rPr>
+              <a:t> A - MOVIMENTO - e2e4"</a:t>
+            </a:r>
           </a:p>
         </p:txBody>
       </p:sp>
@@ -10906,13 +10121,6 @@
   <p:transition spd="med">
     <p:wipe dir="r"/>
   </p:transition>
-  <p:timing>
-    <p:tnLst>
-      <p:par>
-        <p:cTn id="1" dur="indefinite" restart="never" nodeType="tmRoot"/>
-      </p:par>
-    </p:tnLst>
-  </p:timing>
 </p:sld>
 </file>
 
@@ -10949,11 +10157,11 @@
           <a:lstStyle/>
           <a:p>
             <a:r>
-              <a:rPr lang="pt-BR" dirty="0" smtClean="0"/>
+              <a:rPr lang="pt-BR" dirty="0"/>
               <a:t>Redes sociais: dados de usuário e </a:t>
             </a:r>
             <a:r>
-              <a:rPr lang="pt-BR" dirty="0" err="1" smtClean="0"/>
+              <a:rPr lang="pt-BR" dirty="0" err="1"/>
               <a:t>login</a:t>
             </a:r>
             <a:endParaRPr lang="en-US" dirty="0"/>
@@ -10976,22 +10184,22 @@
           <a:lstStyle/>
           <a:p>
             <a:r>
-              <a:rPr lang="pt-BR" dirty="0" smtClean="0"/>
+              <a:rPr lang="pt-BR" dirty="0"/>
               <a:t>Antes de criar um novo usuário, recuperamos qual será o id de um novo usuário:</a:t>
             </a:r>
           </a:p>
           <a:p>
-            <a:endParaRPr lang="pt-BR" dirty="0" smtClean="0"/>
-          </a:p>
-          <a:p>
             <a:endParaRPr lang="pt-BR" dirty="0"/>
           </a:p>
           <a:p>
-            <a:endParaRPr lang="pt-BR" dirty="0" smtClean="0"/>
-          </a:p>
-          <a:p>
-            <a:r>
-              <a:rPr lang="pt-BR" dirty="0" smtClean="0"/>
+            <a:endParaRPr lang="pt-BR" dirty="0"/>
+          </a:p>
+          <a:p>
+            <a:endParaRPr lang="pt-BR" dirty="0"/>
+          </a:p>
+          <a:p>
+            <a:r>
+              <a:rPr lang="pt-BR" dirty="0"/>
               <a:t>Para recuperar o ID de um usuário através do e-mail, criamos uma chave para este fim:</a:t>
             </a:r>
           </a:p>
@@ -11000,23 +10208,23 @@
           </a:p>
           <a:p>
             <a:r>
-              <a:rPr lang="pt-BR" dirty="0" smtClean="0"/>
+              <a:rPr lang="pt-BR" dirty="0"/>
               <a:t>Podemos guardar todas as outras informações não utilizadas no </a:t>
             </a:r>
             <a:r>
-              <a:rPr lang="pt-BR" dirty="0" err="1" smtClean="0"/>
+              <a:rPr lang="pt-BR" dirty="0" err="1"/>
               <a:t>login</a:t>
             </a:r>
             <a:r>
-              <a:rPr lang="pt-BR" dirty="0" smtClean="0"/>
+              <a:rPr lang="pt-BR" dirty="0"/>
               <a:t> em uma </a:t>
             </a:r>
             <a:r>
-              <a:rPr lang="pt-BR" dirty="0" err="1" smtClean="0"/>
+              <a:rPr lang="pt-BR" dirty="0" err="1"/>
               <a:t>hash</a:t>
             </a:r>
             <a:r>
-              <a:rPr lang="pt-BR" dirty="0" smtClean="0"/>
+              <a:rPr lang="pt-BR" dirty="0"/>
               <a:t>:</a:t>
             </a:r>
           </a:p>
@@ -11070,7 +10278,7 @@
               <a:t>INCR </a:t>
             </a:r>
             <a:r>
-              <a:rPr lang="en-US" sz="1200" dirty="0" err="1" smtClean="0">
+              <a:rPr lang="en-US" sz="1200" dirty="0" err="1">
                 <a:solidFill>
                   <a:schemeClr val="tx2"/>
                 </a:solidFill>
@@ -11126,25 +10334,8 @@
                 <a:latin typeface="Courier New" pitchFamily="49" charset="0"/>
                 <a:cs typeface="Courier New" pitchFamily="49" charset="0"/>
               </a:rPr>
-              <a:t>SET uid:1000:email </a:t>
-            </a:r>
-            <a:r>
-              <a:rPr lang="en-US" sz="1200" dirty="0" smtClean="0">
-                <a:solidFill>
-                  <a:schemeClr val="tx2"/>
-                </a:solidFill>
-                <a:latin typeface="Courier New" pitchFamily="49" charset="0"/>
-                <a:cs typeface="Courier New" pitchFamily="49" charset="0"/>
-              </a:rPr>
-              <a:t>douglas.spadotto@dell.com</a:t>
-            </a:r>
-            <a:endParaRPr lang="en-US" sz="1200" dirty="0">
-              <a:solidFill>
-                <a:schemeClr val="tx2"/>
-              </a:solidFill>
-              <a:latin typeface="Courier New" pitchFamily="49" charset="0"/>
-              <a:cs typeface="Courier New" pitchFamily="49" charset="0"/>
-            </a:endParaRPr>
+              <a:t>SET uid:1000:email douglas.spadotto@dell.com</a:t>
+            </a:r>
           </a:p>
           <a:p>
             <a:pPr>
@@ -11160,13 +10351,6 @@
               </a:rPr>
               <a:t>SET uid:1000:password d41d8cd98f00b204e9800998ecf8427e</a:t>
             </a:r>
-            <a:endParaRPr lang="en-US" sz="1200" dirty="0" smtClean="0">
-              <a:solidFill>
-                <a:schemeClr val="tx2"/>
-              </a:solidFill>
-              <a:latin typeface="Courier New" pitchFamily="49" charset="0"/>
-              <a:cs typeface="Courier New" pitchFamily="49" charset="0"/>
-            </a:endParaRPr>
           </a:p>
         </p:txBody>
       </p:sp>
@@ -11215,7 +10399,7 @@
               <a:t>SET </a:t>
             </a:r>
             <a:r>
-              <a:rPr lang="en-US" sz="1200" dirty="0" err="1" smtClean="0">
+              <a:rPr lang="en-US" sz="1200" dirty="0" err="1">
                 <a:solidFill>
                   <a:schemeClr val="tx2"/>
                 </a:solidFill>
@@ -11225,32 +10409,15 @@
               <a:t>email:douglas.spadotto@dell.com:uid</a:t>
             </a:r>
             <a:r>
-              <a:rPr lang="en-US" sz="1200" dirty="0" smtClean="0">
-                <a:solidFill>
-                  <a:schemeClr val="tx2"/>
-                </a:solidFill>
-                <a:latin typeface="Courier New" pitchFamily="49" charset="0"/>
-                <a:cs typeface="Courier New" pitchFamily="49" charset="0"/>
-              </a:rPr>
-              <a:t> </a:t>
-            </a:r>
-            <a:r>
-              <a:rPr lang="en-US" sz="1200" dirty="0">
-                <a:solidFill>
-                  <a:schemeClr val="tx2"/>
-                </a:solidFill>
-                <a:latin typeface="Courier New" pitchFamily="49" charset="0"/>
-                <a:cs typeface="Courier New" pitchFamily="49" charset="0"/>
-              </a:rPr>
-              <a:t>1000</a:t>
-            </a:r>
-            <a:endParaRPr lang="en-US" sz="1200" dirty="0" smtClean="0">
-              <a:solidFill>
-                <a:schemeClr val="tx2"/>
-              </a:solidFill>
-              <a:latin typeface="Courier New" pitchFamily="49" charset="0"/>
-              <a:cs typeface="Courier New" pitchFamily="49" charset="0"/>
-            </a:endParaRPr>
+              <a:rPr lang="en-US" sz="1200" dirty="0">
+                <a:solidFill>
+                  <a:schemeClr val="tx2"/>
+                </a:solidFill>
+                <a:latin typeface="Courier New" pitchFamily="49" charset="0"/>
+                <a:cs typeface="Courier New" pitchFamily="49" charset="0"/>
+              </a:rPr>
+              <a:t> 1000</a:t>
+            </a:r>
           </a:p>
         </p:txBody>
       </p:sp>
@@ -11299,7 +10466,7 @@
               <a:t>HMSET uid:1000:info email douglas.spadotto@dell.com </a:t>
             </a:r>
             <a:r>
-              <a:rPr lang="en-US" sz="1200" dirty="0" err="1" smtClean="0">
+              <a:rPr lang="en-US" sz="1200" dirty="0" err="1">
                 <a:solidFill>
                   <a:schemeClr val="tx2"/>
                 </a:solidFill>
@@ -11309,7 +10476,7 @@
               <a:t>membro_desde</a:t>
             </a:r>
             <a:r>
-              <a:rPr lang="en-US" sz="1200" dirty="0" smtClean="0">
+              <a:rPr lang="en-US" sz="1200" dirty="0">
                 <a:solidFill>
                   <a:schemeClr val="tx2"/>
                 </a:solidFill>
@@ -11319,7 +10486,7 @@
               <a:t> 2017 </a:t>
             </a:r>
             <a:r>
-              <a:rPr lang="en-US" sz="1200" dirty="0" err="1" smtClean="0">
+              <a:rPr lang="en-US" sz="1200" dirty="0" err="1">
                 <a:solidFill>
                   <a:schemeClr val="tx2"/>
                 </a:solidFill>
@@ -11329,7 +10496,7 @@
               <a:t>sexo</a:t>
             </a:r>
             <a:r>
-              <a:rPr lang="en-US" sz="1200" dirty="0" smtClean="0">
+              <a:rPr lang="en-US" sz="1200" dirty="0">
                 <a:solidFill>
                   <a:schemeClr val="tx2"/>
                 </a:solidFill>
@@ -11339,7 +10506,7 @@
               <a:t> M </a:t>
             </a:r>
             <a:r>
-              <a:rPr lang="en-US" sz="1200" dirty="0" err="1" smtClean="0">
+              <a:rPr lang="en-US" sz="1200" dirty="0" err="1">
                 <a:solidFill>
                   <a:schemeClr val="tx2"/>
                 </a:solidFill>
@@ -11349,7 +10516,7 @@
               <a:t>cidade</a:t>
             </a:r>
             <a:r>
-              <a:rPr lang="en-US" sz="1200" dirty="0" smtClean="0">
+              <a:rPr lang="en-US" sz="1200" dirty="0">
                 <a:solidFill>
                   <a:schemeClr val="tx2"/>
                 </a:solidFill>
@@ -11374,13 +10541,6 @@
   <p:transition spd="med">
     <p:wipe dir="r"/>
   </p:transition>
-  <p:timing>
-    <p:tnLst>
-      <p:par>
-        <p:cTn id="1" dur="indefinite" restart="never" nodeType="tmRoot"/>
-      </p:par>
-    </p:tnLst>
-  </p:timing>
 </p:sld>
 </file>
 
@@ -11417,7 +10577,7 @@
           <a:lstStyle/>
           <a:p>
             <a:r>
-              <a:rPr lang="pt-BR" dirty="0" smtClean="0"/>
+              <a:rPr lang="pt-BR" dirty="0"/>
               <a:t>Redes sociais: dados do usuário</a:t>
             </a:r>
             <a:endParaRPr lang="en-US" dirty="0"/>
@@ -11440,22 +10600,22 @@
           <a:lstStyle/>
           <a:p>
             <a:r>
-              <a:rPr lang="pt-BR" dirty="0" smtClean="0"/>
+              <a:rPr lang="pt-BR" dirty="0"/>
               <a:t>Antes de criar um novo usuário, recuperamos qual será o id de um novo usuário e então armazenamos e-mail e senha:</a:t>
             </a:r>
           </a:p>
           <a:p>
-            <a:endParaRPr lang="pt-BR" dirty="0" smtClean="0"/>
-          </a:p>
-          <a:p>
             <a:endParaRPr lang="pt-BR" dirty="0"/>
           </a:p>
           <a:p>
-            <a:endParaRPr lang="pt-BR" dirty="0" smtClean="0"/>
-          </a:p>
-          <a:p>
-            <a:r>
-              <a:rPr lang="pt-BR" dirty="0" smtClean="0"/>
+            <a:endParaRPr lang="pt-BR" dirty="0"/>
+          </a:p>
+          <a:p>
+            <a:endParaRPr lang="pt-BR" dirty="0"/>
+          </a:p>
+          <a:p>
+            <a:r>
+              <a:rPr lang="pt-BR" dirty="0"/>
               <a:t>Para recuperar o ID de um usuário através do e-mail, criamos uma chave para este fim:</a:t>
             </a:r>
           </a:p>
@@ -11464,23 +10624,23 @@
           </a:p>
           <a:p>
             <a:r>
-              <a:rPr lang="pt-BR" dirty="0" smtClean="0"/>
+              <a:rPr lang="pt-BR" dirty="0"/>
               <a:t>Podemos guardar todas as outras informações não utilizadas no </a:t>
             </a:r>
             <a:r>
-              <a:rPr lang="pt-BR" dirty="0" err="1" smtClean="0"/>
+              <a:rPr lang="pt-BR" dirty="0" err="1"/>
               <a:t>login</a:t>
             </a:r>
             <a:r>
-              <a:rPr lang="pt-BR" dirty="0" smtClean="0"/>
+              <a:rPr lang="pt-BR" dirty="0"/>
               <a:t> em uma </a:t>
             </a:r>
             <a:r>
-              <a:rPr lang="pt-BR" dirty="0" err="1" smtClean="0"/>
+              <a:rPr lang="pt-BR" dirty="0" err="1"/>
               <a:t>hash</a:t>
             </a:r>
             <a:r>
-              <a:rPr lang="pt-BR" dirty="0" smtClean="0"/>
+              <a:rPr lang="pt-BR" dirty="0"/>
               <a:t>:</a:t>
             </a:r>
           </a:p>
@@ -11534,7 +10694,7 @@
               <a:t>INCR </a:t>
             </a:r>
             <a:r>
-              <a:rPr lang="en-US" sz="1200" dirty="0" err="1" smtClean="0">
+              <a:rPr lang="en-US" sz="1200" dirty="0" err="1">
                 <a:solidFill>
                   <a:schemeClr val="tx2"/>
                 </a:solidFill>
@@ -11590,25 +10750,8 @@
                 <a:latin typeface="Courier New" pitchFamily="49" charset="0"/>
                 <a:cs typeface="Courier New" pitchFamily="49" charset="0"/>
               </a:rPr>
-              <a:t>SET uid:1000:email </a:t>
-            </a:r>
-            <a:r>
-              <a:rPr lang="en-US" sz="1200" dirty="0" smtClean="0">
-                <a:solidFill>
-                  <a:schemeClr val="tx2"/>
-                </a:solidFill>
-                <a:latin typeface="Courier New" pitchFamily="49" charset="0"/>
-                <a:cs typeface="Courier New" pitchFamily="49" charset="0"/>
-              </a:rPr>
-              <a:t>douglas.spadotto@dell.com</a:t>
-            </a:r>
-            <a:endParaRPr lang="en-US" sz="1200" dirty="0">
-              <a:solidFill>
-                <a:schemeClr val="tx2"/>
-              </a:solidFill>
-              <a:latin typeface="Courier New" pitchFamily="49" charset="0"/>
-              <a:cs typeface="Courier New" pitchFamily="49" charset="0"/>
-            </a:endParaRPr>
+              <a:t>SET uid:1000:email douglas.spadotto@dell.com</a:t>
+            </a:r>
           </a:p>
           <a:p>
             <a:pPr>
@@ -11624,13 +10767,6 @@
               </a:rPr>
               <a:t>SET uid:1000:password d41d8cd98f00b204e9800998ecf8427e</a:t>
             </a:r>
-            <a:endParaRPr lang="en-US" sz="1200" dirty="0" smtClean="0">
-              <a:solidFill>
-                <a:schemeClr val="tx2"/>
-              </a:solidFill>
-              <a:latin typeface="Courier New" pitchFamily="49" charset="0"/>
-              <a:cs typeface="Courier New" pitchFamily="49" charset="0"/>
-            </a:endParaRPr>
           </a:p>
         </p:txBody>
       </p:sp>
@@ -11679,7 +10815,7 @@
               <a:t>SET </a:t>
             </a:r>
             <a:r>
-              <a:rPr lang="en-US" sz="1200" dirty="0" err="1" smtClean="0">
+              <a:rPr lang="en-US" sz="1200" dirty="0" err="1">
                 <a:solidFill>
                   <a:schemeClr val="tx2"/>
                 </a:solidFill>
@@ -11689,32 +10825,15 @@
               <a:t>email:douglas.spadotto@dell.com:uid</a:t>
             </a:r>
             <a:r>
-              <a:rPr lang="en-US" sz="1200" dirty="0" smtClean="0">
-                <a:solidFill>
-                  <a:schemeClr val="tx2"/>
-                </a:solidFill>
-                <a:latin typeface="Courier New" pitchFamily="49" charset="0"/>
-                <a:cs typeface="Courier New" pitchFamily="49" charset="0"/>
-              </a:rPr>
-              <a:t> </a:t>
-            </a:r>
-            <a:r>
-              <a:rPr lang="en-US" sz="1200" dirty="0">
-                <a:solidFill>
-                  <a:schemeClr val="tx2"/>
-                </a:solidFill>
-                <a:latin typeface="Courier New" pitchFamily="49" charset="0"/>
-                <a:cs typeface="Courier New" pitchFamily="49" charset="0"/>
-              </a:rPr>
-              <a:t>1000</a:t>
-            </a:r>
-            <a:endParaRPr lang="en-US" sz="1200" dirty="0" smtClean="0">
-              <a:solidFill>
-                <a:schemeClr val="tx2"/>
-              </a:solidFill>
-              <a:latin typeface="Courier New" pitchFamily="49" charset="0"/>
-              <a:cs typeface="Courier New" pitchFamily="49" charset="0"/>
-            </a:endParaRPr>
+              <a:rPr lang="en-US" sz="1200" dirty="0">
+                <a:solidFill>
+                  <a:schemeClr val="tx2"/>
+                </a:solidFill>
+                <a:latin typeface="Courier New" pitchFamily="49" charset="0"/>
+                <a:cs typeface="Courier New" pitchFamily="49" charset="0"/>
+              </a:rPr>
+              <a:t> 1000</a:t>
+            </a:r>
           </a:p>
         </p:txBody>
       </p:sp>
@@ -11763,7 +10882,7 @@
               <a:t>HMSET uid:1000:info email douglas.spadotto@dell.com </a:t>
             </a:r>
             <a:r>
-              <a:rPr lang="en-US" sz="1200" dirty="0" err="1" smtClean="0">
+              <a:rPr lang="en-US" sz="1200" dirty="0" err="1">
                 <a:solidFill>
                   <a:schemeClr val="tx2"/>
                 </a:solidFill>
@@ -11773,7 +10892,7 @@
               <a:t>membro_desde</a:t>
             </a:r>
             <a:r>
-              <a:rPr lang="en-US" sz="1200" dirty="0" smtClean="0">
+              <a:rPr lang="en-US" sz="1200" dirty="0">
                 <a:solidFill>
                   <a:schemeClr val="tx2"/>
                 </a:solidFill>
@@ -11783,7 +10902,7 @@
               <a:t> 2017 </a:t>
             </a:r>
             <a:r>
-              <a:rPr lang="en-US" sz="1200" dirty="0" err="1" smtClean="0">
+              <a:rPr lang="en-US" sz="1200" dirty="0" err="1">
                 <a:solidFill>
                   <a:schemeClr val="tx2"/>
                 </a:solidFill>
@@ -11793,7 +10912,7 @@
               <a:t>sexo</a:t>
             </a:r>
             <a:r>
-              <a:rPr lang="en-US" sz="1200" dirty="0" smtClean="0">
+              <a:rPr lang="en-US" sz="1200" dirty="0">
                 <a:solidFill>
                   <a:schemeClr val="tx2"/>
                 </a:solidFill>
@@ -11803,7 +10922,7 @@
               <a:t> M </a:t>
             </a:r>
             <a:r>
-              <a:rPr lang="en-US" sz="1200" dirty="0" err="1" smtClean="0">
+              <a:rPr lang="en-US" sz="1200" dirty="0" err="1">
                 <a:solidFill>
                   <a:schemeClr val="tx2"/>
                 </a:solidFill>
@@ -11813,7 +10932,7 @@
               <a:t>cidade</a:t>
             </a:r>
             <a:r>
-              <a:rPr lang="en-US" sz="1200" dirty="0" smtClean="0">
+              <a:rPr lang="en-US" sz="1200" dirty="0">
                 <a:solidFill>
                   <a:schemeClr val="tx2"/>
                 </a:solidFill>
@@ -11838,13 +10957,6 @@
   <p:transition spd="med">
     <p:wipe dir="r"/>
   </p:transition>
-  <p:timing>
-    <p:tnLst>
-      <p:par>
-        <p:cTn id="1" dur="indefinite" restart="never" nodeType="tmRoot"/>
-      </p:par>
-    </p:tnLst>
-  </p:timing>
 </p:sld>
 </file>
 
@@ -11881,11 +10993,11 @@
           <a:lstStyle/>
           <a:p>
             <a:r>
-              <a:rPr lang="pt-BR" dirty="0" smtClean="0"/>
+              <a:rPr lang="pt-BR" dirty="0"/>
               <a:t>Redes sociais: </a:t>
             </a:r>
             <a:r>
-              <a:rPr lang="pt-BR" dirty="0" err="1" smtClean="0"/>
+              <a:rPr lang="pt-BR" dirty="0" err="1"/>
               <a:t>login</a:t>
             </a:r>
             <a:endParaRPr lang="en-US" dirty="0"/>
@@ -11908,47 +11020,43 @@
           <a:lstStyle/>
           <a:p>
             <a:r>
-              <a:rPr lang="pt-BR" dirty="0" smtClean="0"/>
+              <a:rPr lang="pt-BR" dirty="0"/>
               <a:t>Verificamos se o e-mail está na base:</a:t>
             </a:r>
           </a:p>
           <a:p>
-            <a:endParaRPr lang="pt-BR" dirty="0" smtClean="0"/>
-          </a:p>
-          <a:p>
             <a:endParaRPr lang="pt-BR" dirty="0"/>
           </a:p>
           <a:p>
-            <a:r>
-              <a:rPr lang="pt-BR" dirty="0" smtClean="0"/>
-              <a:t>Se o usuário não existe, chamamos </a:t>
-            </a:r>
+            <a:endParaRPr lang="pt-BR" dirty="0"/>
+          </a:p>
+          <a:p>
             <a:r>
               <a:rPr lang="pt-BR" dirty="0"/>
-              <a:t>o incremento de </a:t>
-            </a:r>
-            <a:r>
-              <a:rPr lang="pt-BR" dirty="0" err="1" smtClean="0">
+              <a:t>Se o usuário não existe, chamamos o incremento de </a:t>
+            </a:r>
+            <a:r>
+              <a:rPr lang="pt-BR" dirty="0" err="1">
                 <a:latin typeface="Courier New" panose="02070309020205020404" pitchFamily="49" charset="0"/>
                 <a:cs typeface="Courier New" panose="02070309020205020404" pitchFamily="49" charset="0"/>
               </a:rPr>
               <a:t>gbl:proximoId</a:t>
             </a:r>
             <a:r>
-              <a:rPr lang="pt-BR" dirty="0" smtClean="0">
+              <a:rPr lang="pt-BR" dirty="0">
                 <a:latin typeface="Courier New" panose="02070309020205020404" pitchFamily="49" charset="0"/>
                 <a:cs typeface="Courier New" panose="02070309020205020404" pitchFamily="49" charset="0"/>
               </a:rPr>
               <a:t> </a:t>
             </a:r>
             <a:r>
-              <a:rPr lang="pt-BR" dirty="0" smtClean="0"/>
+              <a:rPr lang="pt-BR" dirty="0"/>
               <a:t>para criar um novo usuário.</a:t>
             </a:r>
           </a:p>
           <a:p>
             <a:r>
-              <a:rPr lang="pt-BR" dirty="0" smtClean="0"/>
+              <a:rPr lang="pt-BR" dirty="0"/>
               <a:t>Se o e-mail do usuário está na base, recuperamos a senha:</a:t>
             </a:r>
           </a:p>
@@ -11956,19 +11064,19 @@
             <a:endParaRPr lang="pt-BR" dirty="0"/>
           </a:p>
           <a:p>
-            <a:endParaRPr lang="pt-BR" dirty="0" smtClean="0"/>
-          </a:p>
-          <a:p>
-            <a:r>
-              <a:rPr lang="pt-BR" dirty="0" smtClean="0"/>
+            <a:endParaRPr lang="pt-BR" dirty="0"/>
+          </a:p>
+          <a:p>
+            <a:r>
+              <a:rPr lang="pt-BR" dirty="0"/>
               <a:t>Finalmente, se a senha recebida confere com a recuperada, o </a:t>
             </a:r>
             <a:r>
-              <a:rPr lang="pt-BR" dirty="0" err="1" smtClean="0"/>
+              <a:rPr lang="pt-BR" dirty="0" err="1"/>
               <a:t>login</a:t>
             </a:r>
             <a:r>
-              <a:rPr lang="pt-BR" dirty="0" smtClean="0"/>
+              <a:rPr lang="pt-BR" dirty="0"/>
               <a:t> é efetuado com sucesso.</a:t>
             </a:r>
           </a:p>
@@ -12019,7 +11127,7 @@
               <a:t>GET </a:t>
             </a:r>
             <a:r>
-              <a:rPr lang="en-US" sz="1200" dirty="0" err="1" smtClean="0">
+              <a:rPr lang="en-US" sz="1200" dirty="0" err="1">
                 <a:solidFill>
                   <a:schemeClr val="tx2"/>
                 </a:solidFill>
@@ -12028,7 +11136,7 @@
               </a:rPr>
               <a:t>email:douglas.spadotto@dell.com:uid</a:t>
             </a:r>
-            <a:endParaRPr lang="en-US" sz="1200" dirty="0" smtClean="0">
+            <a:endParaRPr lang="en-US" sz="1200" dirty="0">
               <a:solidFill>
                 <a:schemeClr val="tx2"/>
               </a:solidFill>
@@ -12041,7 +11149,7 @@
               <a:defRPr/>
             </a:pPr>
             <a:r>
-              <a:rPr lang="pt-BR" sz="1200" dirty="0" smtClean="0">
+              <a:rPr lang="pt-BR" sz="1200" dirty="0">
                 <a:solidFill>
                   <a:schemeClr val="tx2"/>
                 </a:solidFill>
@@ -12050,7 +11158,7 @@
               </a:rPr>
               <a:t>1000</a:t>
             </a:r>
-            <a:endParaRPr lang="en-US" sz="1200" dirty="0" smtClean="0">
+            <a:endParaRPr lang="en-US" sz="1200" dirty="0">
               <a:solidFill>
                 <a:schemeClr val="tx2"/>
               </a:solidFill>
@@ -12120,13 +11228,6 @@
   <p:transition spd="med">
     <p:wipe dir="r"/>
   </p:transition>
-  <p:timing>
-    <p:tnLst>
-      <p:par>
-        <p:cTn id="1" dur="indefinite" restart="never" nodeType="tmRoot"/>
-      </p:par>
-    </p:tnLst>
-  </p:timing>
 </p:sld>
 </file>
 
@@ -12163,7 +11264,7 @@
           <a:lstStyle/>
           <a:p>
             <a:r>
-              <a:rPr lang="pt-BR" dirty="0" smtClean="0"/>
+              <a:rPr lang="pt-BR" dirty="0"/>
               <a:t>Redes sociais: pedidos de amizades</a:t>
             </a:r>
             <a:endParaRPr lang="en-US" dirty="0"/>
@@ -12186,29 +11287,15 @@
           <a:lstStyle/>
           <a:p>
             <a:r>
-              <a:rPr lang="pt-BR" dirty="0" smtClean="0"/>
+              <a:rPr lang="pt-BR" dirty="0"/>
               <a:t>Utilizaremos 3 sets: amigos, pedidos de amizade enviados e pedidos de amizade recebidos:</a:t>
             </a:r>
           </a:p>
           <a:p>
             <a:pPr lvl="1"/>
             <a:r>
-              <a:rPr lang="pt-BR" dirty="0" smtClean="0"/>
+              <a:rPr lang="pt-BR" dirty="0"/>
               <a:t>Pedido de amizade:</a:t>
-            </a:r>
-          </a:p>
-          <a:p>
-            <a:pPr lvl="1"/>
-            <a:endParaRPr lang="pt-BR" dirty="0" smtClean="0"/>
-          </a:p>
-          <a:p>
-            <a:endParaRPr lang="pt-BR" dirty="0" smtClean="0"/>
-          </a:p>
-          <a:p>
-            <a:pPr lvl="1"/>
-            <a:r>
-              <a:rPr lang="pt-BR" dirty="0" smtClean="0"/>
-              <a:t>Pedidos de amizade enviados que estão pendentes:</a:t>
             </a:r>
           </a:p>
           <a:p>
@@ -12216,8 +11303,14 @@
             <a:endParaRPr lang="pt-BR" dirty="0"/>
           </a:p>
           <a:p>
+            <a:endParaRPr lang="pt-BR" dirty="0"/>
+          </a:p>
+          <a:p>
             <a:pPr lvl="1"/>
-            <a:endParaRPr lang="pt-BR" dirty="0" smtClean="0"/>
+            <a:r>
+              <a:rPr lang="pt-BR" dirty="0"/>
+              <a:t>Pedidos de amizade enviados que estão pendentes:</a:t>
+            </a:r>
           </a:p>
           <a:p>
             <a:pPr lvl="1"/>
@@ -12225,8 +11318,16 @@
           </a:p>
           <a:p>
             <a:pPr lvl="1"/>
-            <a:r>
-              <a:rPr lang="pt-BR" dirty="0" smtClean="0"/>
+            <a:endParaRPr lang="pt-BR" dirty="0"/>
+          </a:p>
+          <a:p>
+            <a:pPr lvl="1"/>
+            <a:endParaRPr lang="pt-BR" dirty="0"/>
+          </a:p>
+          <a:p>
+            <a:pPr lvl="1"/>
+            <a:r>
+              <a:rPr lang="pt-BR" dirty="0"/>
               <a:t>Amigos:</a:t>
             </a:r>
           </a:p>
@@ -12234,11 +11335,11 @@
             <a:pPr marL="341312" lvl="1" indent="0">
               <a:buNone/>
             </a:pPr>
-            <a:endParaRPr lang="pt-BR" dirty="0" smtClean="0"/>
+            <a:endParaRPr lang="pt-BR" dirty="0"/>
           </a:p>
           <a:p>
             <a:pPr lvl="1"/>
-            <a:endParaRPr lang="pt-BR" dirty="0" smtClean="0"/>
+            <a:endParaRPr lang="pt-BR" dirty="0"/>
           </a:p>
         </p:txBody>
       </p:sp>
@@ -12284,35 +11385,8 @@
                 <a:latin typeface="Courier New" pitchFamily="49" charset="0"/>
                 <a:cs typeface="Courier New" pitchFamily="49" charset="0"/>
               </a:rPr>
-              <a:t>SADD </a:t>
-            </a:r>
-            <a:r>
-              <a:rPr lang="en-US" sz="1200" dirty="0" smtClean="0">
-                <a:solidFill>
-                  <a:schemeClr val="tx2"/>
-                </a:solidFill>
-                <a:latin typeface="Courier New" pitchFamily="49" charset="0"/>
-                <a:cs typeface="Courier New" pitchFamily="49" charset="0"/>
-              </a:rPr>
-              <a:t>uid:453:pedidos </a:t>
-            </a:r>
-            <a:r>
-              <a:rPr lang="en-US" sz="1200" dirty="0">
-                <a:solidFill>
-                  <a:schemeClr val="tx2"/>
-                </a:solidFill>
-                <a:latin typeface="Courier New" pitchFamily="49" charset="0"/>
-                <a:cs typeface="Courier New" pitchFamily="49" charset="0"/>
-              </a:rPr>
-              <a:t>1000</a:t>
-            </a:r>
-            <a:endParaRPr lang="en-US" sz="1200" dirty="0" smtClean="0">
-              <a:solidFill>
-                <a:schemeClr val="tx2"/>
-              </a:solidFill>
-              <a:latin typeface="Courier New" pitchFamily="49" charset="0"/>
-              <a:cs typeface="Courier New" pitchFamily="49" charset="0"/>
-            </a:endParaRPr>
+              <a:t>SADD uid:453:pedidos 1000</a:t>
+            </a:r>
           </a:p>
         </p:txBody>
       </p:sp>
@@ -12358,35 +11432,8 @@
                 <a:latin typeface="Courier New" pitchFamily="49" charset="0"/>
                 <a:cs typeface="Courier New" pitchFamily="49" charset="0"/>
               </a:rPr>
-              <a:t>SADD </a:t>
-            </a:r>
-            <a:r>
-              <a:rPr lang="en-US" sz="1200" dirty="0" smtClean="0">
-                <a:solidFill>
-                  <a:schemeClr val="tx2"/>
-                </a:solidFill>
-                <a:latin typeface="Courier New" pitchFamily="49" charset="0"/>
-                <a:cs typeface="Courier New" pitchFamily="49" charset="0"/>
-              </a:rPr>
-              <a:t>uid:1000:pedidospendentes </a:t>
-            </a:r>
-            <a:r>
-              <a:rPr lang="en-US" sz="1200" dirty="0">
-                <a:solidFill>
-                  <a:schemeClr val="tx2"/>
-                </a:solidFill>
-                <a:latin typeface="Courier New" pitchFamily="49" charset="0"/>
-                <a:cs typeface="Courier New" pitchFamily="49" charset="0"/>
-              </a:rPr>
-              <a:t>453</a:t>
-            </a:r>
-            <a:endParaRPr lang="en-US" sz="1200" dirty="0" smtClean="0">
-              <a:solidFill>
-                <a:schemeClr val="tx2"/>
-              </a:solidFill>
-              <a:latin typeface="Courier New" pitchFamily="49" charset="0"/>
-              <a:cs typeface="Courier New" pitchFamily="49" charset="0"/>
-            </a:endParaRPr>
+              <a:t>SADD uid:1000:pedidospendentes 453</a:t>
+            </a:r>
           </a:p>
         </p:txBody>
       </p:sp>
@@ -12399,7 +11446,7 @@
           <p:nvPr>
             <p:extLst>
               <p:ext uri="{D42A27DB-BD31-4B8C-83A1-F6EECF244321}">
-                <p14:modId xmlns:p14="http://schemas.microsoft.com/office/powerpoint/2010/main" val="4058980824"/>
+                <p14:modId xmlns:p14="http://schemas.microsoft.com/office/powerpoint/2010/main" val="1551454173"/>
               </p:ext>
             </p:extLst>
           </p:nvPr>
@@ -12415,8 +11462,20 @@
                 <a:tableStyleId>{5C22544A-7EE6-4342-B048-85BDC9FD1C3A}</a:tableStyleId>
               </a:tblPr>
               <a:tblGrid>
-                <a:gridCol w="3521124"/>
-                <a:gridCol w="3588290"/>
+                <a:gridCol w="3521124">
+                  <a:extLst>
+                    <a:ext uri="{9D8B030D-6E8A-4147-A177-3AD203B41FA5}">
+                      <a16:colId xmlns:a16="http://schemas.microsoft.com/office/drawing/2014/main" val="20000"/>
+                    </a:ext>
+                  </a:extLst>
+                </a:gridCol>
+                <a:gridCol w="3588290">
+                  <a:extLst>
+                    <a:ext uri="{9D8B030D-6E8A-4147-A177-3AD203B41FA5}">
+                      <a16:colId xmlns:a16="http://schemas.microsoft.com/office/drawing/2014/main" val="20001"/>
+                    </a:ext>
+                  </a:extLst>
+                </a:gridCol>
               </a:tblGrid>
               <a:tr h="161610">
                 <a:tc>
@@ -12425,7 +11484,7 @@
                     <a:lstStyle/>
                     <a:p>
                       <a:r>
-                        <a:rPr lang="pt-BR" sz="1100" dirty="0" smtClean="0">
+                        <a:rPr lang="pt-BR" sz="1100" dirty="0">
                           <a:solidFill>
                             <a:schemeClr val="tx2"/>
                           </a:solidFill>
@@ -12433,7 +11492,7 @@
                         <a:t>Quando</a:t>
                       </a:r>
                       <a:r>
-                        <a:rPr lang="pt-BR" sz="1100" baseline="0" dirty="0" smtClean="0">
+                        <a:rPr lang="pt-BR" sz="1100" baseline="0" dirty="0">
                           <a:solidFill>
                             <a:schemeClr val="tx2"/>
                           </a:solidFill>
@@ -12455,7 +11514,7 @@
                     <a:lstStyle/>
                     <a:p>
                       <a:r>
-                        <a:rPr lang="pt-BR" sz="1100" dirty="0" smtClean="0">
+                        <a:rPr lang="pt-BR" sz="1100" dirty="0">
                           <a:solidFill>
                             <a:schemeClr val="tx2"/>
                           </a:solidFill>
@@ -12463,7 +11522,7 @@
                         <a:t>Quando o</a:t>
                       </a:r>
                       <a:r>
-                        <a:rPr lang="pt-BR" sz="1100" baseline="0" dirty="0" smtClean="0">
+                        <a:rPr lang="pt-BR" sz="1100" baseline="0" dirty="0">
                           <a:solidFill>
                             <a:schemeClr val="tx2"/>
                           </a:solidFill>
@@ -12479,6 +11538,11 @@
                   </a:txBody>
                   <a:tcPr/>
                 </a:tc>
+                <a:extLst>
+                  <a:ext uri="{0D108BD9-81ED-4DB2-BD59-A6C34878D82A}">
+                    <a16:rowId xmlns:a16="http://schemas.microsoft.com/office/drawing/2014/main" val="10000"/>
+                  </a:ext>
+                </a:extLst>
               </a:tr>
               <a:tr h="161610">
                 <a:tc>
@@ -12486,19 +11550,19 @@
                     <a:bodyPr/>
                     <a:lstStyle/>
                     <a:p>
-                      <a:endParaRPr lang="pt-BR" sz="1100" dirty="0" smtClean="0"/>
+                      <a:endParaRPr lang="pt-BR" sz="1100" dirty="0"/>
                     </a:p>
                     <a:p>
-                      <a:endParaRPr lang="pt-BR" sz="1100" dirty="0" smtClean="0"/>
+                      <a:endParaRPr lang="pt-BR" sz="1100" dirty="0"/>
                     </a:p>
                     <a:p>
-                      <a:endParaRPr lang="pt-BR" sz="1100" dirty="0" smtClean="0"/>
+                      <a:endParaRPr lang="pt-BR" sz="1100" dirty="0"/>
                     </a:p>
                     <a:p>
-                      <a:endParaRPr lang="pt-BR" sz="1100" dirty="0" smtClean="0"/>
+                      <a:endParaRPr lang="pt-BR" sz="1100" dirty="0"/>
                     </a:p>
                     <a:p>
-                      <a:endParaRPr lang="pt-BR" sz="1100" dirty="0" smtClean="0"/>
+                      <a:endParaRPr lang="pt-BR" sz="1100" dirty="0"/>
                     </a:p>
                     <a:p>
                       <a:endParaRPr lang="en-US" sz="1100" dirty="0"/>
@@ -12511,11 +11575,16 @@
                     <a:bodyPr/>
                     <a:lstStyle/>
                     <a:p>
-                      <a:endParaRPr lang="en-US" sz="1100" dirty="0"/>
+                      <a:endParaRPr lang="en-US" sz="1100" u="sng" dirty="0"/>
                     </a:p>
                   </a:txBody>
                   <a:tcPr/>
                 </a:tc>
+                <a:extLst>
+                  <a:ext uri="{0D108BD9-81ED-4DB2-BD59-A6C34878D82A}">
+                    <a16:rowId xmlns:a16="http://schemas.microsoft.com/office/drawing/2014/main" val="10001"/>
+                  </a:ext>
+                </a:extLst>
               </a:tr>
             </a:tbl>
           </a:graphicData>
@@ -12563,27 +11632,7 @@
                 <a:latin typeface="Courier New" pitchFamily="49" charset="0"/>
                 <a:cs typeface="Courier New" pitchFamily="49" charset="0"/>
               </a:rPr>
-              <a:t>SADD </a:t>
-            </a:r>
-            <a:r>
-              <a:rPr lang="en-US" sz="1200" dirty="0" smtClean="0">
-                <a:solidFill>
-                  <a:schemeClr val="tx2"/>
-                </a:solidFill>
-                <a:latin typeface="Courier New" pitchFamily="49" charset="0"/>
-                <a:cs typeface="Courier New" pitchFamily="49" charset="0"/>
-              </a:rPr>
-              <a:t>uid:1000:amigos </a:t>
-            </a:r>
-            <a:r>
-              <a:rPr lang="en-US" sz="1200" dirty="0">
-                <a:solidFill>
-                  <a:schemeClr val="tx2"/>
-                </a:solidFill>
-                <a:latin typeface="Courier New" pitchFamily="49" charset="0"/>
-                <a:cs typeface="Courier New" pitchFamily="49" charset="0"/>
-              </a:rPr>
-              <a:t>453</a:t>
+              <a:t>SADD uid:1000:amigos 453</a:t>
             </a:r>
           </a:p>
           <a:p>
@@ -12598,27 +11647,7 @@
                 <a:latin typeface="Courier New" pitchFamily="49" charset="0"/>
                 <a:cs typeface="Courier New" pitchFamily="49" charset="0"/>
               </a:rPr>
-              <a:t>SADD </a:t>
-            </a:r>
-            <a:r>
-              <a:rPr lang="en-US" sz="1200" dirty="0" smtClean="0">
-                <a:solidFill>
-                  <a:schemeClr val="tx2"/>
-                </a:solidFill>
-                <a:latin typeface="Courier New" pitchFamily="49" charset="0"/>
-                <a:cs typeface="Courier New" pitchFamily="49" charset="0"/>
-              </a:rPr>
-              <a:t>uid:453:amigos </a:t>
-            </a:r>
-            <a:r>
-              <a:rPr lang="en-US" sz="1200" dirty="0">
-                <a:solidFill>
-                  <a:schemeClr val="tx2"/>
-                </a:solidFill>
-                <a:latin typeface="Courier New" pitchFamily="49" charset="0"/>
-                <a:cs typeface="Courier New" pitchFamily="49" charset="0"/>
-              </a:rPr>
-              <a:t>1000</a:t>
+              <a:t>SADD uid:453:amigos 1000</a:t>
             </a:r>
           </a:p>
           <a:p>
@@ -12633,27 +11662,7 @@
                 <a:latin typeface="Courier New" pitchFamily="49" charset="0"/>
                 <a:cs typeface="Courier New" pitchFamily="49" charset="0"/>
               </a:rPr>
-              <a:t>SREM </a:t>
-            </a:r>
-            <a:r>
-              <a:rPr lang="en-US" sz="1200" dirty="0" smtClean="0">
-                <a:solidFill>
-                  <a:schemeClr val="tx2"/>
-                </a:solidFill>
-                <a:latin typeface="Courier New" pitchFamily="49" charset="0"/>
-                <a:cs typeface="Courier New" pitchFamily="49" charset="0"/>
-              </a:rPr>
-              <a:t>uid:453:pedidos </a:t>
-            </a:r>
-            <a:r>
-              <a:rPr lang="en-US" sz="1200" dirty="0">
-                <a:solidFill>
-                  <a:schemeClr val="tx2"/>
-                </a:solidFill>
-                <a:latin typeface="Courier New" pitchFamily="49" charset="0"/>
-                <a:cs typeface="Courier New" pitchFamily="49" charset="0"/>
-              </a:rPr>
-              <a:t>1000</a:t>
+              <a:t>SREM uid:453:pedidos 1000</a:t>
             </a:r>
           </a:p>
           <a:p>
@@ -12668,55 +11677,8 @@
                 <a:latin typeface="Courier New" pitchFamily="49" charset="0"/>
                 <a:cs typeface="Courier New" pitchFamily="49" charset="0"/>
               </a:rPr>
-              <a:t>SREM </a:t>
-            </a:r>
-            <a:r>
-              <a:rPr lang="en-US" sz="1200" dirty="0" smtClean="0">
-                <a:solidFill>
-                  <a:schemeClr val="tx2"/>
-                </a:solidFill>
-                <a:latin typeface="Courier New" pitchFamily="49" charset="0"/>
-                <a:cs typeface="Courier New" pitchFamily="49" charset="0"/>
-              </a:rPr>
-              <a:t>uid:1000:</a:t>
-            </a:r>
-            <a:r>
-              <a:rPr lang="en-US" sz="1200" dirty="0">
-                <a:solidFill>
-                  <a:schemeClr val="tx2"/>
-                </a:solidFill>
-                <a:latin typeface="Courier New" pitchFamily="49" charset="0"/>
-                <a:cs typeface="Courier New" pitchFamily="49" charset="0"/>
-              </a:rPr>
-              <a:t>pedidospendentes</a:t>
-            </a:r>
-            <a:r>
-              <a:rPr lang="en-US" sz="1200" dirty="0" smtClean="0">
-                <a:solidFill>
-                  <a:schemeClr val="tx2"/>
-                </a:solidFill>
-                <a:latin typeface="Courier New" pitchFamily="49" charset="0"/>
-                <a:cs typeface="Courier New" pitchFamily="49" charset="0"/>
-              </a:rPr>
-              <a:t> </a:t>
-            </a:r>
-            <a:r>
-              <a:rPr lang="en-US" sz="1200" dirty="0">
-                <a:solidFill>
-                  <a:schemeClr val="tx2"/>
-                </a:solidFill>
-                <a:latin typeface="Courier New" pitchFamily="49" charset="0"/>
-                <a:cs typeface="Courier New" pitchFamily="49" charset="0"/>
-              </a:rPr>
-              <a:t>453</a:t>
-            </a:r>
-            <a:endParaRPr lang="en-US" sz="1200" dirty="0" smtClean="0">
-              <a:solidFill>
-                <a:schemeClr val="tx2"/>
-              </a:solidFill>
-              <a:latin typeface="Courier New" pitchFamily="49" charset="0"/>
-              <a:cs typeface="Courier New" pitchFamily="49" charset="0"/>
-            </a:endParaRPr>
+              <a:t>SREM uid:1000:pedidospendentes 453</a:t>
+            </a:r>
           </a:p>
         </p:txBody>
       </p:sp>
@@ -12762,17 +11724,7 @@
                 <a:latin typeface="Courier New" pitchFamily="49" charset="0"/>
                 <a:cs typeface="Courier New" pitchFamily="49" charset="0"/>
               </a:rPr>
-              <a:t>SREM uid:453:requests </a:t>
-            </a:r>
-            <a:r>
-              <a:rPr lang="en-US" sz="1200" dirty="0" smtClean="0">
-                <a:solidFill>
-                  <a:schemeClr val="tx2"/>
-                </a:solidFill>
-                <a:latin typeface="Courier New" pitchFamily="49" charset="0"/>
-                <a:cs typeface="Courier New" pitchFamily="49" charset="0"/>
-              </a:rPr>
-              <a:t>1000</a:t>
+              <a:t>SREM uid:453:pedidos 1000</a:t>
             </a:r>
           </a:p>
           <a:p>
@@ -12780,7 +11732,7 @@
               <a:defRPr/>
             </a:pPr>
             <a:r>
-              <a:rPr lang="pt-BR" sz="1200" dirty="0" smtClean="0">
+              <a:rPr lang="pt-BR" sz="1200" dirty="0">
                 <a:solidFill>
                   <a:schemeClr val="tx2"/>
                 </a:solidFill>
@@ -12789,7 +11741,7 @@
               </a:rPr>
               <a:t>SREM uid:1000:pedidospendentes 453</a:t>
             </a:r>
-            <a:endParaRPr lang="en-US" sz="1200" dirty="0" smtClean="0">
+            <a:endParaRPr lang="en-US" sz="1200" dirty="0">
               <a:solidFill>
                 <a:schemeClr val="tx2"/>
               </a:solidFill>
@@ -12812,13 +11764,6 @@
   <p:transition spd="med">
     <p:wipe dir="r"/>
   </p:transition>
-  <p:timing>
-    <p:tnLst>
-      <p:par>
-        <p:cTn id="1" dur="indefinite" restart="never" nodeType="tmRoot"/>
-      </p:par>
-    </p:tnLst>
-  </p:timing>
 </p:sld>
 </file>
 
@@ -12855,7 +11800,7 @@
           <a:lstStyle/>
           <a:p>
             <a:r>
-              <a:rPr lang="pt-BR" dirty="0" smtClean="0"/>
+              <a:rPr lang="pt-BR" dirty="0"/>
               <a:t>Redes sociais: removendo amizades</a:t>
             </a:r>
             <a:endParaRPr lang="en-US" dirty="0"/>
@@ -12878,7 +11823,7 @@
           <a:lstStyle/>
           <a:p>
             <a:r>
-              <a:rPr lang="pt-BR" dirty="0" smtClean="0"/>
+              <a:rPr lang="pt-BR" dirty="0"/>
               <a:t>Simplesmente removemos os amigos de suas listas:</a:t>
             </a:r>
             <a:endParaRPr lang="en-US" dirty="0"/>
@@ -12927,27 +11872,7 @@
                 <a:latin typeface="Courier New" pitchFamily="49" charset="0"/>
                 <a:cs typeface="Courier New" pitchFamily="49" charset="0"/>
               </a:rPr>
-              <a:t>SREM </a:t>
-            </a:r>
-            <a:r>
-              <a:rPr lang="da-DK" sz="1200" dirty="0" smtClean="0">
-                <a:solidFill>
-                  <a:schemeClr val="tx2"/>
-                </a:solidFill>
-                <a:latin typeface="Courier New" pitchFamily="49" charset="0"/>
-                <a:cs typeface="Courier New" pitchFamily="49" charset="0"/>
-              </a:rPr>
-              <a:t>uid:1000:amigos </a:t>
-            </a:r>
-            <a:r>
-              <a:rPr lang="da-DK" sz="1200" dirty="0">
-                <a:solidFill>
-                  <a:schemeClr val="tx2"/>
-                </a:solidFill>
-                <a:latin typeface="Courier New" pitchFamily="49" charset="0"/>
-                <a:cs typeface="Courier New" pitchFamily="49" charset="0"/>
-              </a:rPr>
-              <a:t>453</a:t>
+              <a:t>SREM uid:1000:amigos 453</a:t>
             </a:r>
           </a:p>
           <a:p>
@@ -12962,29 +11887,9 @@
                 <a:latin typeface="Courier New" pitchFamily="49" charset="0"/>
                 <a:cs typeface="Courier New" pitchFamily="49" charset="0"/>
               </a:rPr>
-              <a:t>SREM </a:t>
-            </a:r>
-            <a:r>
-              <a:rPr lang="da-DK" sz="1200" dirty="0" smtClean="0">
-                <a:solidFill>
-                  <a:schemeClr val="tx2"/>
-                </a:solidFill>
-                <a:latin typeface="Courier New" pitchFamily="49" charset="0"/>
-                <a:cs typeface="Courier New" pitchFamily="49" charset="0"/>
-              </a:rPr>
-              <a:t>uid:453:amigos </a:t>
-            </a:r>
-            <a:r>
-              <a:rPr lang="da-DK" sz="1200" dirty="0">
-                <a:solidFill>
-                  <a:schemeClr val="tx2"/>
-                </a:solidFill>
-                <a:latin typeface="Courier New" pitchFamily="49" charset="0"/>
-                <a:cs typeface="Courier New" pitchFamily="49" charset="0"/>
-              </a:rPr>
-              <a:t>1000</a:t>
-            </a:r>
-            <a:endParaRPr lang="en-US" sz="1200" dirty="0" smtClean="0">
+              <a:t>SREM uid:453:amigos 1000</a:t>
+            </a:r>
+            <a:endParaRPr lang="en-US" sz="1200" dirty="0">
               <a:solidFill>
                 <a:schemeClr val="tx2"/>
               </a:solidFill>
@@ -13043,7 +11948,7 @@
           <a:lstStyle/>
           <a:p>
             <a:r>
-              <a:rPr lang="pt-BR" dirty="0" smtClean="0"/>
+              <a:rPr lang="pt-BR" dirty="0"/>
               <a:t>Redes sociais: atualizações de status</a:t>
             </a:r>
             <a:endParaRPr lang="en-US" dirty="0"/>
@@ -13066,7 +11971,7 @@
           <a:lstStyle/>
           <a:p>
             <a:r>
-              <a:rPr lang="pt-BR" dirty="0" smtClean="0"/>
+              <a:rPr lang="pt-BR" dirty="0"/>
               <a:t>Geramos um id sequencial para os posts como para os usuários:</a:t>
             </a:r>
           </a:p>
@@ -13074,37 +11979,37 @@
             <a:endParaRPr lang="pt-BR" dirty="0"/>
           </a:p>
           <a:p>
-            <a:endParaRPr lang="pt-BR" dirty="0" smtClean="0"/>
-          </a:p>
-          <a:p>
-            <a:r>
-              <a:rPr lang="pt-BR" dirty="0" smtClean="0"/>
+            <a:endParaRPr lang="pt-BR" dirty="0"/>
+          </a:p>
+          <a:p>
+            <a:r>
+              <a:rPr lang="pt-BR" dirty="0"/>
               <a:t>De posse do id, armazenamos o conteúdo da atualização de status em uma </a:t>
             </a:r>
             <a:r>
-              <a:rPr lang="pt-BR" dirty="0" err="1" smtClean="0"/>
+              <a:rPr lang="pt-BR" dirty="0" err="1"/>
               <a:t>hash</a:t>
             </a:r>
             <a:r>
-              <a:rPr lang="pt-BR" dirty="0" smtClean="0"/>
+              <a:rPr lang="pt-BR" dirty="0"/>
               <a:t>:</a:t>
             </a:r>
           </a:p>
           <a:p>
-            <a:endParaRPr lang="pt-BR" dirty="0" smtClean="0"/>
-          </a:p>
-          <a:p>
-            <a:r>
-              <a:rPr lang="pt-BR" dirty="0" smtClean="0"/>
+            <a:endParaRPr lang="pt-BR" dirty="0"/>
+          </a:p>
+          <a:p>
+            <a:r>
+              <a:rPr lang="pt-BR" dirty="0"/>
               <a:t>Depois de criado o conteúdo, armazenamos o post na lista de status do usuário</a:t>
             </a:r>
           </a:p>
           <a:p>
-            <a:endParaRPr lang="pt-BR" dirty="0" smtClean="0"/>
-          </a:p>
-          <a:p>
-            <a:r>
-              <a:rPr lang="pt-BR" dirty="0" smtClean="0"/>
+            <a:endParaRPr lang="pt-BR" dirty="0"/>
+          </a:p>
+          <a:p>
+            <a:r>
+              <a:rPr lang="pt-BR" dirty="0"/>
               <a:t>E enviamos esta atualização a todos os amigos deste usuário:</a:t>
             </a:r>
             <a:endParaRPr lang="en-US" dirty="0"/>
@@ -13153,25 +12058,8 @@
                 <a:latin typeface="Courier New" pitchFamily="49" charset="0"/>
                 <a:cs typeface="Courier New" pitchFamily="49" charset="0"/>
               </a:rPr>
-              <a:t>INCR </a:t>
-            </a:r>
-            <a:r>
-              <a:rPr lang="da-DK" sz="1200" dirty="0" smtClean="0">
-                <a:solidFill>
-                  <a:schemeClr val="tx2"/>
-                </a:solidFill>
-                <a:latin typeface="Courier New" pitchFamily="49" charset="0"/>
-                <a:cs typeface="Courier New" pitchFamily="49" charset="0"/>
-              </a:rPr>
-              <a:t>gbl:proxPost</a:t>
-            </a:r>
-            <a:endParaRPr lang="da-DK" sz="1200" dirty="0">
-              <a:solidFill>
-                <a:schemeClr val="tx2"/>
-              </a:solidFill>
-              <a:latin typeface="Courier New" pitchFamily="49" charset="0"/>
-              <a:cs typeface="Courier New" pitchFamily="49" charset="0"/>
-            </a:endParaRPr>
+              <a:t>INCR gbl:proxPost</a:t>
+            </a:r>
           </a:p>
           <a:p>
             <a:pPr>
@@ -13187,7 +12075,7 @@
               </a:rPr>
               <a:t>282</a:t>
             </a:r>
-            <a:endParaRPr lang="en-US" sz="1200" dirty="0" smtClean="0">
+            <a:endParaRPr lang="en-US" sz="1200" dirty="0">
               <a:solidFill>
                 <a:schemeClr val="tx2"/>
               </a:solidFill>
@@ -13242,7 +12130,7 @@
               <a:t>HMSET post:282 </a:t>
             </a:r>
             <a:r>
-              <a:rPr lang="en-US" sz="1200" dirty="0" err="1" smtClean="0">
+              <a:rPr lang="en-US" sz="1200" dirty="0" err="1">
                 <a:solidFill>
                   <a:schemeClr val="tx2"/>
                 </a:solidFill>
@@ -13252,37 +12140,17 @@
               <a:t>autor</a:t>
             </a:r>
             <a:r>
-              <a:rPr lang="en-US" sz="1200" dirty="0" smtClean="0">
-                <a:solidFill>
-                  <a:schemeClr val="tx2"/>
-                </a:solidFill>
-                <a:latin typeface="Courier New" pitchFamily="49" charset="0"/>
-                <a:cs typeface="Courier New" pitchFamily="49" charset="0"/>
-              </a:rPr>
-              <a:t> </a:t>
-            </a:r>
-            <a:r>
-              <a:rPr lang="en-US" sz="1200" dirty="0">
-                <a:solidFill>
-                  <a:schemeClr val="tx2"/>
-                </a:solidFill>
-                <a:latin typeface="Courier New" pitchFamily="49" charset="0"/>
-                <a:cs typeface="Courier New" pitchFamily="49" charset="0"/>
-              </a:rPr>
-              <a:t>1000 </a:t>
-            </a:r>
-            <a:r>
-              <a:rPr lang="en-US" sz="1200" dirty="0" smtClean="0">
-                <a:solidFill>
-                  <a:schemeClr val="tx2"/>
-                </a:solidFill>
-                <a:latin typeface="Courier New" pitchFamily="49" charset="0"/>
-                <a:cs typeface="Courier New" pitchFamily="49" charset="0"/>
-              </a:rPr>
-              <a:t>post “</a:t>
-            </a:r>
-            <a:r>
-              <a:rPr lang="en-US" sz="1200" dirty="0" err="1" smtClean="0">
+              <a:rPr lang="en-US" sz="1200" dirty="0">
+                <a:solidFill>
+                  <a:schemeClr val="tx2"/>
+                </a:solidFill>
+                <a:latin typeface="Courier New" pitchFamily="49" charset="0"/>
+                <a:cs typeface="Courier New" pitchFamily="49" charset="0"/>
+              </a:rPr>
+              <a:t> 1000 post “</a:t>
+            </a:r>
+            <a:r>
+              <a:rPr lang="en-US" sz="1200" dirty="0" err="1">
                 <a:solidFill>
                   <a:schemeClr val="tx2"/>
                 </a:solidFill>
@@ -13292,7 +12160,7 @@
               <a:t>Tomando</a:t>
             </a:r>
             <a:r>
-              <a:rPr lang="en-US" sz="1200" dirty="0" smtClean="0">
+              <a:rPr lang="en-US" sz="1200" dirty="0">
                 <a:solidFill>
                   <a:schemeClr val="tx2"/>
                 </a:solidFill>
@@ -13302,7 +12170,7 @@
               <a:t> um café" </a:t>
             </a:r>
             <a:r>
-              <a:rPr lang="en-US" sz="1200" dirty="0" err="1" smtClean="0">
+              <a:rPr lang="en-US" sz="1200" dirty="0" err="1">
                 <a:solidFill>
                   <a:schemeClr val="tx2"/>
                 </a:solidFill>
@@ -13312,32 +12180,15 @@
               <a:t>ts</a:t>
             </a:r>
             <a:r>
-              <a:rPr lang="en-US" sz="1200" dirty="0" smtClean="0">
-                <a:solidFill>
-                  <a:schemeClr val="tx2"/>
-                </a:solidFill>
-                <a:latin typeface="Courier New" pitchFamily="49" charset="0"/>
-                <a:cs typeface="Courier New" pitchFamily="49" charset="0"/>
-              </a:rPr>
-              <a:t> "2017-07-07 10:28:14</a:t>
-            </a:r>
-            <a:r>
-              <a:rPr lang="en-US" sz="1200" dirty="0">
-                <a:solidFill>
-                  <a:schemeClr val="tx2"/>
-                </a:solidFill>
-                <a:latin typeface="Courier New" pitchFamily="49" charset="0"/>
-                <a:cs typeface="Courier New" pitchFamily="49" charset="0"/>
-              </a:rPr>
-              <a:t>"</a:t>
-            </a:r>
-            <a:endParaRPr lang="en-US" sz="1200" dirty="0" smtClean="0">
-              <a:solidFill>
-                <a:schemeClr val="tx2"/>
-              </a:solidFill>
-              <a:latin typeface="Courier New" pitchFamily="49" charset="0"/>
-              <a:cs typeface="Courier New" pitchFamily="49" charset="0"/>
-            </a:endParaRPr>
+              <a:rPr lang="en-US" sz="1200" dirty="0">
+                <a:solidFill>
+                  <a:schemeClr val="tx2"/>
+                </a:solidFill>
+                <a:latin typeface="Courier New" pitchFamily="49" charset="0"/>
+                <a:cs typeface="Courier New" pitchFamily="49" charset="0"/>
+              </a:rPr>
+              <a:t> "2017-07-07 10:28:14"</a:t>
+            </a:r>
           </a:p>
         </p:txBody>
       </p:sp>
@@ -13383,35 +12234,8 @@
                 <a:latin typeface="Courier New" pitchFamily="49" charset="0"/>
                 <a:cs typeface="Courier New" pitchFamily="49" charset="0"/>
               </a:rPr>
-              <a:t>LPUSH </a:t>
-            </a:r>
-            <a:r>
-              <a:rPr lang="en-US" sz="1200" dirty="0" smtClean="0">
-                <a:solidFill>
-                  <a:schemeClr val="tx2"/>
-                </a:solidFill>
-                <a:latin typeface="Courier New" pitchFamily="49" charset="0"/>
-                <a:cs typeface="Courier New" pitchFamily="49" charset="0"/>
-              </a:rPr>
-              <a:t>uid:1000:feed </a:t>
-            </a:r>
-            <a:r>
-              <a:rPr lang="en-US" sz="1200" dirty="0">
-                <a:solidFill>
-                  <a:schemeClr val="tx2"/>
-                </a:solidFill>
-                <a:latin typeface="Courier New" pitchFamily="49" charset="0"/>
-                <a:cs typeface="Courier New" pitchFamily="49" charset="0"/>
-              </a:rPr>
-              <a:t>282</a:t>
-            </a:r>
-            <a:endParaRPr lang="en-US" sz="1200" dirty="0" smtClean="0">
-              <a:solidFill>
-                <a:schemeClr val="tx2"/>
-              </a:solidFill>
-              <a:latin typeface="Courier New" pitchFamily="49" charset="0"/>
-              <a:cs typeface="Courier New" pitchFamily="49" charset="0"/>
-            </a:endParaRPr>
+              <a:t>LPUSH uid:1000:feed 282</a:t>
+            </a:r>
           </a:p>
         </p:txBody>
       </p:sp>
@@ -13457,17 +12281,7 @@
                 <a:latin typeface="Courier New" pitchFamily="49" charset="0"/>
                 <a:cs typeface="Courier New" pitchFamily="49" charset="0"/>
               </a:rPr>
-              <a:t>SMEMBERS </a:t>
-            </a:r>
-            <a:r>
-              <a:rPr lang="en-US" sz="1200" dirty="0" smtClean="0">
-                <a:solidFill>
-                  <a:schemeClr val="tx2"/>
-                </a:solidFill>
-                <a:latin typeface="Courier New" pitchFamily="49" charset="0"/>
-                <a:cs typeface="Courier New" pitchFamily="49" charset="0"/>
-              </a:rPr>
-              <a:t>uid:1000:amigos</a:t>
+              <a:t>SMEMBERS uid:1000:amigos</a:t>
             </a:r>
           </a:p>
           <a:p>
@@ -13475,7 +12289,7 @@
               <a:defRPr/>
             </a:pPr>
             <a:r>
-              <a:rPr lang="pt-BR" sz="1200" dirty="0" smtClean="0">
+              <a:rPr lang="pt-BR" sz="1200" dirty="0">
                 <a:solidFill>
                   <a:schemeClr val="tx2"/>
                 </a:solidFill>
@@ -13504,35 +12318,8 @@
                 <a:latin typeface="Courier New" pitchFamily="49" charset="0"/>
                 <a:cs typeface="Courier New" pitchFamily="49" charset="0"/>
               </a:rPr>
-              <a:t>LPUSH </a:t>
-            </a:r>
-            <a:r>
-              <a:rPr lang="en-US" sz="1200" dirty="0" smtClean="0">
-                <a:solidFill>
-                  <a:schemeClr val="tx2"/>
-                </a:solidFill>
-                <a:latin typeface="Courier New" pitchFamily="49" charset="0"/>
-                <a:cs typeface="Courier New" pitchFamily="49" charset="0"/>
-              </a:rPr>
-              <a:t>uid:453:atualizacoes </a:t>
-            </a:r>
-            <a:r>
-              <a:rPr lang="en-US" sz="1200" dirty="0">
-                <a:solidFill>
-                  <a:schemeClr val="tx2"/>
-                </a:solidFill>
-                <a:latin typeface="Courier New" pitchFamily="49" charset="0"/>
-                <a:cs typeface="Courier New" pitchFamily="49" charset="0"/>
-              </a:rPr>
-              <a:t>282</a:t>
-            </a:r>
-            <a:endParaRPr lang="en-US" sz="1200" dirty="0" smtClean="0">
-              <a:solidFill>
-                <a:schemeClr val="tx2"/>
-              </a:solidFill>
-              <a:latin typeface="Courier New" pitchFamily="49" charset="0"/>
-              <a:cs typeface="Courier New" pitchFamily="49" charset="0"/>
-            </a:endParaRPr>
+              <a:t>LPUSH uid:453:atualizacoes 282</a:t>
+            </a:r>
           </a:p>
         </p:txBody>
       </p:sp>
@@ -13585,15 +12372,15 @@
           <a:lstStyle/>
           <a:p>
             <a:r>
-              <a:rPr lang="pt-BR" dirty="0" smtClean="0"/>
+              <a:rPr lang="pt-BR" dirty="0"/>
               <a:t>Redes sociais: </a:t>
             </a:r>
             <a:r>
-              <a:rPr lang="pt-BR" dirty="0" err="1" smtClean="0"/>
+              <a:rPr lang="pt-BR" dirty="0" err="1"/>
               <a:t>feed</a:t>
             </a:r>
             <a:r>
-              <a:rPr lang="pt-BR" dirty="0" smtClean="0"/>
+              <a:rPr lang="pt-BR" dirty="0"/>
               <a:t> e página do usuário</a:t>
             </a:r>
             <a:endParaRPr lang="en-US" dirty="0"/>
@@ -13616,19 +12403,11 @@
           <a:lstStyle/>
           <a:p>
             <a:r>
-              <a:rPr lang="pt-BR" dirty="0" smtClean="0"/>
-              <a:t>Para recuperar a lista das postagens de todos os amigos</a:t>
-            </a:r>
-            <a:r>
               <a:rPr lang="pt-BR" dirty="0"/>
-              <a:t> </a:t>
-            </a:r>
-            <a:r>
-              <a:rPr lang="pt-BR" dirty="0" smtClean="0"/>
-              <a:t>de um usuário, utilizamos a lis</a:t>
-            </a:r>
-            <a:r>
-              <a:rPr lang="pt-BR" dirty="0" smtClean="0">
+              <a:t>Para recuperar a lista das postagens de todos os amigos de um usuário, utilizamos a lis</a:t>
+            </a:r>
+            <a:r>
+              <a:rPr lang="pt-BR" dirty="0">
                 <a:solidFill>
                   <a:schemeClr val="bg2"/>
                 </a:solidFill>
@@ -13646,7 +12425,7 @@
               <a:t>uid</a:t>
             </a:r>
             <a:r>
-              <a:rPr lang="en-US" dirty="0" smtClean="0">
+              <a:rPr lang="en-US" dirty="0">
                 <a:solidFill>
                   <a:schemeClr val="bg2"/>
                 </a:solidFill>
@@ -13656,7 +12435,7 @@
               <a:t>:&lt;</a:t>
             </a:r>
             <a:r>
-              <a:rPr lang="en-US" dirty="0" err="1" smtClean="0">
+              <a:rPr lang="en-US" dirty="0" err="1">
                 <a:solidFill>
                   <a:schemeClr val="bg2"/>
                 </a:solidFill>
@@ -13666,7 +12445,7 @@
               <a:t>usuário</a:t>
             </a:r>
             <a:r>
-              <a:rPr lang="en-US" dirty="0" smtClean="0">
+              <a:rPr lang="en-US" dirty="0">
                 <a:solidFill>
                   <a:schemeClr val="bg2"/>
                 </a:solidFill>
@@ -13676,7 +12455,7 @@
               <a:t>&gt;:</a:t>
             </a:r>
             <a:r>
-              <a:rPr lang="en-US" dirty="0" err="1" smtClean="0">
+              <a:rPr lang="en-US" dirty="0" err="1">
                 <a:solidFill>
                   <a:schemeClr val="bg2"/>
                 </a:solidFill>
@@ -13686,7 +12465,7 @@
               <a:t>atualizacoes</a:t>
             </a:r>
             <a:r>
-              <a:rPr lang="en-US" dirty="0" smtClean="0">
+              <a:rPr lang="en-US" dirty="0">
                 <a:solidFill>
                   <a:schemeClr val="bg2"/>
                 </a:solidFill>
@@ -13720,7 +12499,7 @@
               <a:t>lista</a:t>
             </a:r>
             <a:r>
-              <a:rPr lang="en-US" dirty="0" smtClean="0"/>
+              <a:rPr lang="en-US" dirty="0"/>
               <a:t>.</a:t>
             </a:r>
           </a:p>
@@ -13729,7 +12508,7 @@
           </a:p>
           <a:p>
             <a:r>
-              <a:rPr lang="pt-BR" dirty="0" smtClean="0"/>
+              <a:rPr lang="pt-BR" dirty="0"/>
               <a:t>Por outro lado, para recuperar a lista de todas as postagens de um usuário, utilizamos a lista </a:t>
             </a:r>
             <a:r>
@@ -13763,7 +12542,7 @@
               <a:t>usuário</a:t>
             </a:r>
             <a:r>
-              <a:rPr lang="en-US" dirty="0" smtClean="0">
+              <a:rPr lang="en-US" dirty="0">
                 <a:solidFill>
                   <a:schemeClr val="bg2"/>
                 </a:solidFill>
@@ -13861,11 +12640,11 @@
           <a:lstStyle/>
           <a:p>
             <a:r>
-              <a:rPr lang="pt-BR" dirty="0" smtClean="0"/>
+              <a:rPr lang="pt-BR" dirty="0"/>
               <a:t>Utilização de transações e </a:t>
             </a:r>
             <a:r>
-              <a:rPr lang="pt-BR" dirty="0" err="1" smtClean="0"/>
+              <a:rPr lang="pt-BR" dirty="0" err="1"/>
               <a:t>locks</a:t>
             </a:r>
             <a:endParaRPr lang="en-US" dirty="0"/>
@@ -13885,13 +12664,6 @@
   <p:transition spd="med">
     <p:wipe dir="r"/>
   </p:transition>
-  <p:timing>
-    <p:tnLst>
-      <p:par>
-        <p:cTn id="1" dur="indefinite" restart="never" nodeType="tmRoot"/>
-      </p:par>
-    </p:tnLst>
-  </p:timing>
 </p:sld>
 </file>
 
@@ -13928,7 +12700,7 @@
           <a:lstStyle/>
           <a:p>
             <a:r>
-              <a:rPr lang="pt-BR" dirty="0" smtClean="0"/>
+              <a:rPr lang="pt-BR" dirty="0"/>
               <a:t>Redes sociais: comentários</a:t>
             </a:r>
             <a:endParaRPr lang="en-US" dirty="0"/>
@@ -13951,20 +12723,16 @@
           <a:lstStyle/>
           <a:p>
             <a:r>
-              <a:rPr lang="pt-BR" dirty="0" smtClean="0"/>
+              <a:rPr lang="pt-BR" dirty="0"/>
               <a:t>Utilizamos a mesma estrutura utilizada para atualização de status:</a:t>
             </a:r>
           </a:p>
           <a:p>
             <a:pPr lvl="1"/>
             <a:r>
-              <a:rPr lang="pt-BR" dirty="0" smtClean="0"/>
+              <a:rPr lang="pt-BR" dirty="0"/>
               <a:t>Incrementamos o id de comentários</a:t>
             </a:r>
-          </a:p>
-          <a:p>
-            <a:pPr lvl="1"/>
-            <a:endParaRPr lang="pt-BR" dirty="0" smtClean="0"/>
           </a:p>
           <a:p>
             <a:pPr lvl="1"/>
@@ -13972,14 +12740,7 @@
           </a:p>
           <a:p>
             <a:pPr lvl="1"/>
-            <a:endParaRPr lang="pt-BR" dirty="0" smtClean="0"/>
-          </a:p>
-          <a:p>
-            <a:pPr lvl="1"/>
-            <a:r>
-              <a:rPr lang="pt-BR" dirty="0" smtClean="0"/>
-              <a:t>Armazenar o comentário</a:t>
-            </a:r>
+            <a:endParaRPr lang="pt-BR" dirty="0"/>
           </a:p>
           <a:p>
             <a:pPr lvl="1"/>
@@ -13987,7 +12748,10 @@
           </a:p>
           <a:p>
             <a:pPr lvl="1"/>
-            <a:endParaRPr lang="pt-BR" dirty="0" smtClean="0"/>
+            <a:r>
+              <a:rPr lang="pt-BR" dirty="0"/>
+              <a:t>Armazenar o comentário</a:t>
+            </a:r>
           </a:p>
           <a:p>
             <a:pPr lvl="1"/>
@@ -13995,8 +12759,16 @@
           </a:p>
           <a:p>
             <a:pPr lvl="1"/>
-            <a:r>
-              <a:rPr lang="pt-BR" dirty="0" smtClean="0"/>
+            <a:endParaRPr lang="pt-BR" dirty="0"/>
+          </a:p>
+          <a:p>
+            <a:pPr lvl="1"/>
+            <a:endParaRPr lang="pt-BR" dirty="0"/>
+          </a:p>
+          <a:p>
+            <a:pPr lvl="1"/>
+            <a:r>
+              <a:rPr lang="pt-BR" dirty="0"/>
               <a:t>Armazenar a lista de comentários de uma atualização de status:</a:t>
             </a:r>
           </a:p>
@@ -14005,7 +12777,7 @@
               <a:buNone/>
             </a:pPr>
             <a:r>
-              <a:rPr lang="pt-BR" dirty="0" smtClean="0"/>
+              <a:rPr lang="pt-BR" dirty="0"/>
               <a:t> </a:t>
             </a:r>
             <a:endParaRPr lang="en-US" dirty="0"/>
@@ -14061,20 +12833,10 @@
                 <a:latin typeface="Courier New" pitchFamily="49" charset="0"/>
                 <a:cs typeface="Courier New" pitchFamily="49" charset="0"/>
               </a:rPr>
-              <a:t>HMSET </a:t>
-            </a:r>
-            <a:r>
-              <a:rPr lang="en-US" sz="1200" dirty="0" smtClean="0">
-                <a:solidFill>
-                  <a:schemeClr val="tx2"/>
-                </a:solidFill>
-                <a:latin typeface="Courier New" pitchFamily="49" charset="0"/>
-                <a:cs typeface="Courier New" pitchFamily="49" charset="0"/>
-              </a:rPr>
-              <a:t>com:486 </a:t>
-            </a:r>
-            <a:r>
-              <a:rPr lang="en-US" sz="1200" dirty="0" err="1" smtClean="0">
+              <a:t>HMSET com:486 </a:t>
+            </a:r>
+            <a:r>
+              <a:rPr lang="en-US" sz="1200" dirty="0" err="1">
                 <a:solidFill>
                   <a:schemeClr val="tx2"/>
                 </a:solidFill>
@@ -14084,7 +12846,7 @@
               <a:t>autor</a:t>
             </a:r>
             <a:r>
-              <a:rPr lang="en-US" sz="1200" dirty="0" smtClean="0">
+              <a:rPr lang="en-US" sz="1200" dirty="0">
                 <a:solidFill>
                   <a:schemeClr val="tx2"/>
                 </a:solidFill>
@@ -14094,7 +12856,7 @@
               <a:t> 453 </a:t>
             </a:r>
             <a:r>
-              <a:rPr lang="en-US" sz="1200" dirty="0" err="1" smtClean="0">
+              <a:rPr lang="en-US" sz="1200" dirty="0" err="1">
                 <a:solidFill>
                   <a:schemeClr val="tx2"/>
                 </a:solidFill>
@@ -14104,7 +12866,7 @@
               <a:t>comentario</a:t>
             </a:r>
             <a:r>
-              <a:rPr lang="en-US" sz="1200" dirty="0" smtClean="0">
+              <a:rPr lang="en-US" sz="1200" dirty="0">
                 <a:solidFill>
                   <a:schemeClr val="tx2"/>
                 </a:solidFill>
@@ -14114,7 +12876,7 @@
               <a:t> “Café é </a:t>
             </a:r>
             <a:r>
-              <a:rPr lang="en-US" sz="1200" dirty="0" err="1" smtClean="0">
+              <a:rPr lang="en-US" sz="1200" dirty="0" err="1">
                 <a:solidFill>
                   <a:schemeClr val="tx2"/>
                 </a:solidFill>
@@ -14124,7 +12886,7 @@
               <a:t>bom</a:t>
             </a:r>
             <a:r>
-              <a:rPr lang="en-US" sz="1200" dirty="0" smtClean="0">
+              <a:rPr lang="en-US" sz="1200" dirty="0">
                 <a:solidFill>
                   <a:schemeClr val="tx2"/>
                 </a:solidFill>
@@ -14134,7 +12896,7 @@
               <a:t>!" </a:t>
             </a:r>
             <a:r>
-              <a:rPr lang="en-US" sz="1200" dirty="0" err="1" smtClean="0">
+              <a:rPr lang="en-US" sz="1200" dirty="0" err="1">
                 <a:solidFill>
                   <a:schemeClr val="tx2"/>
                 </a:solidFill>
@@ -14144,7 +12906,7 @@
               <a:t>ts</a:t>
             </a:r>
             <a:r>
-              <a:rPr lang="en-US" sz="1200" dirty="0" smtClean="0">
+              <a:rPr lang="en-US" sz="1200" dirty="0">
                 <a:solidFill>
                   <a:schemeClr val="tx2"/>
                 </a:solidFill>
@@ -14198,17 +12960,7 @@
                 <a:latin typeface="Courier New" pitchFamily="49" charset="0"/>
                 <a:cs typeface="Courier New" pitchFamily="49" charset="0"/>
               </a:rPr>
-              <a:t>LPUSH </a:t>
-            </a:r>
-            <a:r>
-              <a:rPr lang="en-US" sz="1200" dirty="0" smtClean="0">
-                <a:solidFill>
-                  <a:schemeClr val="tx2"/>
-                </a:solidFill>
-                <a:latin typeface="Courier New" pitchFamily="49" charset="0"/>
-                <a:cs typeface="Courier New" pitchFamily="49" charset="0"/>
-              </a:rPr>
-              <a:t>post:282:comentarios 486</a:t>
+              <a:t>LPUSH post:282:comentarios 486</a:t>
             </a:r>
           </a:p>
         </p:txBody>
@@ -14258,7 +13010,7 @@
               <a:t>INCR </a:t>
             </a:r>
             <a:r>
-              <a:rPr lang="en-US" sz="1200" dirty="0" err="1" smtClean="0">
+              <a:rPr lang="en-US" sz="1200" dirty="0" err="1">
                 <a:solidFill>
                   <a:schemeClr val="tx2"/>
                 </a:solidFill>
@@ -14267,7 +13019,7 @@
               </a:rPr>
               <a:t>gbl:proxCom</a:t>
             </a:r>
-            <a:endParaRPr lang="en-US" sz="1200" dirty="0" smtClean="0">
+            <a:endParaRPr lang="en-US" sz="1200" dirty="0">
               <a:solidFill>
                 <a:schemeClr val="tx2"/>
               </a:solidFill>
@@ -14280,7 +13032,7 @@
               <a:defRPr/>
             </a:pPr>
             <a:r>
-              <a:rPr lang="pt-BR" sz="1200" dirty="0" smtClean="0">
+              <a:rPr lang="pt-BR" sz="1200" dirty="0">
                 <a:solidFill>
                   <a:schemeClr val="tx2"/>
                 </a:solidFill>
@@ -14345,13 +13097,6 @@
   <p:transition spd="med">
     <p:wipe dir="r"/>
   </p:transition>
-  <p:timing>
-    <p:tnLst>
-      <p:par>
-        <p:cTn id="1" dur="indefinite" restart="never" nodeType="tmRoot"/>
-      </p:par>
-    </p:tnLst>
-  </p:timing>
 </p:sld>
 </file>
 
@@ -14388,7 +13133,7 @@
           <a:lstStyle/>
           <a:p>
             <a:r>
-              <a:rPr lang="pt-BR" dirty="0" smtClean="0"/>
+              <a:rPr lang="pt-BR" dirty="0"/>
               <a:t>Mantendo consistência de dados no Redis</a:t>
             </a:r>
             <a:endParaRPr lang="en-US" dirty="0"/>
@@ -14411,7 +13156,7 @@
           <a:lstStyle/>
           <a:p>
             <a:r>
-              <a:rPr lang="pt-BR" dirty="0" smtClean="0"/>
+              <a:rPr lang="pt-BR" dirty="0"/>
               <a:t>Observe a seguinte modelagem:</a:t>
             </a:r>
           </a:p>
@@ -14421,20 +13166,20 @@
           </a:p>
           <a:p>
             <a:pPr lvl="1"/>
-            <a:endParaRPr lang="pt-BR" dirty="0" smtClean="0"/>
+            <a:endParaRPr lang="pt-BR" dirty="0"/>
           </a:p>
           <a:p>
             <a:pPr lvl="1"/>
             <a:endParaRPr lang="pt-BR" dirty="0"/>
           </a:p>
           <a:p>
-            <a:endParaRPr lang="pt-BR" dirty="0" smtClean="0"/>
-          </a:p>
-          <a:p>
             <a:endParaRPr lang="pt-BR" dirty="0"/>
           </a:p>
           <a:p>
-            <a:endParaRPr lang="pt-BR" dirty="0" smtClean="0"/>
+            <a:endParaRPr lang="pt-BR" dirty="0"/>
+          </a:p>
+          <a:p>
+            <a:endParaRPr lang="pt-BR" dirty="0"/>
           </a:p>
           <a:p>
             <a:endParaRPr lang="pt-BR" dirty="0"/>
@@ -14691,11 +13436,7 @@
           <a:p>
             <a:r>
               <a:rPr lang="pt-BR" dirty="0"/>
-              <a:t>Mantendo consistência de dados no </a:t>
-            </a:r>
-            <a:r>
-              <a:rPr lang="pt-BR" dirty="0" smtClean="0"/>
-              <a:t>Redis (cont.)</a:t>
+              <a:t>Mantendo consistência de dados no Redis (cont.)</a:t>
             </a:r>
             <a:endParaRPr lang="en-US" dirty="0"/>
           </a:p>
@@ -14717,7 +13458,7 @@
           <a:lstStyle/>
           <a:p>
             <a:r>
-              <a:rPr lang="pt-BR" dirty="0" smtClean="0"/>
+              <a:rPr lang="pt-BR" dirty="0"/>
               <a:t>Observe a seguinte modelagem:</a:t>
             </a:r>
           </a:p>
@@ -14727,40 +13468,39 @@
           </a:p>
           <a:p>
             <a:pPr lvl="1"/>
-            <a:endParaRPr lang="pt-BR" dirty="0" smtClean="0"/>
+            <a:endParaRPr lang="pt-BR" dirty="0"/>
           </a:p>
           <a:p>
             <a:pPr lvl="1"/>
             <a:endParaRPr lang="pt-BR" dirty="0"/>
           </a:p>
           <a:p>
-            <a:endParaRPr lang="pt-BR" dirty="0" smtClean="0"/>
-          </a:p>
-          <a:p>
-            <a:r>
-              <a:rPr lang="pt-BR" dirty="0" smtClean="0"/>
+            <a:endParaRPr lang="pt-BR" dirty="0"/>
+          </a:p>
+          <a:p>
+            <a:r>
+              <a:rPr lang="pt-BR" dirty="0"/>
               <a:t>Desta maneira não é necessária a consulta de mais de uma estrutura, porém existem o overhead de fazer o </a:t>
             </a:r>
             <a:r>
-              <a:rPr lang="pt-BR" dirty="0" err="1" smtClean="0"/>
+              <a:rPr lang="pt-BR" dirty="0" err="1"/>
               <a:t>parsing</a:t>
             </a:r>
             <a:r>
-              <a:rPr lang="pt-BR" dirty="0" smtClean="0"/>
+              <a:rPr lang="pt-BR" dirty="0"/>
               <a:t> do campo “</a:t>
             </a:r>
             <a:r>
-              <a:rPr lang="pt-BR" dirty="0" err="1" smtClean="0"/>
+              <a:rPr lang="pt-BR" dirty="0" err="1"/>
               <a:t>Materias</a:t>
             </a:r>
             <a:r>
-              <a:rPr lang="pt-BR" dirty="0" smtClean="0"/>
+              <a:rPr lang="pt-BR" dirty="0"/>
               <a:t>”.</a:t>
             </a:r>
+          </a:p>
+          <a:p>
             <a:endParaRPr lang="pt-BR" dirty="0"/>
-          </a:p>
-          <a:p>
-            <a:endParaRPr lang="pt-BR" dirty="0" smtClean="0"/>
           </a:p>
           <a:p>
             <a:endParaRPr lang="pt-BR" dirty="0"/>
@@ -14922,7 +13662,7 @@
           <a:lstStyle/>
           <a:p>
             <a:r>
-              <a:rPr lang="pt-BR" dirty="0" err="1" smtClean="0"/>
+              <a:rPr lang="pt-BR" dirty="0" err="1"/>
               <a:t>Locks</a:t>
             </a:r>
             <a:endParaRPr lang="en-US" dirty="0"/>
@@ -14945,7 +13685,7 @@
           <a:lstStyle/>
           <a:p>
             <a:r>
-              <a:rPr lang="pt-BR" dirty="0" smtClean="0"/>
+              <a:rPr lang="pt-BR" dirty="0"/>
               <a:t>Possível emular esta funcionalidade com MULTI EXEC:</a:t>
             </a:r>
           </a:p>
@@ -14955,81 +13695,76 @@
           </a:p>
           <a:p>
             <a:pPr lvl="1"/>
-            <a:endParaRPr lang="pt-BR" dirty="0" smtClean="0"/>
+            <a:endParaRPr lang="pt-BR" dirty="0"/>
           </a:p>
           <a:p>
             <a:pPr lvl="1"/>
             <a:endParaRPr lang="pt-BR" dirty="0"/>
           </a:p>
           <a:p>
-            <a:endParaRPr lang="pt-BR" dirty="0" smtClean="0"/>
-          </a:p>
-          <a:p>
-            <a:r>
-              <a:rPr lang="pt-BR" dirty="0" smtClean="0"/>
-              <a:t>Se, entre a execução do WATCH e do ZREM o valor de &lt;variável&gt; mudar, a operação irá falhar</a:t>
-            </a:r>
-            <a:r>
-              <a:rPr lang="pt-BR" dirty="0" smtClean="0"/>
-              <a:t>.</a:t>
-            </a:r>
-          </a:p>
-          <a:p>
             <a:endParaRPr lang="pt-BR" dirty="0"/>
           </a:p>
           <a:p>
             <a:r>
-              <a:rPr lang="pt-BR" b="1" u="sng" dirty="0" err="1" smtClean="0"/>
+              <a:rPr lang="pt-BR" dirty="0"/>
+              <a:t>Se, entre a execução do WATCH e do ZREM o valor de &lt;variável&gt; mudar, a operação irá falhar.</a:t>
+            </a:r>
+          </a:p>
+          <a:p>
+            <a:endParaRPr lang="pt-BR" dirty="0"/>
+          </a:p>
+          <a:p>
+            <a:r>
+              <a:rPr lang="pt-BR" b="1" u="sng" dirty="0" err="1"/>
               <a:t>Mini-Laboratório</a:t>
             </a:r>
             <a:r>
-              <a:rPr lang="pt-BR" b="1" u="sng" dirty="0" smtClean="0"/>
+              <a:rPr lang="pt-BR" b="1" u="sng" dirty="0"/>
               <a:t>: </a:t>
             </a:r>
             <a:r>
-              <a:rPr lang="pt-BR" dirty="0" smtClean="0"/>
+              <a:rPr lang="pt-BR" dirty="0"/>
               <a:t>teste esta funcionalidade em 2 janelas de redis-</a:t>
             </a:r>
             <a:r>
-              <a:rPr lang="pt-BR" dirty="0" err="1" smtClean="0"/>
+              <a:rPr lang="pt-BR" dirty="0" err="1"/>
               <a:t>cli</a:t>
             </a:r>
             <a:r>
-              <a:rPr lang="pt-BR" dirty="0" smtClean="0"/>
+              <a:rPr lang="pt-BR" dirty="0"/>
               <a:t>:</a:t>
             </a:r>
           </a:p>
           <a:p>
             <a:pPr lvl="1"/>
             <a:r>
-              <a:rPr lang="pt-BR" dirty="0" smtClean="0"/>
+              <a:rPr lang="pt-BR" dirty="0"/>
               <a:t>Em uma janela, inicie o WATCH de uma chave e uma transação com MULTI</a:t>
             </a:r>
           </a:p>
           <a:p>
             <a:pPr lvl="1"/>
             <a:r>
-              <a:rPr lang="pt-BR" dirty="0" smtClean="0"/>
+              <a:rPr lang="pt-BR" dirty="0"/>
               <a:t>Em outra janela, mude o valor da chave</a:t>
             </a:r>
           </a:p>
           <a:p>
             <a:pPr lvl="1"/>
             <a:r>
-              <a:rPr lang="pt-BR" dirty="0" smtClean="0"/>
+              <a:rPr lang="pt-BR" dirty="0"/>
               <a:t>Na janela original, finalize a transação tentando manipular a chave e depois use o EXEC</a:t>
             </a:r>
           </a:p>
           <a:p>
             <a:pPr lvl="1"/>
             <a:r>
-              <a:rPr lang="pt-BR" dirty="0" smtClean="0"/>
+              <a:rPr lang="pt-BR" dirty="0"/>
               <a:t>Qual o valor mantido na chave?</a:t>
             </a:r>
+          </a:p>
+          <a:p>
             <a:endParaRPr lang="pt-BR" dirty="0"/>
-          </a:p>
-          <a:p>
-            <a:endParaRPr lang="pt-BR" dirty="0" smtClean="0"/>
           </a:p>
           <a:p>
             <a:endParaRPr lang="pt-BR" dirty="0"/>
@@ -15085,7 +13820,7 @@
               <a:t>WATCH </a:t>
             </a:r>
             <a:r>
-              <a:rPr lang="en-US" sz="1200" dirty="0" err="1" smtClean="0">
+              <a:rPr lang="en-US" sz="1200" dirty="0" err="1">
                 <a:solidFill>
                   <a:schemeClr val="tx2"/>
                 </a:solidFill>
@@ -15132,7 +13867,7 @@
               <a:t>ZREM </a:t>
             </a:r>
             <a:r>
-              <a:rPr lang="en-US" sz="1200" dirty="0" err="1" smtClean="0">
+              <a:rPr lang="en-US" sz="1200" dirty="0" err="1">
                 <a:solidFill>
                   <a:schemeClr val="tx2"/>
                 </a:solidFill>
@@ -15273,15 +14008,15 @@
           <a:lstStyle/>
           <a:p>
             <a:r>
-              <a:rPr lang="pt-BR" dirty="0" smtClean="0"/>
+              <a:rPr lang="pt-BR" dirty="0"/>
               <a:t>Solução de </a:t>
             </a:r>
             <a:r>
-              <a:rPr lang="pt-BR" dirty="0" err="1" smtClean="0"/>
+              <a:rPr lang="pt-BR" dirty="0" err="1"/>
               <a:t>caching</a:t>
             </a:r>
             <a:r>
-              <a:rPr lang="pt-BR" dirty="0" smtClean="0"/>
+              <a:rPr lang="pt-BR" dirty="0"/>
               <a:t> de páginas Web</a:t>
             </a:r>
             <a:endParaRPr lang="en-US" dirty="0"/>
@@ -15304,15 +14039,15 @@
           <a:lstStyle/>
           <a:p>
             <a:r>
-              <a:rPr lang="pt-BR" dirty="0" smtClean="0"/>
+              <a:rPr lang="pt-BR" dirty="0"/>
               <a:t>Código em PHP (cliente </a:t>
             </a:r>
             <a:r>
-              <a:rPr lang="pt-BR" dirty="0" err="1" smtClean="0"/>
+              <a:rPr lang="pt-BR" dirty="0" err="1"/>
               <a:t>Predis</a:t>
             </a:r>
             <a:r>
-              <a:rPr lang="pt-BR" dirty="0" smtClean="0"/>
+              <a:rPr lang="pt-BR" dirty="0"/>
               <a:t>):</a:t>
             </a:r>
           </a:p>
@@ -15320,13 +14055,13 @@
             <a:endParaRPr lang="pt-BR" dirty="0"/>
           </a:p>
           <a:p>
-            <a:endParaRPr lang="pt-BR" dirty="0" smtClean="0"/>
-          </a:p>
-          <a:p>
             <a:endParaRPr lang="pt-BR" dirty="0"/>
           </a:p>
           <a:p>
-            <a:endParaRPr lang="pt-BR" dirty="0" smtClean="0"/>
+            <a:endParaRPr lang="pt-BR" dirty="0"/>
+          </a:p>
+          <a:p>
+            <a:endParaRPr lang="pt-BR" dirty="0"/>
           </a:p>
         </p:txBody>
       </p:sp>
@@ -15499,7 +14234,7 @@
             <a:pPr>
               <a:defRPr/>
             </a:pPr>
-            <a:endParaRPr lang="pt-BR" sz="1200" dirty="0" smtClean="0">
+            <a:endParaRPr lang="pt-BR" sz="1200" dirty="0">
               <a:solidFill>
                 <a:schemeClr val="tx2"/>
               </a:solidFill>
@@ -15512,7 +14247,7 @@
               <a:defRPr/>
             </a:pPr>
             <a:r>
-              <a:rPr lang="pt-BR" sz="1200" dirty="0" smtClean="0">
+              <a:rPr lang="pt-BR" sz="1200" dirty="0">
                 <a:solidFill>
                   <a:schemeClr val="tx2"/>
                 </a:solidFill>
@@ -15724,7 +14459,7 @@
               <a:defRPr/>
             </a:pPr>
             <a:r>
-              <a:rPr lang="en-US" sz="1200" dirty="0" smtClean="0">
+              <a:rPr lang="en-US" sz="1200" dirty="0">
                 <a:solidFill>
                   <a:schemeClr val="tx2"/>
                 </a:solidFill>
@@ -15734,7 +14469,7 @@
               <a:t>//Se </a:t>
             </a:r>
             <a:r>
-              <a:rPr lang="en-US" sz="1200" dirty="0" err="1" smtClean="0">
+              <a:rPr lang="en-US" sz="1200" dirty="0" err="1">
                 <a:solidFill>
                   <a:schemeClr val="tx2"/>
                 </a:solidFill>
@@ -15744,7 +14479,7 @@
               <a:t>não</a:t>
             </a:r>
             <a:r>
-              <a:rPr lang="en-US" sz="1200" dirty="0" smtClean="0">
+              <a:rPr lang="en-US" sz="1200" dirty="0">
                 <a:solidFill>
                   <a:schemeClr val="tx2"/>
                 </a:solidFill>
@@ -15754,7 +14489,7 @@
               <a:t> </a:t>
             </a:r>
             <a:r>
-              <a:rPr lang="en-US" sz="1200" dirty="0" err="1" smtClean="0">
+              <a:rPr lang="en-US" sz="1200" dirty="0" err="1">
                 <a:solidFill>
                   <a:schemeClr val="tx2"/>
                 </a:solidFill>
@@ -15764,7 +14499,7 @@
               <a:t>existe</a:t>
             </a:r>
             <a:r>
-              <a:rPr lang="en-US" sz="1200" dirty="0" smtClean="0">
+              <a:rPr lang="en-US" sz="1200" dirty="0">
                 <a:solidFill>
                   <a:schemeClr val="tx2"/>
                 </a:solidFill>
@@ -15774,7 +14509,7 @@
               <a:t>, </a:t>
             </a:r>
             <a:r>
-              <a:rPr lang="en-US" sz="1200" dirty="0" err="1" smtClean="0">
+              <a:rPr lang="en-US" sz="1200" dirty="0" err="1">
                 <a:solidFill>
                   <a:schemeClr val="tx2"/>
                 </a:solidFill>
@@ -15784,7 +14519,7 @@
               <a:t>gera</a:t>
             </a:r>
             <a:r>
-              <a:rPr lang="en-US" sz="1200" dirty="0" smtClean="0">
+              <a:rPr lang="en-US" sz="1200" dirty="0">
                 <a:solidFill>
                   <a:schemeClr val="tx2"/>
                 </a:solidFill>
@@ -15794,7 +14529,7 @@
               <a:t> a </a:t>
             </a:r>
             <a:r>
-              <a:rPr lang="en-US" sz="1200" dirty="0" err="1" smtClean="0">
+              <a:rPr lang="en-US" sz="1200" dirty="0" err="1">
                 <a:solidFill>
                   <a:schemeClr val="tx2"/>
                 </a:solidFill>
@@ -15816,7 +14551,7 @@
               <a:defRPr/>
             </a:pPr>
             <a:r>
-              <a:rPr lang="pt-BR" sz="1200" dirty="0" smtClean="0">
+              <a:rPr lang="pt-BR" sz="1200" dirty="0">
                 <a:solidFill>
                   <a:schemeClr val="tx2"/>
                 </a:solidFill>
@@ -15826,7 +14561,7 @@
               <a:t>$</a:t>
             </a:r>
             <a:r>
-              <a:rPr lang="pt-BR" sz="1200" dirty="0" err="1" smtClean="0">
+              <a:rPr lang="pt-BR" sz="1200" dirty="0" err="1">
                 <a:solidFill>
                   <a:schemeClr val="tx2"/>
                 </a:solidFill>
@@ -15836,7 +14571,7 @@
               <a:t>contents</a:t>
             </a:r>
             <a:r>
-              <a:rPr lang="pt-BR" sz="1200" dirty="0" smtClean="0">
+              <a:rPr lang="pt-BR" sz="1200" dirty="0">
                 <a:solidFill>
                   <a:schemeClr val="tx2"/>
                 </a:solidFill>
@@ -15851,7 +14586,7 @@
               <a:defRPr/>
             </a:pPr>
             <a:r>
-              <a:rPr lang="pt-BR" sz="1200" dirty="0" smtClean="0">
+              <a:rPr lang="pt-BR" sz="1200" dirty="0">
                 <a:solidFill>
                   <a:schemeClr val="tx2"/>
                 </a:solidFill>
@@ -15996,13 +14731,6 @@
   <p:transition spd="med">
     <p:wipe dir="r"/>
   </p:transition>
-  <p:timing>
-    <p:tnLst>
-      <p:par>
-        <p:cTn id="1" dur="indefinite" restart="never" nodeType="tmRoot"/>
-      </p:par>
-    </p:tnLst>
-  </p:timing>
 </p:sld>
 </file>
 
@@ -16996,12 +15724,6 @@
 </file>
 
 <file path=customXml/item1.xml><?xml version="1.0" encoding="utf-8"?>
-<p:properties xmlns:p="http://schemas.microsoft.com/office/2006/metadata/properties" xmlns:xsi="http://www.w3.org/2001/XMLSchema-instance">
-  <documentManagement/>
-</p:properties>
-</file>
-
-<file path=customXml/item2.xml><?xml version="1.0" encoding="utf-8"?>
 <ct:contentTypeSchema xmlns:ct="http://schemas.microsoft.com/office/2006/metadata/contentType" xmlns:ma="http://schemas.microsoft.com/office/2006/metadata/properties/metaAttributes" ct:_="" ma:_="" ma:contentTypeName="Document" ma:contentTypeID="0x010100EAEEBEE83C66E54EA9BED83B0A9A60DB" ma:contentTypeVersion="1" ma:contentTypeDescription="Create a new document." ma:contentTypeScope="" ma:versionID="51a43b2161297f783d65b37e357c79e9">
   <xsd:schema xmlns:xsd="http://www.w3.org/2001/XMLSchema" xmlns:p="http://schemas.microsoft.com/office/2006/metadata/properties" targetNamespace="http://schemas.microsoft.com/office/2006/metadata/properties" ma:root="true" ma:fieldsID="b9cfef283e0bc2d986a66f9ec0cdc424">
     <xsd:element name="properties">
@@ -17050,6 +15772,12 @@
 </ct:contentTypeSchema>
 </file>
 
+<file path=customXml/item2.xml><?xml version="1.0" encoding="utf-8"?>
+<p:properties xmlns:p="http://schemas.microsoft.com/office/2006/metadata/properties" xmlns:xsi="http://www.w3.org/2001/XMLSchema-instance">
+  <documentManagement/>
+</p:properties>
+</file>
+
 <file path=customXml/item3.xml><?xml version="1.0" encoding="utf-8"?>
 <?mso-contentType ?>
 <FormTemplates xmlns="http://schemas.microsoft.com/sharepoint/v3/contenttype/forms">
@@ -17060,20 +15788,6 @@
 </file>
 
 <file path=customXml/itemProps1.xml><?xml version="1.0" encoding="utf-8"?>
-<ds:datastoreItem xmlns:ds="http://schemas.openxmlformats.org/officeDocument/2006/customXml" ds:itemID="{0873BDD3-AA35-4F19-A12A-C6462BECFBD1}">
-  <ds:schemaRefs>
-    <ds:schemaRef ds:uri="http://purl.org/dc/dcmitype/"/>
-    <ds:schemaRef ds:uri="http://purl.org/dc/elements/1.1/"/>
-    <ds:schemaRef ds:uri="http://schemas.microsoft.com/office/2006/documentManagement/types"/>
-    <ds:schemaRef ds:uri="http://purl.org/dc/terms/"/>
-    <ds:schemaRef ds:uri="http://www.w3.org/XML/1998/namespace"/>
-    <ds:schemaRef ds:uri="http://schemas.microsoft.com/office/2006/metadata/properties"/>
-    <ds:schemaRef ds:uri="http://schemas.openxmlformats.org/package/2006/metadata/core-properties"/>
-  </ds:schemaRefs>
-</ds:datastoreItem>
-</file>
-
-<file path=customXml/itemProps2.xml><?xml version="1.0" encoding="utf-8"?>
 <ds:datastoreItem xmlns:ds="http://schemas.openxmlformats.org/officeDocument/2006/customXml" ds:itemID="{A3332CB6-AB82-4DD3-8C89-C660A1C3944B}">
   <ds:schemaRefs>
     <ds:schemaRef ds:uri="http://schemas.microsoft.com/office/2006/metadata/contentType"/>
@@ -17088,6 +15802,20 @@
 </ds:datastoreItem>
 </file>
 
+<file path=customXml/itemProps2.xml><?xml version="1.0" encoding="utf-8"?>
+<ds:datastoreItem xmlns:ds="http://schemas.openxmlformats.org/officeDocument/2006/customXml" ds:itemID="{0873BDD3-AA35-4F19-A12A-C6462BECFBD1}">
+  <ds:schemaRefs>
+    <ds:schemaRef ds:uri="http://purl.org/dc/dcmitype/"/>
+    <ds:schemaRef ds:uri="http://purl.org/dc/elements/1.1/"/>
+    <ds:schemaRef ds:uri="http://schemas.microsoft.com/office/2006/documentManagement/types"/>
+    <ds:schemaRef ds:uri="http://purl.org/dc/terms/"/>
+    <ds:schemaRef ds:uri="http://www.w3.org/XML/1998/namespace"/>
+    <ds:schemaRef ds:uri="http://schemas.microsoft.com/office/2006/metadata/properties"/>
+    <ds:schemaRef ds:uri="http://schemas.openxmlformats.org/package/2006/metadata/core-properties"/>
+  </ds:schemaRefs>
+</ds:datastoreItem>
+</file>
+
 <file path=customXml/itemProps3.xml><?xml version="1.0" encoding="utf-8"?>
 <ds:datastoreItem xmlns:ds="http://schemas.openxmlformats.org/officeDocument/2006/customXml" ds:itemID="{86FC490B-1F77-48C5-AC70-1DD939DBDF04}">
   <ds:schemaRefs>
